--- a/img/file_structure.pptx
+++ b/img/file_structure.pptx
@@ -104,7 +104,1385 @@
       </a:defRPr>
     </a:lvl9pPr>
   </p:defaultTextStyle>
+  <p:extLst>
+    <p:ext uri="{EFAFB233-063F-42B5-8137-9DF3F51BA10A}">
+      <p15:sldGuideLst xmlns:p15="http://schemas.microsoft.com/office/powerpoint/2012/main"/>
+    </p:ext>
+  </p:extLst>
 </p:presentation>
+</file>
+
+<file path=ppt/revisionInfo.xml><?xml version="1.0" encoding="utf-8"?>
+<p1510:revInfo xmlns:a="http://schemas.openxmlformats.org/drawingml/2006/main" xmlns:r="http://schemas.openxmlformats.org/officeDocument/2006/relationships" xmlns:p1510="http://schemas.microsoft.com/office/powerpoint/2015/10/main">
+  <p1510:revLst>
+    <p1510:client id="{15DC2BB1-AB5F-4445-BE4B-0EA8B723DC84}" v="12" dt="2021-08-19T17:17:34.679"/>
+  </p1510:revLst>
+</p1510:revInfo>
+</file>
+
+<file path=ppt/changesInfos/changesInfo1.xml><?xml version="1.0" encoding="utf-8"?>
+<pc:chgInfo xmlns:a="http://schemas.openxmlformats.org/drawingml/2006/main" xmlns:r="http://schemas.openxmlformats.org/officeDocument/2006/relationships" xmlns:ac="http://schemas.microsoft.com/office/drawing/2013/main/command" xmlns:pc="http://schemas.microsoft.com/office/powerpoint/2013/main/command">
+  <pc:docChgLst>
+    <pc:chgData name="Samuel Huguet" userId="4578c951471d7f2a" providerId="LiveId" clId="{15DC2BB1-AB5F-4445-BE4B-0EA8B723DC84}"/>
+    <pc:docChg chg="undo custSel modSld">
+      <pc:chgData name="Samuel Huguet" userId="4578c951471d7f2a" providerId="LiveId" clId="{15DC2BB1-AB5F-4445-BE4B-0EA8B723DC84}" dt="2021-08-19T17:19:13.384" v="681" actId="14100"/>
+      <pc:docMkLst>
+        <pc:docMk/>
+      </pc:docMkLst>
+      <pc:sldChg chg="addSp delSp modSp mod">
+        <pc:chgData name="Samuel Huguet" userId="4578c951471d7f2a" providerId="LiveId" clId="{15DC2BB1-AB5F-4445-BE4B-0EA8B723DC84}" dt="2021-08-19T17:19:13.384" v="681" actId="14100"/>
+        <pc:sldMkLst>
+          <pc:docMk/>
+          <pc:sldMk cId="1152007807" sldId="256"/>
+        </pc:sldMkLst>
+        <pc:spChg chg="mod">
+          <ac:chgData name="Samuel Huguet" userId="4578c951471d7f2a" providerId="LiveId" clId="{15DC2BB1-AB5F-4445-BE4B-0EA8B723DC84}" dt="2021-08-19T17:01:08.574" v="31" actId="1076"/>
+          <ac:spMkLst>
+            <pc:docMk/>
+            <pc:sldMk cId="1152007807" sldId="256"/>
+            <ac:spMk id="4" creationId="{16F55918-6D80-4B3E-827C-1967B1B8A445}"/>
+          </ac:spMkLst>
+        </pc:spChg>
+        <pc:spChg chg="mod">
+          <ac:chgData name="Samuel Huguet" userId="4578c951471d7f2a" providerId="LiveId" clId="{15DC2BB1-AB5F-4445-BE4B-0EA8B723DC84}" dt="2021-08-19T17:00:05.024" v="0" actId="1076"/>
+          <ac:spMkLst>
+            <pc:docMk/>
+            <pc:sldMk cId="1152007807" sldId="256"/>
+            <ac:spMk id="5" creationId="{E7FFECA7-B313-492A-8E5E-767DCF74A91B}"/>
+          </ac:spMkLst>
+        </pc:spChg>
+        <pc:spChg chg="mod">
+          <ac:chgData name="Samuel Huguet" userId="4578c951471d7f2a" providerId="LiveId" clId="{15DC2BB1-AB5F-4445-BE4B-0EA8B723DC84}" dt="2021-08-19T17:00:05.024" v="0" actId="1076"/>
+          <ac:spMkLst>
+            <pc:docMk/>
+            <pc:sldMk cId="1152007807" sldId="256"/>
+            <ac:spMk id="9" creationId="{297E2E88-E61C-4112-9001-18F1CC1C32FD}"/>
+          </ac:spMkLst>
+        </pc:spChg>
+        <pc:spChg chg="mod">
+          <ac:chgData name="Samuel Huguet" userId="4578c951471d7f2a" providerId="LiveId" clId="{15DC2BB1-AB5F-4445-BE4B-0EA8B723DC84}" dt="2021-08-19T17:11:31.560" v="337" actId="1076"/>
+          <ac:spMkLst>
+            <pc:docMk/>
+            <pc:sldMk cId="1152007807" sldId="256"/>
+            <ac:spMk id="13" creationId="{C06A47B8-C783-4ADE-B4BB-65CEC792A7C0}"/>
+          </ac:spMkLst>
+        </pc:spChg>
+        <pc:spChg chg="mod">
+          <ac:chgData name="Samuel Huguet" userId="4578c951471d7f2a" providerId="LiveId" clId="{15DC2BB1-AB5F-4445-BE4B-0EA8B723DC84}" dt="2021-08-19T17:11:35.959" v="338" actId="1076"/>
+          <ac:spMkLst>
+            <pc:docMk/>
+            <pc:sldMk cId="1152007807" sldId="256"/>
+            <ac:spMk id="15" creationId="{682F62C4-1107-4C7F-AB0A-311091D6068E}"/>
+          </ac:spMkLst>
+        </pc:spChg>
+        <pc:spChg chg="mod">
+          <ac:chgData name="Samuel Huguet" userId="4578c951471d7f2a" providerId="LiveId" clId="{15DC2BB1-AB5F-4445-BE4B-0EA8B723DC84}" dt="2021-08-19T17:11:13.715" v="323" actId="114"/>
+          <ac:spMkLst>
+            <pc:docMk/>
+            <pc:sldMk cId="1152007807" sldId="256"/>
+            <ac:spMk id="16" creationId="{DA81CD2E-FBA5-40B1-BEB0-B15E4710FA7D}"/>
+          </ac:spMkLst>
+        </pc:spChg>
+        <pc:spChg chg="mod">
+          <ac:chgData name="Samuel Huguet" userId="4578c951471d7f2a" providerId="LiveId" clId="{15DC2BB1-AB5F-4445-BE4B-0EA8B723DC84}" dt="2021-08-19T17:13:12.362" v="436" actId="1076"/>
+          <ac:spMkLst>
+            <pc:docMk/>
+            <pc:sldMk cId="1152007807" sldId="256"/>
+            <ac:spMk id="62" creationId="{BC4DAD2F-BA6C-4D5B-A1B4-4605037A4A9B}"/>
+          </ac:spMkLst>
+        </pc:spChg>
+        <pc:spChg chg="add mod">
+          <ac:chgData name="Samuel Huguet" userId="4578c951471d7f2a" providerId="LiveId" clId="{15DC2BB1-AB5F-4445-BE4B-0EA8B723DC84}" dt="2021-08-19T17:19:04.866" v="678" actId="1076"/>
+          <ac:spMkLst>
+            <pc:docMk/>
+            <pc:sldMk cId="1152007807" sldId="256"/>
+            <ac:spMk id="63" creationId="{45876816-EB87-4CA9-A98C-5188103BCD39}"/>
+          </ac:spMkLst>
+        </pc:spChg>
+        <pc:spChg chg="add mod">
+          <ac:chgData name="Samuel Huguet" userId="4578c951471d7f2a" providerId="LiveId" clId="{15DC2BB1-AB5F-4445-BE4B-0EA8B723DC84}" dt="2021-08-19T17:11:23.139" v="336" actId="1038"/>
+          <ac:spMkLst>
+            <pc:docMk/>
+            <pc:sldMk cId="1152007807" sldId="256"/>
+            <ac:spMk id="64" creationId="{58F398FD-00F6-43FE-A032-B6EA257B7AF4}"/>
+          </ac:spMkLst>
+        </pc:spChg>
+        <pc:spChg chg="add mod">
+          <ac:chgData name="Samuel Huguet" userId="4578c951471d7f2a" providerId="LiveId" clId="{15DC2BB1-AB5F-4445-BE4B-0EA8B723DC84}" dt="2021-08-19T17:11:23.139" v="336" actId="1038"/>
+          <ac:spMkLst>
+            <pc:docMk/>
+            <pc:sldMk cId="1152007807" sldId="256"/>
+            <ac:spMk id="65" creationId="{4D66DEBF-3AB1-41FC-9350-EC6CB5CDC747}"/>
+          </ac:spMkLst>
+        </pc:spChg>
+        <pc:spChg chg="add mod">
+          <ac:chgData name="Samuel Huguet" userId="4578c951471d7f2a" providerId="LiveId" clId="{15DC2BB1-AB5F-4445-BE4B-0EA8B723DC84}" dt="2021-08-19T17:11:23.139" v="336" actId="1038"/>
+          <ac:spMkLst>
+            <pc:docMk/>
+            <pc:sldMk cId="1152007807" sldId="256"/>
+            <ac:spMk id="66" creationId="{00074A48-F9E2-40FB-977A-785B3E3E0918}"/>
+          </ac:spMkLst>
+        </pc:spChg>
+        <pc:spChg chg="add mod">
+          <ac:chgData name="Samuel Huguet" userId="4578c951471d7f2a" providerId="LiveId" clId="{15DC2BB1-AB5F-4445-BE4B-0EA8B723DC84}" dt="2021-08-19T17:11:23.139" v="336" actId="1038"/>
+          <ac:spMkLst>
+            <pc:docMk/>
+            <pc:sldMk cId="1152007807" sldId="256"/>
+            <ac:spMk id="71" creationId="{4433AD18-F116-4890-A1BD-C6A321479C77}"/>
+          </ac:spMkLst>
+        </pc:spChg>
+        <pc:spChg chg="add mod">
+          <ac:chgData name="Samuel Huguet" userId="4578c951471d7f2a" providerId="LiveId" clId="{15DC2BB1-AB5F-4445-BE4B-0EA8B723DC84}" dt="2021-08-19T17:11:23.139" v="336" actId="1038"/>
+          <ac:spMkLst>
+            <pc:docMk/>
+            <pc:sldMk cId="1152007807" sldId="256"/>
+            <ac:spMk id="72" creationId="{F0776E4E-8391-4B2B-A03E-962F4516B280}"/>
+          </ac:spMkLst>
+        </pc:spChg>
+        <pc:spChg chg="add mod">
+          <ac:chgData name="Samuel Huguet" userId="4578c951471d7f2a" providerId="LiveId" clId="{15DC2BB1-AB5F-4445-BE4B-0EA8B723DC84}" dt="2021-08-19T17:11:23.139" v="336" actId="1038"/>
+          <ac:spMkLst>
+            <pc:docMk/>
+            <pc:sldMk cId="1152007807" sldId="256"/>
+            <ac:spMk id="73" creationId="{BE418C79-9B1A-4636-92BD-E130B8D114F8}"/>
+          </ac:spMkLst>
+        </pc:spChg>
+        <pc:spChg chg="add mod">
+          <ac:chgData name="Samuel Huguet" userId="4578c951471d7f2a" providerId="LiveId" clId="{15DC2BB1-AB5F-4445-BE4B-0EA8B723DC84}" dt="2021-08-19T17:13:34.399" v="440" actId="14100"/>
+          <ac:spMkLst>
+            <pc:docMk/>
+            <pc:sldMk cId="1152007807" sldId="256"/>
+            <ac:spMk id="78" creationId="{E5D50B75-E1AA-4DF7-A608-9A1FAC916A02}"/>
+          </ac:spMkLst>
+        </pc:spChg>
+        <pc:spChg chg="add mod">
+          <ac:chgData name="Samuel Huguet" userId="4578c951471d7f2a" providerId="LiveId" clId="{15DC2BB1-AB5F-4445-BE4B-0EA8B723DC84}" dt="2021-08-19T17:13:37.672" v="441" actId="1076"/>
+          <ac:spMkLst>
+            <pc:docMk/>
+            <pc:sldMk cId="1152007807" sldId="256"/>
+            <ac:spMk id="79" creationId="{9CA26948-A78D-42A0-A266-45C090EAABEA}"/>
+          </ac:spMkLst>
+        </pc:spChg>
+        <pc:spChg chg="add del mod">
+          <ac:chgData name="Samuel Huguet" userId="4578c951471d7f2a" providerId="LiveId" clId="{15DC2BB1-AB5F-4445-BE4B-0EA8B723DC84}" dt="2021-08-19T17:12:15.969" v="349" actId="478"/>
+          <ac:spMkLst>
+            <pc:docMk/>
+            <pc:sldMk cId="1152007807" sldId="256"/>
+            <ac:spMk id="80" creationId="{9DA2A4C6-036F-4483-BB1E-90FB7C302340}"/>
+          </ac:spMkLst>
+        </pc:spChg>
+        <pc:spChg chg="add del mod">
+          <ac:chgData name="Samuel Huguet" userId="4578c951471d7f2a" providerId="LiveId" clId="{15DC2BB1-AB5F-4445-BE4B-0EA8B723DC84}" dt="2021-08-19T17:12:18.590" v="350" actId="478"/>
+          <ac:spMkLst>
+            <pc:docMk/>
+            <pc:sldMk cId="1152007807" sldId="256"/>
+            <ac:spMk id="81" creationId="{AD63D1DB-4ACA-41F9-9934-8EEB6E53AD43}"/>
+          </ac:spMkLst>
+        </pc:spChg>
+        <pc:spChg chg="add del mod">
+          <ac:chgData name="Samuel Huguet" userId="4578c951471d7f2a" providerId="LiveId" clId="{15DC2BB1-AB5F-4445-BE4B-0EA8B723DC84}" dt="2021-08-19T17:12:12.261" v="347" actId="478"/>
+          <ac:spMkLst>
+            <pc:docMk/>
+            <pc:sldMk cId="1152007807" sldId="256"/>
+            <ac:spMk id="82" creationId="{9E3F5263-854D-403D-BB02-87ABEA09EA51}"/>
+          </ac:spMkLst>
+        </pc:spChg>
+        <pc:spChg chg="add mod">
+          <ac:chgData name="Samuel Huguet" userId="4578c951471d7f2a" providerId="LiveId" clId="{15DC2BB1-AB5F-4445-BE4B-0EA8B723DC84}" dt="2021-08-19T17:13:27.331" v="438" actId="1076"/>
+          <ac:spMkLst>
+            <pc:docMk/>
+            <pc:sldMk cId="1152007807" sldId="256"/>
+            <ac:spMk id="87" creationId="{2EEBD1D5-DF28-4F84-934C-EB5D706D8DF7}"/>
+          </ac:spMkLst>
+        </pc:spChg>
+        <pc:spChg chg="add mod">
+          <ac:chgData name="Samuel Huguet" userId="4578c951471d7f2a" providerId="LiveId" clId="{15DC2BB1-AB5F-4445-BE4B-0EA8B723DC84}" dt="2021-08-19T17:13:27.331" v="438" actId="1076"/>
+          <ac:spMkLst>
+            <pc:docMk/>
+            <pc:sldMk cId="1152007807" sldId="256"/>
+            <ac:spMk id="88" creationId="{F31CC1FA-7774-4596-A8FD-EC586C5B0F95}"/>
+          </ac:spMkLst>
+        </pc:spChg>
+        <pc:spChg chg="add mod">
+          <ac:chgData name="Samuel Huguet" userId="4578c951471d7f2a" providerId="LiveId" clId="{15DC2BB1-AB5F-4445-BE4B-0EA8B723DC84}" dt="2021-08-19T17:13:27.331" v="438" actId="1076"/>
+          <ac:spMkLst>
+            <pc:docMk/>
+            <pc:sldMk cId="1152007807" sldId="256"/>
+            <ac:spMk id="89" creationId="{2BF21C54-CFB5-4C78-A746-35AD5A50DDA1}"/>
+          </ac:spMkLst>
+        </pc:spChg>
+        <pc:spChg chg="add del mod">
+          <ac:chgData name="Samuel Huguet" userId="4578c951471d7f2a" providerId="LiveId" clId="{15DC2BB1-AB5F-4445-BE4B-0EA8B723DC84}" dt="2021-08-19T17:19:13.384" v="681" actId="14100"/>
+          <ac:spMkLst>
+            <pc:docMk/>
+            <pc:sldMk cId="1152007807" sldId="256"/>
+            <ac:spMk id="91" creationId="{5EE9FD3B-9665-4C35-BF45-18F544331515}"/>
+          </ac:spMkLst>
+        </pc:spChg>
+        <pc:spChg chg="mod">
+          <ac:chgData name="Samuel Huguet" userId="4578c951471d7f2a" providerId="LiveId" clId="{15DC2BB1-AB5F-4445-BE4B-0EA8B723DC84}" dt="2021-08-19T17:00:05.024" v="0" actId="1076"/>
+          <ac:spMkLst>
+            <pc:docMk/>
+            <pc:sldMk cId="1152007807" sldId="256"/>
+            <ac:spMk id="93" creationId="{03F1264B-5B59-43A6-ADD0-CBEA9BD898C3}"/>
+          </ac:spMkLst>
+        </pc:spChg>
+        <pc:spChg chg="mod">
+          <ac:chgData name="Samuel Huguet" userId="4578c951471d7f2a" providerId="LiveId" clId="{15DC2BB1-AB5F-4445-BE4B-0EA8B723DC84}" dt="2021-08-19T17:12:37.549" v="393" actId="1035"/>
+          <ac:spMkLst>
+            <pc:docMk/>
+            <pc:sldMk cId="1152007807" sldId="256"/>
+            <ac:spMk id="96" creationId="{FEB1A72B-E297-4A02-9CEC-42D6C19DAD54}"/>
+          </ac:spMkLst>
+        </pc:spChg>
+        <pc:spChg chg="del mod">
+          <ac:chgData name="Samuel Huguet" userId="4578c951471d7f2a" providerId="LiveId" clId="{15DC2BB1-AB5F-4445-BE4B-0EA8B723DC84}" dt="2021-08-19T17:08:15.760" v="203" actId="478"/>
+          <ac:spMkLst>
+            <pc:docMk/>
+            <pc:sldMk cId="1152007807" sldId="256"/>
+            <ac:spMk id="97" creationId="{BDB1FEA1-842E-4604-8973-86719B88C231}"/>
+          </ac:spMkLst>
+        </pc:spChg>
+        <pc:spChg chg="del mod">
+          <ac:chgData name="Samuel Huguet" userId="4578c951471d7f2a" providerId="LiveId" clId="{15DC2BB1-AB5F-4445-BE4B-0EA8B723DC84}" dt="2021-08-19T17:08:15.760" v="203" actId="478"/>
+          <ac:spMkLst>
+            <pc:docMk/>
+            <pc:sldMk cId="1152007807" sldId="256"/>
+            <ac:spMk id="98" creationId="{52041970-6BCF-4D81-A850-6D35E87FA26A}"/>
+          </ac:spMkLst>
+        </pc:spChg>
+        <pc:spChg chg="del mod">
+          <ac:chgData name="Samuel Huguet" userId="4578c951471d7f2a" providerId="LiveId" clId="{15DC2BB1-AB5F-4445-BE4B-0EA8B723DC84}" dt="2021-08-19T17:08:15.760" v="203" actId="478"/>
+          <ac:spMkLst>
+            <pc:docMk/>
+            <pc:sldMk cId="1152007807" sldId="256"/>
+            <ac:spMk id="99" creationId="{1BC61666-8040-41FA-B519-C3E8EEC2EA01}"/>
+          </ac:spMkLst>
+        </pc:spChg>
+        <pc:spChg chg="mod">
+          <ac:chgData name="Samuel Huguet" userId="4578c951471d7f2a" providerId="LiveId" clId="{15DC2BB1-AB5F-4445-BE4B-0EA8B723DC84}" dt="2021-08-19T17:12:37.549" v="393" actId="1035"/>
+          <ac:spMkLst>
+            <pc:docMk/>
+            <pc:sldMk cId="1152007807" sldId="256"/>
+            <ac:spMk id="105" creationId="{4DBE32A0-70A1-4EF2-8654-F0921688F2E4}"/>
+          </ac:spMkLst>
+        </pc:spChg>
+        <pc:spChg chg="mod">
+          <ac:chgData name="Samuel Huguet" userId="4578c951471d7f2a" providerId="LiveId" clId="{15DC2BB1-AB5F-4445-BE4B-0EA8B723DC84}" dt="2021-08-19T17:16:12.508" v="493" actId="1076"/>
+          <ac:spMkLst>
+            <pc:docMk/>
+            <pc:sldMk cId="1152007807" sldId="256"/>
+            <ac:spMk id="109" creationId="{38212EB2-822B-4DF6-9CC1-8A7AC6C3B3B1}"/>
+          </ac:spMkLst>
+        </pc:spChg>
+        <pc:spChg chg="del mod">
+          <ac:chgData name="Samuel Huguet" userId="4578c951471d7f2a" providerId="LiveId" clId="{15DC2BB1-AB5F-4445-BE4B-0EA8B723DC84}" dt="2021-08-19T17:14:12.913" v="442" actId="478"/>
+          <ac:spMkLst>
+            <pc:docMk/>
+            <pc:sldMk cId="1152007807" sldId="256"/>
+            <ac:spMk id="111" creationId="{B334F871-E1A1-434D-ABC9-9FA5F46A84BC}"/>
+          </ac:spMkLst>
+        </pc:spChg>
+        <pc:spChg chg="del mod">
+          <ac:chgData name="Samuel Huguet" userId="4578c951471d7f2a" providerId="LiveId" clId="{15DC2BB1-AB5F-4445-BE4B-0EA8B723DC84}" dt="2021-08-19T17:14:12.913" v="442" actId="478"/>
+          <ac:spMkLst>
+            <pc:docMk/>
+            <pc:sldMk cId="1152007807" sldId="256"/>
+            <ac:spMk id="112" creationId="{1EA6F2A3-7315-4EC7-BBBF-2B18CB192271}"/>
+          </ac:spMkLst>
+        </pc:spChg>
+        <pc:spChg chg="del mod">
+          <ac:chgData name="Samuel Huguet" userId="4578c951471d7f2a" providerId="LiveId" clId="{15DC2BB1-AB5F-4445-BE4B-0EA8B723DC84}" dt="2021-08-19T17:14:12.913" v="442" actId="478"/>
+          <ac:spMkLst>
+            <pc:docMk/>
+            <pc:sldMk cId="1152007807" sldId="256"/>
+            <ac:spMk id="113" creationId="{7A231BAD-AC20-4C3F-94D9-51E03917B0BE}"/>
+          </ac:spMkLst>
+        </pc:spChg>
+        <pc:spChg chg="del mod">
+          <ac:chgData name="Samuel Huguet" userId="4578c951471d7f2a" providerId="LiveId" clId="{15DC2BB1-AB5F-4445-BE4B-0EA8B723DC84}" dt="2021-08-19T17:14:12.913" v="442" actId="478"/>
+          <ac:spMkLst>
+            <pc:docMk/>
+            <pc:sldMk cId="1152007807" sldId="256"/>
+            <ac:spMk id="114" creationId="{4DAB5C2F-0AB9-4E6E-B60F-1FB729EF3CE1}"/>
+          </ac:spMkLst>
+        </pc:spChg>
+        <pc:spChg chg="del mod">
+          <ac:chgData name="Samuel Huguet" userId="4578c951471d7f2a" providerId="LiveId" clId="{15DC2BB1-AB5F-4445-BE4B-0EA8B723DC84}" dt="2021-08-19T17:14:12.913" v="442" actId="478"/>
+          <ac:spMkLst>
+            <pc:docMk/>
+            <pc:sldMk cId="1152007807" sldId="256"/>
+            <ac:spMk id="115" creationId="{BF0A1AA2-1C3A-4BD5-89FD-0181C9452274}"/>
+          </ac:spMkLst>
+        </pc:spChg>
+        <pc:spChg chg="del mod">
+          <ac:chgData name="Samuel Huguet" userId="4578c951471d7f2a" providerId="LiveId" clId="{15DC2BB1-AB5F-4445-BE4B-0EA8B723DC84}" dt="2021-08-19T17:14:12.913" v="442" actId="478"/>
+          <ac:spMkLst>
+            <pc:docMk/>
+            <pc:sldMk cId="1152007807" sldId="256"/>
+            <ac:spMk id="121" creationId="{AEEF999D-93C8-4A43-833D-3756167BC903}"/>
+          </ac:spMkLst>
+        </pc:spChg>
+        <pc:spChg chg="del mod">
+          <ac:chgData name="Samuel Huguet" userId="4578c951471d7f2a" providerId="LiveId" clId="{15DC2BB1-AB5F-4445-BE4B-0EA8B723DC84}" dt="2021-08-19T17:14:12.913" v="442" actId="478"/>
+          <ac:spMkLst>
+            <pc:docMk/>
+            <pc:sldMk cId="1152007807" sldId="256"/>
+            <ac:spMk id="123" creationId="{BAEC1309-5EBC-4A5D-A0AB-69DA690688FE}"/>
+          </ac:spMkLst>
+        </pc:spChg>
+        <pc:spChg chg="del mod">
+          <ac:chgData name="Samuel Huguet" userId="4578c951471d7f2a" providerId="LiveId" clId="{15DC2BB1-AB5F-4445-BE4B-0EA8B723DC84}" dt="2021-08-19T17:14:12.913" v="442" actId="478"/>
+          <ac:spMkLst>
+            <pc:docMk/>
+            <pc:sldMk cId="1152007807" sldId="256"/>
+            <ac:spMk id="125" creationId="{C58E5AC2-1D44-4BC9-839F-7FAC86EB4948}"/>
+          </ac:spMkLst>
+        </pc:spChg>
+        <pc:spChg chg="del mod">
+          <ac:chgData name="Samuel Huguet" userId="4578c951471d7f2a" providerId="LiveId" clId="{15DC2BB1-AB5F-4445-BE4B-0EA8B723DC84}" dt="2021-08-19T17:14:12.913" v="442" actId="478"/>
+          <ac:spMkLst>
+            <pc:docMk/>
+            <pc:sldMk cId="1152007807" sldId="256"/>
+            <ac:spMk id="126" creationId="{0BD65A1F-D4F4-490D-A49E-06C4A0D5E265}"/>
+          </ac:spMkLst>
+        </pc:spChg>
+        <pc:spChg chg="del mod">
+          <ac:chgData name="Samuel Huguet" userId="4578c951471d7f2a" providerId="LiveId" clId="{15DC2BB1-AB5F-4445-BE4B-0EA8B723DC84}" dt="2021-08-19T17:14:12.913" v="442" actId="478"/>
+          <ac:spMkLst>
+            <pc:docMk/>
+            <pc:sldMk cId="1152007807" sldId="256"/>
+            <ac:spMk id="127" creationId="{D9F22594-3F64-4416-830F-134BAEDC839A}"/>
+          </ac:spMkLst>
+        </pc:spChg>
+        <pc:spChg chg="del mod">
+          <ac:chgData name="Samuel Huguet" userId="4578c951471d7f2a" providerId="LiveId" clId="{15DC2BB1-AB5F-4445-BE4B-0EA8B723DC84}" dt="2021-08-19T17:14:12.913" v="442" actId="478"/>
+          <ac:spMkLst>
+            <pc:docMk/>
+            <pc:sldMk cId="1152007807" sldId="256"/>
+            <ac:spMk id="128" creationId="{A9663D04-D59A-414E-A8F2-D7CD68E00C06}"/>
+          </ac:spMkLst>
+        </pc:spChg>
+        <pc:spChg chg="del mod">
+          <ac:chgData name="Samuel Huguet" userId="4578c951471d7f2a" providerId="LiveId" clId="{15DC2BB1-AB5F-4445-BE4B-0EA8B723DC84}" dt="2021-08-19T17:14:12.913" v="442" actId="478"/>
+          <ac:spMkLst>
+            <pc:docMk/>
+            <pc:sldMk cId="1152007807" sldId="256"/>
+            <ac:spMk id="134" creationId="{52B1F10E-DC4B-4259-B119-FA0E8135771A}"/>
+          </ac:spMkLst>
+        </pc:spChg>
+        <pc:spChg chg="add mod">
+          <ac:chgData name="Samuel Huguet" userId="4578c951471d7f2a" providerId="LiveId" clId="{15DC2BB1-AB5F-4445-BE4B-0EA8B723DC84}" dt="2021-08-19T17:13:27.331" v="438" actId="1076"/>
+          <ac:spMkLst>
+            <pc:docMk/>
+            <pc:sldMk cId="1152007807" sldId="256"/>
+            <ac:spMk id="136" creationId="{18DEE8BC-C765-47C6-9461-61CCAB449A13}"/>
+          </ac:spMkLst>
+        </pc:spChg>
+        <pc:spChg chg="add del mod">
+          <ac:chgData name="Samuel Huguet" userId="4578c951471d7f2a" providerId="LiveId" clId="{15DC2BB1-AB5F-4445-BE4B-0EA8B723DC84}" dt="2021-08-19T17:07:31.724" v="153" actId="478"/>
+          <ac:spMkLst>
+            <pc:docMk/>
+            <pc:sldMk cId="1152007807" sldId="256"/>
+            <ac:spMk id="138" creationId="{4624759D-8F0B-47BB-BF4E-421F323884A7}"/>
+          </ac:spMkLst>
+        </pc:spChg>
+        <pc:spChg chg="add del mod">
+          <ac:chgData name="Samuel Huguet" userId="4578c951471d7f2a" providerId="LiveId" clId="{15DC2BB1-AB5F-4445-BE4B-0EA8B723DC84}" dt="2021-08-19T17:07:31.724" v="153" actId="478"/>
+          <ac:spMkLst>
+            <pc:docMk/>
+            <pc:sldMk cId="1152007807" sldId="256"/>
+            <ac:spMk id="139" creationId="{084C3EF5-A7EC-43F4-8A57-2794C2340C51}"/>
+          </ac:spMkLst>
+        </pc:spChg>
+        <pc:spChg chg="del mod">
+          <ac:chgData name="Samuel Huguet" userId="4578c951471d7f2a" providerId="LiveId" clId="{15DC2BB1-AB5F-4445-BE4B-0EA8B723DC84}" dt="2021-08-19T17:14:12.913" v="442" actId="478"/>
+          <ac:spMkLst>
+            <pc:docMk/>
+            <pc:sldMk cId="1152007807" sldId="256"/>
+            <ac:spMk id="140" creationId="{6BD24982-5351-4403-A142-9C5E0DA8B3BD}"/>
+          </ac:spMkLst>
+        </pc:spChg>
+        <pc:spChg chg="del mod">
+          <ac:chgData name="Samuel Huguet" userId="4578c951471d7f2a" providerId="LiveId" clId="{15DC2BB1-AB5F-4445-BE4B-0EA8B723DC84}" dt="2021-08-19T17:14:12.913" v="442" actId="478"/>
+          <ac:spMkLst>
+            <pc:docMk/>
+            <pc:sldMk cId="1152007807" sldId="256"/>
+            <ac:spMk id="141" creationId="{95B824DE-A63A-4AA5-86B6-D0C88C95F854}"/>
+          </ac:spMkLst>
+        </pc:spChg>
+        <pc:spChg chg="add mod">
+          <ac:chgData name="Samuel Huguet" userId="4578c951471d7f2a" providerId="LiveId" clId="{15DC2BB1-AB5F-4445-BE4B-0EA8B723DC84}" dt="2021-08-19T17:13:27.331" v="438" actId="1076"/>
+          <ac:spMkLst>
+            <pc:docMk/>
+            <pc:sldMk cId="1152007807" sldId="256"/>
+            <ac:spMk id="142" creationId="{F8C2EA0E-7E4D-4047-BE3C-E6A2D84D690E}"/>
+          </ac:spMkLst>
+        </pc:spChg>
+        <pc:spChg chg="add mod">
+          <ac:chgData name="Samuel Huguet" userId="4578c951471d7f2a" providerId="LiveId" clId="{15DC2BB1-AB5F-4445-BE4B-0EA8B723DC84}" dt="2021-08-19T17:13:27.331" v="438" actId="1076"/>
+          <ac:spMkLst>
+            <pc:docMk/>
+            <pc:sldMk cId="1152007807" sldId="256"/>
+            <ac:spMk id="143" creationId="{81B40B3D-C5AA-433E-8C8A-9F34A6D73A36}"/>
+          </ac:spMkLst>
+        </pc:spChg>
+        <pc:spChg chg="add mod">
+          <ac:chgData name="Samuel Huguet" userId="4578c951471d7f2a" providerId="LiveId" clId="{15DC2BB1-AB5F-4445-BE4B-0EA8B723DC84}" dt="2021-08-19T17:13:27.331" v="438" actId="1076"/>
+          <ac:spMkLst>
+            <pc:docMk/>
+            <pc:sldMk cId="1152007807" sldId="256"/>
+            <ac:spMk id="148" creationId="{7EA881AC-1820-4451-A73D-E17E13F32357}"/>
+          </ac:spMkLst>
+        </pc:spChg>
+        <pc:spChg chg="add mod">
+          <ac:chgData name="Samuel Huguet" userId="4578c951471d7f2a" providerId="LiveId" clId="{15DC2BB1-AB5F-4445-BE4B-0EA8B723DC84}" dt="2021-08-19T17:13:27.331" v="438" actId="1076"/>
+          <ac:spMkLst>
+            <pc:docMk/>
+            <pc:sldMk cId="1152007807" sldId="256"/>
+            <ac:spMk id="149" creationId="{FDCE3F9F-4106-498B-B0F6-E96E034758BC}"/>
+          </ac:spMkLst>
+        </pc:spChg>
+        <pc:spChg chg="add mod">
+          <ac:chgData name="Samuel Huguet" userId="4578c951471d7f2a" providerId="LiveId" clId="{15DC2BB1-AB5F-4445-BE4B-0EA8B723DC84}" dt="2021-08-19T17:13:27.331" v="438" actId="1076"/>
+          <ac:spMkLst>
+            <pc:docMk/>
+            <pc:sldMk cId="1152007807" sldId="256"/>
+            <ac:spMk id="150" creationId="{1D1D04A3-70F5-4F11-B8C3-25296CB86E43}"/>
+          </ac:spMkLst>
+        </pc:spChg>
+        <pc:spChg chg="add mod">
+          <ac:chgData name="Samuel Huguet" userId="4578c951471d7f2a" providerId="LiveId" clId="{15DC2BB1-AB5F-4445-BE4B-0EA8B723DC84}" dt="2021-08-19T17:14:32.638" v="445" actId="1076"/>
+          <ac:spMkLst>
+            <pc:docMk/>
+            <pc:sldMk cId="1152007807" sldId="256"/>
+            <ac:spMk id="155" creationId="{66449DFF-A724-46F3-9341-E10F3913B90A}"/>
+          </ac:spMkLst>
+        </pc:spChg>
+        <pc:spChg chg="add mod">
+          <ac:chgData name="Samuel Huguet" userId="4578c951471d7f2a" providerId="LiveId" clId="{15DC2BB1-AB5F-4445-BE4B-0EA8B723DC84}" dt="2021-08-19T17:14:32.638" v="445" actId="1076"/>
+          <ac:spMkLst>
+            <pc:docMk/>
+            <pc:sldMk cId="1152007807" sldId="256"/>
+            <ac:spMk id="156" creationId="{8836CE1D-E281-422D-A0E2-45F2C8F17357}"/>
+          </ac:spMkLst>
+        </pc:spChg>
+        <pc:spChg chg="add mod">
+          <ac:chgData name="Samuel Huguet" userId="4578c951471d7f2a" providerId="LiveId" clId="{15DC2BB1-AB5F-4445-BE4B-0EA8B723DC84}" dt="2021-08-19T17:14:32.638" v="445" actId="1076"/>
+          <ac:spMkLst>
+            <pc:docMk/>
+            <pc:sldMk cId="1152007807" sldId="256"/>
+            <ac:spMk id="157" creationId="{B61A86AE-C9B1-4361-81D4-CD0852AC7500}"/>
+          </ac:spMkLst>
+        </pc:spChg>
+        <pc:spChg chg="add mod">
+          <ac:chgData name="Samuel Huguet" userId="4578c951471d7f2a" providerId="LiveId" clId="{15DC2BB1-AB5F-4445-BE4B-0EA8B723DC84}" dt="2021-08-19T17:14:32.638" v="445" actId="1076"/>
+          <ac:spMkLst>
+            <pc:docMk/>
+            <pc:sldMk cId="1152007807" sldId="256"/>
+            <ac:spMk id="158" creationId="{758D49B9-B857-4626-B487-B06C58FCABC3}"/>
+          </ac:spMkLst>
+        </pc:spChg>
+        <pc:spChg chg="add mod">
+          <ac:chgData name="Samuel Huguet" userId="4578c951471d7f2a" providerId="LiveId" clId="{15DC2BB1-AB5F-4445-BE4B-0EA8B723DC84}" dt="2021-08-19T17:14:32.638" v="445" actId="1076"/>
+          <ac:spMkLst>
+            <pc:docMk/>
+            <pc:sldMk cId="1152007807" sldId="256"/>
+            <ac:spMk id="159" creationId="{58C98CC7-C7E5-4292-A8BA-B8CA5582C7F8}"/>
+          </ac:spMkLst>
+        </pc:spChg>
+        <pc:spChg chg="add mod">
+          <ac:chgData name="Samuel Huguet" userId="4578c951471d7f2a" providerId="LiveId" clId="{15DC2BB1-AB5F-4445-BE4B-0EA8B723DC84}" dt="2021-08-19T17:14:32.638" v="445" actId="1076"/>
+          <ac:spMkLst>
+            <pc:docMk/>
+            <pc:sldMk cId="1152007807" sldId="256"/>
+            <ac:spMk id="165" creationId="{15DBB35D-E78B-43C9-B5FE-52784F5AE040}"/>
+          </ac:spMkLst>
+        </pc:spChg>
+        <pc:spChg chg="add mod">
+          <ac:chgData name="Samuel Huguet" userId="4578c951471d7f2a" providerId="LiveId" clId="{15DC2BB1-AB5F-4445-BE4B-0EA8B723DC84}" dt="2021-08-19T17:14:32.638" v="445" actId="1076"/>
+          <ac:spMkLst>
+            <pc:docMk/>
+            <pc:sldMk cId="1152007807" sldId="256"/>
+            <ac:spMk id="167" creationId="{746C8633-D17B-415E-8A54-78EA9BE52DE8}"/>
+          </ac:spMkLst>
+        </pc:spChg>
+        <pc:spChg chg="add mod">
+          <ac:chgData name="Samuel Huguet" userId="4578c951471d7f2a" providerId="LiveId" clId="{15DC2BB1-AB5F-4445-BE4B-0EA8B723DC84}" dt="2021-08-19T17:14:32.638" v="445" actId="1076"/>
+          <ac:spMkLst>
+            <pc:docMk/>
+            <pc:sldMk cId="1152007807" sldId="256"/>
+            <ac:spMk id="169" creationId="{CD163918-0C2F-4790-B8A0-E25B16BFA583}"/>
+          </ac:spMkLst>
+        </pc:spChg>
+        <pc:spChg chg="add mod">
+          <ac:chgData name="Samuel Huguet" userId="4578c951471d7f2a" providerId="LiveId" clId="{15DC2BB1-AB5F-4445-BE4B-0EA8B723DC84}" dt="2021-08-19T17:14:32.638" v="445" actId="1076"/>
+          <ac:spMkLst>
+            <pc:docMk/>
+            <pc:sldMk cId="1152007807" sldId="256"/>
+            <ac:spMk id="171" creationId="{4E10EFB9-D0C7-44C5-AF85-C3FECA2A01B7}"/>
+          </ac:spMkLst>
+        </pc:spChg>
+        <pc:spChg chg="add mod">
+          <ac:chgData name="Samuel Huguet" userId="4578c951471d7f2a" providerId="LiveId" clId="{15DC2BB1-AB5F-4445-BE4B-0EA8B723DC84}" dt="2021-08-19T17:14:32.638" v="445" actId="1076"/>
+          <ac:spMkLst>
+            <pc:docMk/>
+            <pc:sldMk cId="1152007807" sldId="256"/>
+            <ac:spMk id="173" creationId="{22B09882-D39D-4965-B821-246DEADC0DFE}"/>
+          </ac:spMkLst>
+        </pc:spChg>
+        <pc:spChg chg="add mod">
+          <ac:chgData name="Samuel Huguet" userId="4578c951471d7f2a" providerId="LiveId" clId="{15DC2BB1-AB5F-4445-BE4B-0EA8B723DC84}" dt="2021-08-19T17:14:32.638" v="445" actId="1076"/>
+          <ac:spMkLst>
+            <pc:docMk/>
+            <pc:sldMk cId="1152007807" sldId="256"/>
+            <ac:spMk id="174" creationId="{40A09ECA-32A4-4EBA-8C8B-C7D8B91F54B0}"/>
+          </ac:spMkLst>
+        </pc:spChg>
+        <pc:spChg chg="add mod">
+          <ac:chgData name="Samuel Huguet" userId="4578c951471d7f2a" providerId="LiveId" clId="{15DC2BB1-AB5F-4445-BE4B-0EA8B723DC84}" dt="2021-08-19T17:14:32.638" v="445" actId="1076"/>
+          <ac:spMkLst>
+            <pc:docMk/>
+            <pc:sldMk cId="1152007807" sldId="256"/>
+            <ac:spMk id="175" creationId="{4B3F5076-4FDF-4EA2-9340-DBCF24A356C0}"/>
+          </ac:spMkLst>
+        </pc:spChg>
+        <pc:spChg chg="add mod">
+          <ac:chgData name="Samuel Huguet" userId="4578c951471d7f2a" providerId="LiveId" clId="{15DC2BB1-AB5F-4445-BE4B-0EA8B723DC84}" dt="2021-08-19T17:14:32.638" v="445" actId="1076"/>
+          <ac:spMkLst>
+            <pc:docMk/>
+            <pc:sldMk cId="1152007807" sldId="256"/>
+            <ac:spMk id="180" creationId="{4E91E953-E411-4301-B9CE-1AB2F4FE4088}"/>
+          </ac:spMkLst>
+        </pc:spChg>
+        <pc:spChg chg="add mod">
+          <ac:chgData name="Samuel Huguet" userId="4578c951471d7f2a" providerId="LiveId" clId="{15DC2BB1-AB5F-4445-BE4B-0EA8B723DC84}" dt="2021-08-19T17:14:32.638" v="445" actId="1076"/>
+          <ac:spMkLst>
+            <pc:docMk/>
+            <pc:sldMk cId="1152007807" sldId="256"/>
+            <ac:spMk id="181" creationId="{1F3AE759-20B5-4DAC-A88D-62C943ADAA83}"/>
+          </ac:spMkLst>
+        </pc:spChg>
+        <pc:spChg chg="add mod">
+          <ac:chgData name="Samuel Huguet" userId="4578c951471d7f2a" providerId="LiveId" clId="{15DC2BB1-AB5F-4445-BE4B-0EA8B723DC84}" dt="2021-08-19T17:14:32.638" v="445" actId="1076"/>
+          <ac:spMkLst>
+            <pc:docMk/>
+            <pc:sldMk cId="1152007807" sldId="256"/>
+            <ac:spMk id="182" creationId="{F608E205-55E9-4247-828A-74E64A590013}"/>
+          </ac:spMkLst>
+        </pc:spChg>
+        <pc:spChg chg="add mod">
+          <ac:chgData name="Samuel Huguet" userId="4578c951471d7f2a" providerId="LiveId" clId="{15DC2BB1-AB5F-4445-BE4B-0EA8B723DC84}" dt="2021-08-19T17:14:32.638" v="445" actId="1076"/>
+          <ac:spMkLst>
+            <pc:docMk/>
+            <pc:sldMk cId="1152007807" sldId="256"/>
+            <ac:spMk id="187" creationId="{9BD5A18D-B5DE-4C8A-B80A-86DEDAD471D0}"/>
+          </ac:spMkLst>
+        </pc:spChg>
+        <pc:spChg chg="add mod">
+          <ac:chgData name="Samuel Huguet" userId="4578c951471d7f2a" providerId="LiveId" clId="{15DC2BB1-AB5F-4445-BE4B-0EA8B723DC84}" dt="2021-08-19T17:14:32.638" v="445" actId="1076"/>
+          <ac:spMkLst>
+            <pc:docMk/>
+            <pc:sldMk cId="1152007807" sldId="256"/>
+            <ac:spMk id="188" creationId="{8C09BB02-4EA7-4AE8-A2AF-508D62BED364}"/>
+          </ac:spMkLst>
+        </pc:spChg>
+        <pc:spChg chg="add mod">
+          <ac:chgData name="Samuel Huguet" userId="4578c951471d7f2a" providerId="LiveId" clId="{15DC2BB1-AB5F-4445-BE4B-0EA8B723DC84}" dt="2021-08-19T17:14:32.638" v="445" actId="1076"/>
+          <ac:spMkLst>
+            <pc:docMk/>
+            <pc:sldMk cId="1152007807" sldId="256"/>
+            <ac:spMk id="190" creationId="{CD615873-50FA-489C-81FA-2F70F8E9936E}"/>
+          </ac:spMkLst>
+        </pc:spChg>
+        <pc:spChg chg="add mod">
+          <ac:chgData name="Samuel Huguet" userId="4578c951471d7f2a" providerId="LiveId" clId="{15DC2BB1-AB5F-4445-BE4B-0EA8B723DC84}" dt="2021-08-19T17:14:32.638" v="445" actId="1076"/>
+          <ac:spMkLst>
+            <pc:docMk/>
+            <pc:sldMk cId="1152007807" sldId="256"/>
+            <ac:spMk id="191" creationId="{25A711B2-7CAF-4AA8-83E3-40C0DA30D1EF}"/>
+          </ac:spMkLst>
+        </pc:spChg>
+        <pc:spChg chg="add mod">
+          <ac:chgData name="Samuel Huguet" userId="4578c951471d7f2a" providerId="LiveId" clId="{15DC2BB1-AB5F-4445-BE4B-0EA8B723DC84}" dt="2021-08-19T17:14:32.638" v="445" actId="1076"/>
+          <ac:spMkLst>
+            <pc:docMk/>
+            <pc:sldMk cId="1152007807" sldId="256"/>
+            <ac:spMk id="192" creationId="{819B067E-ABB3-47E9-9777-FC7001A14664}"/>
+          </ac:spMkLst>
+        </pc:spChg>
+        <pc:spChg chg="add mod">
+          <ac:chgData name="Samuel Huguet" userId="4578c951471d7f2a" providerId="LiveId" clId="{15DC2BB1-AB5F-4445-BE4B-0EA8B723DC84}" dt="2021-08-19T17:14:32.638" v="445" actId="1076"/>
+          <ac:spMkLst>
+            <pc:docMk/>
+            <pc:sldMk cId="1152007807" sldId="256"/>
+            <ac:spMk id="197" creationId="{FEEE88A1-3533-48F0-BE4E-837560A64062}"/>
+          </ac:spMkLst>
+        </pc:spChg>
+        <pc:spChg chg="add mod">
+          <ac:chgData name="Samuel Huguet" userId="4578c951471d7f2a" providerId="LiveId" clId="{15DC2BB1-AB5F-4445-BE4B-0EA8B723DC84}" dt="2021-08-19T17:14:32.638" v="445" actId="1076"/>
+          <ac:spMkLst>
+            <pc:docMk/>
+            <pc:sldMk cId="1152007807" sldId="256"/>
+            <ac:spMk id="198" creationId="{6D0FEA04-99F8-465D-B2A9-BB28EF7C0312}"/>
+          </ac:spMkLst>
+        </pc:spChg>
+        <pc:spChg chg="add mod">
+          <ac:chgData name="Samuel Huguet" userId="4578c951471d7f2a" providerId="LiveId" clId="{15DC2BB1-AB5F-4445-BE4B-0EA8B723DC84}" dt="2021-08-19T17:14:32.638" v="445" actId="1076"/>
+          <ac:spMkLst>
+            <pc:docMk/>
+            <pc:sldMk cId="1152007807" sldId="256"/>
+            <ac:spMk id="199" creationId="{A341126A-0A8D-4528-9BA3-405EEC53A463}"/>
+          </ac:spMkLst>
+        </pc:spChg>
+        <pc:spChg chg="add mod">
+          <ac:chgData name="Samuel Huguet" userId="4578c951471d7f2a" providerId="LiveId" clId="{15DC2BB1-AB5F-4445-BE4B-0EA8B723DC84}" dt="2021-08-19T17:14:32.638" v="445" actId="1076"/>
+          <ac:spMkLst>
+            <pc:docMk/>
+            <pc:sldMk cId="1152007807" sldId="256"/>
+            <ac:spMk id="204" creationId="{519A7A0D-E2B4-45F9-A30A-BE2265DF903E}"/>
+          </ac:spMkLst>
+        </pc:spChg>
+        <pc:spChg chg="add mod">
+          <ac:chgData name="Samuel Huguet" userId="4578c951471d7f2a" providerId="LiveId" clId="{15DC2BB1-AB5F-4445-BE4B-0EA8B723DC84}" dt="2021-08-19T17:14:32.638" v="445" actId="1076"/>
+          <ac:spMkLst>
+            <pc:docMk/>
+            <pc:sldMk cId="1152007807" sldId="256"/>
+            <ac:spMk id="205" creationId="{BFC6BA6C-B870-46E8-B949-CE1B1708EED8}"/>
+          </ac:spMkLst>
+        </pc:spChg>
+        <pc:spChg chg="add mod">
+          <ac:chgData name="Samuel Huguet" userId="4578c951471d7f2a" providerId="LiveId" clId="{15DC2BB1-AB5F-4445-BE4B-0EA8B723DC84}" dt="2021-08-19T17:14:32.638" v="445" actId="1076"/>
+          <ac:spMkLst>
+            <pc:docMk/>
+            <pc:sldMk cId="1152007807" sldId="256"/>
+            <ac:spMk id="206" creationId="{CA8086DE-1C4F-49D7-A060-3274F0603838}"/>
+          </ac:spMkLst>
+        </pc:spChg>
+        <pc:spChg chg="add mod">
+          <ac:chgData name="Samuel Huguet" userId="4578c951471d7f2a" providerId="LiveId" clId="{15DC2BB1-AB5F-4445-BE4B-0EA8B723DC84}" dt="2021-08-19T17:17:13.902" v="565" actId="20577"/>
+          <ac:spMkLst>
+            <pc:docMk/>
+            <pc:sldMk cId="1152007807" sldId="256"/>
+            <ac:spMk id="217" creationId="{52C43EF8-C407-4727-992F-81A85A680637}"/>
+          </ac:spMkLst>
+        </pc:spChg>
+        <pc:spChg chg="add mod">
+          <ac:chgData name="Samuel Huguet" userId="4578c951471d7f2a" providerId="LiveId" clId="{15DC2BB1-AB5F-4445-BE4B-0EA8B723DC84}" dt="2021-08-19T17:17:49.803" v="575" actId="20577"/>
+          <ac:spMkLst>
+            <pc:docMk/>
+            <pc:sldMk cId="1152007807" sldId="256"/>
+            <ac:spMk id="218" creationId="{B0219C72-C6C8-49BC-B0AB-7431334612A0}"/>
+          </ac:spMkLst>
+        </pc:spChg>
+        <pc:cxnChg chg="mod">
+          <ac:chgData name="Samuel Huguet" userId="4578c951471d7f2a" providerId="LiveId" clId="{15DC2BB1-AB5F-4445-BE4B-0EA8B723DC84}" dt="2021-08-19T17:07:08.021" v="148" actId="1038"/>
+          <ac:cxnSpMkLst>
+            <pc:docMk/>
+            <pc:sldMk cId="1152007807" sldId="256"/>
+            <ac:cxnSpMk id="18" creationId="{EFD66856-9276-42C9-A152-E79EE0A1BE1D}"/>
+          </ac:cxnSpMkLst>
+        </pc:cxnChg>
+        <pc:cxnChg chg="mod">
+          <ac:chgData name="Samuel Huguet" userId="4578c951471d7f2a" providerId="LiveId" clId="{15DC2BB1-AB5F-4445-BE4B-0EA8B723DC84}" dt="2021-08-19T17:10:22.458" v="270" actId="14100"/>
+          <ac:cxnSpMkLst>
+            <pc:docMk/>
+            <pc:sldMk cId="1152007807" sldId="256"/>
+            <ac:cxnSpMk id="19" creationId="{B883CD41-0957-4897-9759-7996D398468A}"/>
+          </ac:cxnSpMkLst>
+        </pc:cxnChg>
+        <pc:cxnChg chg="mod">
+          <ac:chgData name="Samuel Huguet" userId="4578c951471d7f2a" providerId="LiveId" clId="{15DC2BB1-AB5F-4445-BE4B-0EA8B723DC84}" dt="2021-08-19T17:10:35.255" v="274" actId="1076"/>
+          <ac:cxnSpMkLst>
+            <pc:docMk/>
+            <pc:sldMk cId="1152007807" sldId="256"/>
+            <ac:cxnSpMk id="25" creationId="{928EAF5F-A84A-4651-B120-E2752EF9D1C9}"/>
+          </ac:cxnSpMkLst>
+        </pc:cxnChg>
+        <pc:cxnChg chg="mod">
+          <ac:chgData name="Samuel Huguet" userId="4578c951471d7f2a" providerId="LiveId" clId="{15DC2BB1-AB5F-4445-BE4B-0EA8B723DC84}" dt="2021-08-19T17:10:28.687" v="272" actId="1037"/>
+          <ac:cxnSpMkLst>
+            <pc:docMk/>
+            <pc:sldMk cId="1152007807" sldId="256"/>
+            <ac:cxnSpMk id="26" creationId="{E67F163D-A02C-4D01-BEE2-E06A7161EEAF}"/>
+          </ac:cxnSpMkLst>
+        </pc:cxnChg>
+        <pc:cxnChg chg="mod">
+          <ac:chgData name="Samuel Huguet" userId="4578c951471d7f2a" providerId="LiveId" clId="{15DC2BB1-AB5F-4445-BE4B-0EA8B723DC84}" dt="2021-08-19T17:00:05.024" v="0" actId="1076"/>
+          <ac:cxnSpMkLst>
+            <pc:docMk/>
+            <pc:sldMk cId="1152007807" sldId="256"/>
+            <ac:cxnSpMk id="31" creationId="{843D0C99-9892-477F-BF4D-9FCF9FB8E1EB}"/>
+          </ac:cxnSpMkLst>
+        </pc:cxnChg>
+        <pc:cxnChg chg="mod">
+          <ac:chgData name="Samuel Huguet" userId="4578c951471d7f2a" providerId="LiveId" clId="{15DC2BB1-AB5F-4445-BE4B-0EA8B723DC84}" dt="2021-08-19T17:00:05.024" v="0" actId="1076"/>
+          <ac:cxnSpMkLst>
+            <pc:docMk/>
+            <pc:sldMk cId="1152007807" sldId="256"/>
+            <ac:cxnSpMk id="33" creationId="{BE44E692-A450-4416-A099-DF16615B9406}"/>
+          </ac:cxnSpMkLst>
+        </pc:cxnChg>
+        <pc:cxnChg chg="mod">
+          <ac:chgData name="Samuel Huguet" userId="4578c951471d7f2a" providerId="LiveId" clId="{15DC2BB1-AB5F-4445-BE4B-0EA8B723DC84}" dt="2021-08-19T17:15:04.150" v="480" actId="14100"/>
+          <ac:cxnSpMkLst>
+            <pc:docMk/>
+            <pc:sldMk cId="1152007807" sldId="256"/>
+            <ac:cxnSpMk id="34" creationId="{4ED5072F-64BF-4076-99DC-510F0ADDAC9A}"/>
+          </ac:cxnSpMkLst>
+        </pc:cxnChg>
+        <pc:cxnChg chg="add mod">
+          <ac:chgData name="Samuel Huguet" userId="4578c951471d7f2a" providerId="LiveId" clId="{15DC2BB1-AB5F-4445-BE4B-0EA8B723DC84}" dt="2021-08-19T17:11:23.139" v="336" actId="1038"/>
+          <ac:cxnSpMkLst>
+            <pc:docMk/>
+            <pc:sldMk cId="1152007807" sldId="256"/>
+            <ac:cxnSpMk id="67" creationId="{5BCA26DE-851A-4C04-8756-5C87220F786B}"/>
+          </ac:cxnSpMkLst>
+        </pc:cxnChg>
+        <pc:cxnChg chg="add mod">
+          <ac:chgData name="Samuel Huguet" userId="4578c951471d7f2a" providerId="LiveId" clId="{15DC2BB1-AB5F-4445-BE4B-0EA8B723DC84}" dt="2021-08-19T17:11:23.139" v="336" actId="1038"/>
+          <ac:cxnSpMkLst>
+            <pc:docMk/>
+            <pc:sldMk cId="1152007807" sldId="256"/>
+            <ac:cxnSpMk id="68" creationId="{9501A1B5-9188-4143-ABEC-FDCB4288CF4E}"/>
+          </ac:cxnSpMkLst>
+        </pc:cxnChg>
+        <pc:cxnChg chg="add mod">
+          <ac:chgData name="Samuel Huguet" userId="4578c951471d7f2a" providerId="LiveId" clId="{15DC2BB1-AB5F-4445-BE4B-0EA8B723DC84}" dt="2021-08-19T17:11:23.139" v="336" actId="1038"/>
+          <ac:cxnSpMkLst>
+            <pc:docMk/>
+            <pc:sldMk cId="1152007807" sldId="256"/>
+            <ac:cxnSpMk id="69" creationId="{7BFF0D8D-C158-4149-A02D-BD1B127C7FDB}"/>
+          </ac:cxnSpMkLst>
+        </pc:cxnChg>
+        <pc:cxnChg chg="add mod">
+          <ac:chgData name="Samuel Huguet" userId="4578c951471d7f2a" providerId="LiveId" clId="{15DC2BB1-AB5F-4445-BE4B-0EA8B723DC84}" dt="2021-08-19T17:11:23.139" v="336" actId="1038"/>
+          <ac:cxnSpMkLst>
+            <pc:docMk/>
+            <pc:sldMk cId="1152007807" sldId="256"/>
+            <ac:cxnSpMk id="70" creationId="{3F6833EE-4D91-46A5-805C-4FFBA871BBB7}"/>
+          </ac:cxnSpMkLst>
+        </pc:cxnChg>
+        <pc:cxnChg chg="add mod">
+          <ac:chgData name="Samuel Huguet" userId="4578c951471d7f2a" providerId="LiveId" clId="{15DC2BB1-AB5F-4445-BE4B-0EA8B723DC84}" dt="2021-08-19T17:11:23.139" v="336" actId="1038"/>
+          <ac:cxnSpMkLst>
+            <pc:docMk/>
+            <pc:sldMk cId="1152007807" sldId="256"/>
+            <ac:cxnSpMk id="74" creationId="{AAA231D8-373D-4BC6-B662-A5A66DE2C3D9}"/>
+          </ac:cxnSpMkLst>
+        </pc:cxnChg>
+        <pc:cxnChg chg="add mod">
+          <ac:chgData name="Samuel Huguet" userId="4578c951471d7f2a" providerId="LiveId" clId="{15DC2BB1-AB5F-4445-BE4B-0EA8B723DC84}" dt="2021-08-19T17:11:23.139" v="336" actId="1038"/>
+          <ac:cxnSpMkLst>
+            <pc:docMk/>
+            <pc:sldMk cId="1152007807" sldId="256"/>
+            <ac:cxnSpMk id="75" creationId="{D04D4995-2B29-452D-9E05-D97C3A218A1E}"/>
+          </ac:cxnSpMkLst>
+        </pc:cxnChg>
+        <pc:cxnChg chg="add mod">
+          <ac:chgData name="Samuel Huguet" userId="4578c951471d7f2a" providerId="LiveId" clId="{15DC2BB1-AB5F-4445-BE4B-0EA8B723DC84}" dt="2021-08-19T17:11:23.139" v="336" actId="1038"/>
+          <ac:cxnSpMkLst>
+            <pc:docMk/>
+            <pc:sldMk cId="1152007807" sldId="256"/>
+            <ac:cxnSpMk id="76" creationId="{2267D720-61E3-484F-859A-919440E4C8DC}"/>
+          </ac:cxnSpMkLst>
+        </pc:cxnChg>
+        <pc:cxnChg chg="add del mod">
+          <ac:chgData name="Samuel Huguet" userId="4578c951471d7f2a" providerId="LiveId" clId="{15DC2BB1-AB5F-4445-BE4B-0EA8B723DC84}" dt="2021-08-19T17:12:08.069" v="345" actId="478"/>
+          <ac:cxnSpMkLst>
+            <pc:docMk/>
+            <pc:sldMk cId="1152007807" sldId="256"/>
+            <ac:cxnSpMk id="77" creationId="{CD294039-70A1-47D5-B202-C47CA8D2CF17}"/>
+          </ac:cxnSpMkLst>
+        </pc:cxnChg>
+        <pc:cxnChg chg="add mod">
+          <ac:chgData name="Samuel Huguet" userId="4578c951471d7f2a" providerId="LiveId" clId="{15DC2BB1-AB5F-4445-BE4B-0EA8B723DC84}" dt="2021-08-19T17:13:09.974" v="435" actId="1076"/>
+          <ac:cxnSpMkLst>
+            <pc:docMk/>
+            <pc:sldMk cId="1152007807" sldId="256"/>
+            <ac:cxnSpMk id="86" creationId="{4DE1AF6A-D30B-424B-9C86-853DE2C5FB17}"/>
+          </ac:cxnSpMkLst>
+        </pc:cxnChg>
+        <pc:cxnChg chg="add mod">
+          <ac:chgData name="Samuel Huguet" userId="4578c951471d7f2a" providerId="LiveId" clId="{15DC2BB1-AB5F-4445-BE4B-0EA8B723DC84}" dt="2021-08-19T17:13:27.331" v="438" actId="1076"/>
+          <ac:cxnSpMkLst>
+            <pc:docMk/>
+            <pc:sldMk cId="1152007807" sldId="256"/>
+            <ac:cxnSpMk id="90" creationId="{E3E35C50-1DDC-4597-BABA-22D7007F9BAF}"/>
+          </ac:cxnSpMkLst>
+        </pc:cxnChg>
+        <pc:cxnChg chg="mod">
+          <ac:chgData name="Samuel Huguet" userId="4578c951471d7f2a" providerId="LiveId" clId="{15DC2BB1-AB5F-4445-BE4B-0EA8B723DC84}" dt="2021-08-19T17:00:05.024" v="0" actId="1076"/>
+          <ac:cxnSpMkLst>
+            <pc:docMk/>
+            <pc:sldMk cId="1152007807" sldId="256"/>
+            <ac:cxnSpMk id="92" creationId="{77C5A474-AD51-4A55-AC94-2482CB6FC935}"/>
+          </ac:cxnSpMkLst>
+        </pc:cxnChg>
+        <pc:cxnChg chg="add mod">
+          <ac:chgData name="Samuel Huguet" userId="4578c951471d7f2a" providerId="LiveId" clId="{15DC2BB1-AB5F-4445-BE4B-0EA8B723DC84}" dt="2021-08-19T17:13:27.331" v="438" actId="1076"/>
+          <ac:cxnSpMkLst>
+            <pc:docMk/>
+            <pc:sldMk cId="1152007807" sldId="256"/>
+            <ac:cxnSpMk id="94" creationId="{4657280D-5451-4708-9FC2-86A4189988D4}"/>
+          </ac:cxnSpMkLst>
+        </pc:cxnChg>
+        <pc:cxnChg chg="mod">
+          <ac:chgData name="Samuel Huguet" userId="4578c951471d7f2a" providerId="LiveId" clId="{15DC2BB1-AB5F-4445-BE4B-0EA8B723DC84}" dt="2021-08-19T17:12:45.162" v="394" actId="14100"/>
+          <ac:cxnSpMkLst>
+            <pc:docMk/>
+            <pc:sldMk cId="1152007807" sldId="256"/>
+            <ac:cxnSpMk id="95" creationId="{72B0958D-3933-4733-B32F-DC605A9E201F}"/>
+          </ac:cxnSpMkLst>
+        </pc:cxnChg>
+        <pc:cxnChg chg="add del mod">
+          <ac:chgData name="Samuel Huguet" userId="4578c951471d7f2a" providerId="LiveId" clId="{15DC2BB1-AB5F-4445-BE4B-0EA8B723DC84}" dt="2021-08-19T17:12:26.560" v="354" actId="478"/>
+          <ac:cxnSpMkLst>
+            <pc:docMk/>
+            <pc:sldMk cId="1152007807" sldId="256"/>
+            <ac:cxnSpMk id="100" creationId="{CE3F7336-3D4F-4AD2-9DC5-7A3B5F28EE22}"/>
+          </ac:cxnSpMkLst>
+        </pc:cxnChg>
+        <pc:cxnChg chg="add del mod">
+          <ac:chgData name="Samuel Huguet" userId="4578c951471d7f2a" providerId="LiveId" clId="{15DC2BB1-AB5F-4445-BE4B-0EA8B723DC84}" dt="2021-08-19T17:12:24.944" v="353" actId="478"/>
+          <ac:cxnSpMkLst>
+            <pc:docMk/>
+            <pc:sldMk cId="1152007807" sldId="256"/>
+            <ac:cxnSpMk id="101" creationId="{A17500C7-4206-4A8C-98CF-9ECCBECA0018}"/>
+          </ac:cxnSpMkLst>
+        </pc:cxnChg>
+        <pc:cxnChg chg="add del mod">
+          <ac:chgData name="Samuel Huguet" userId="4578c951471d7f2a" providerId="LiveId" clId="{15DC2BB1-AB5F-4445-BE4B-0EA8B723DC84}" dt="2021-08-19T17:12:22.847" v="352" actId="478"/>
+          <ac:cxnSpMkLst>
+            <pc:docMk/>
+            <pc:sldMk cId="1152007807" sldId="256"/>
+            <ac:cxnSpMk id="102" creationId="{EA90BC0A-6EEC-4CD0-978B-93AF5ABB82F6}"/>
+          </ac:cxnSpMkLst>
+        </pc:cxnChg>
+        <pc:cxnChg chg="add del mod">
+          <ac:chgData name="Samuel Huguet" userId="4578c951471d7f2a" providerId="LiveId" clId="{15DC2BB1-AB5F-4445-BE4B-0EA8B723DC84}" dt="2021-08-19T17:12:20.332" v="351" actId="478"/>
+          <ac:cxnSpMkLst>
+            <pc:docMk/>
+            <pc:sldMk cId="1152007807" sldId="256"/>
+            <ac:cxnSpMk id="103" creationId="{F3AD11A9-2D3C-4FBD-8944-A8A49847BF05}"/>
+          </ac:cxnSpMkLst>
+        </pc:cxnChg>
+        <pc:cxnChg chg="mod">
+          <ac:chgData name="Samuel Huguet" userId="4578c951471d7f2a" providerId="LiveId" clId="{15DC2BB1-AB5F-4445-BE4B-0EA8B723DC84}" dt="2021-08-19T17:12:37.549" v="393" actId="1035"/>
+          <ac:cxnSpMkLst>
+            <pc:docMk/>
+            <pc:sldMk cId="1152007807" sldId="256"/>
+            <ac:cxnSpMk id="104" creationId="{9AF09177-CF49-4338-A4AB-DA328939D0A1}"/>
+          </ac:cxnSpMkLst>
+        </pc:cxnChg>
+        <pc:cxnChg chg="mod">
+          <ac:chgData name="Samuel Huguet" userId="4578c951471d7f2a" providerId="LiveId" clId="{15DC2BB1-AB5F-4445-BE4B-0EA8B723DC84}" dt="2021-08-19T17:12:49.340" v="396" actId="1037"/>
+          <ac:cxnSpMkLst>
+            <pc:docMk/>
+            <pc:sldMk cId="1152007807" sldId="256"/>
+            <ac:cxnSpMk id="106" creationId="{33316037-90F1-4ACC-B8F7-494AC65E586A}"/>
+          </ac:cxnSpMkLst>
+        </pc:cxnChg>
+        <pc:cxnChg chg="add mod">
+          <ac:chgData name="Samuel Huguet" userId="4578c951471d7f2a" providerId="LiveId" clId="{15DC2BB1-AB5F-4445-BE4B-0EA8B723DC84}" dt="2021-08-19T17:13:27.331" v="438" actId="1076"/>
+          <ac:cxnSpMkLst>
+            <pc:docMk/>
+            <pc:sldMk cId="1152007807" sldId="256"/>
+            <ac:cxnSpMk id="107" creationId="{1C6200C6-BEB0-4A03-8C65-C2E5ACBFF935}"/>
+          </ac:cxnSpMkLst>
+        </pc:cxnChg>
+        <pc:cxnChg chg="add mod">
+          <ac:chgData name="Samuel Huguet" userId="4578c951471d7f2a" providerId="LiveId" clId="{15DC2BB1-AB5F-4445-BE4B-0EA8B723DC84}" dt="2021-08-19T17:13:27.331" v="438" actId="1076"/>
+          <ac:cxnSpMkLst>
+            <pc:docMk/>
+            <pc:sldMk cId="1152007807" sldId="256"/>
+            <ac:cxnSpMk id="108" creationId="{96D708F7-9C8E-4DDF-855A-9D761842238C}"/>
+          </ac:cxnSpMkLst>
+        </pc:cxnChg>
+        <pc:cxnChg chg="del mod">
+          <ac:chgData name="Samuel Huguet" userId="4578c951471d7f2a" providerId="LiveId" clId="{15DC2BB1-AB5F-4445-BE4B-0EA8B723DC84}" dt="2021-08-19T17:14:12.913" v="442" actId="478"/>
+          <ac:cxnSpMkLst>
+            <pc:docMk/>
+            <pc:sldMk cId="1152007807" sldId="256"/>
+            <ac:cxnSpMk id="110" creationId="{58F9E359-4990-499E-BEF9-47D58305C144}"/>
+          </ac:cxnSpMkLst>
+        </pc:cxnChg>
+        <pc:cxnChg chg="del mod">
+          <ac:chgData name="Samuel Huguet" userId="4578c951471d7f2a" providerId="LiveId" clId="{15DC2BB1-AB5F-4445-BE4B-0EA8B723DC84}" dt="2021-08-19T17:14:12.913" v="442" actId="478"/>
+          <ac:cxnSpMkLst>
+            <pc:docMk/>
+            <pc:sldMk cId="1152007807" sldId="256"/>
+            <ac:cxnSpMk id="116" creationId="{3C8AD1E1-50A7-473C-8B5A-FBB4B5933126}"/>
+          </ac:cxnSpMkLst>
+        </pc:cxnChg>
+        <pc:cxnChg chg="del mod">
+          <ac:chgData name="Samuel Huguet" userId="4578c951471d7f2a" providerId="LiveId" clId="{15DC2BB1-AB5F-4445-BE4B-0EA8B723DC84}" dt="2021-08-19T17:14:12.913" v="442" actId="478"/>
+          <ac:cxnSpMkLst>
+            <pc:docMk/>
+            <pc:sldMk cId="1152007807" sldId="256"/>
+            <ac:cxnSpMk id="117" creationId="{6706687C-CFE2-4DA3-8319-BAD9599FE81B}"/>
+          </ac:cxnSpMkLst>
+        </pc:cxnChg>
+        <pc:cxnChg chg="del mod">
+          <ac:chgData name="Samuel Huguet" userId="4578c951471d7f2a" providerId="LiveId" clId="{15DC2BB1-AB5F-4445-BE4B-0EA8B723DC84}" dt="2021-08-19T17:14:12.913" v="442" actId="478"/>
+          <ac:cxnSpMkLst>
+            <pc:docMk/>
+            <pc:sldMk cId="1152007807" sldId="256"/>
+            <ac:cxnSpMk id="118" creationId="{B745479B-55C9-4A4A-8C84-698726DB2B5C}"/>
+          </ac:cxnSpMkLst>
+        </pc:cxnChg>
+        <pc:cxnChg chg="del mod">
+          <ac:chgData name="Samuel Huguet" userId="4578c951471d7f2a" providerId="LiveId" clId="{15DC2BB1-AB5F-4445-BE4B-0EA8B723DC84}" dt="2021-08-19T17:14:12.913" v="442" actId="478"/>
+          <ac:cxnSpMkLst>
+            <pc:docMk/>
+            <pc:sldMk cId="1152007807" sldId="256"/>
+            <ac:cxnSpMk id="119" creationId="{702E0AF5-0ECA-4DD3-ADB8-E10811BB0087}"/>
+          </ac:cxnSpMkLst>
+        </pc:cxnChg>
+        <pc:cxnChg chg="del mod">
+          <ac:chgData name="Samuel Huguet" userId="4578c951471d7f2a" providerId="LiveId" clId="{15DC2BB1-AB5F-4445-BE4B-0EA8B723DC84}" dt="2021-08-19T17:14:12.913" v="442" actId="478"/>
+          <ac:cxnSpMkLst>
+            <pc:docMk/>
+            <pc:sldMk cId="1152007807" sldId="256"/>
+            <ac:cxnSpMk id="120" creationId="{0705A216-0AE8-4283-BC1B-A65CF294237F}"/>
+          </ac:cxnSpMkLst>
+        </pc:cxnChg>
+        <pc:cxnChg chg="del mod">
+          <ac:chgData name="Samuel Huguet" userId="4578c951471d7f2a" providerId="LiveId" clId="{15DC2BB1-AB5F-4445-BE4B-0EA8B723DC84}" dt="2021-08-19T17:14:12.913" v="442" actId="478"/>
+          <ac:cxnSpMkLst>
+            <pc:docMk/>
+            <pc:sldMk cId="1152007807" sldId="256"/>
+            <ac:cxnSpMk id="122" creationId="{7D924C36-62A9-411E-901E-621445998F78}"/>
+          </ac:cxnSpMkLst>
+        </pc:cxnChg>
+        <pc:cxnChg chg="del mod">
+          <ac:chgData name="Samuel Huguet" userId="4578c951471d7f2a" providerId="LiveId" clId="{15DC2BB1-AB5F-4445-BE4B-0EA8B723DC84}" dt="2021-08-19T17:14:12.913" v="442" actId="478"/>
+          <ac:cxnSpMkLst>
+            <pc:docMk/>
+            <pc:sldMk cId="1152007807" sldId="256"/>
+            <ac:cxnSpMk id="124" creationId="{325C08EF-E587-4EAE-9607-A422A3372B07}"/>
+          </ac:cxnSpMkLst>
+        </pc:cxnChg>
+        <pc:cxnChg chg="del mod">
+          <ac:chgData name="Samuel Huguet" userId="4578c951471d7f2a" providerId="LiveId" clId="{15DC2BB1-AB5F-4445-BE4B-0EA8B723DC84}" dt="2021-08-19T17:14:12.913" v="442" actId="478"/>
+          <ac:cxnSpMkLst>
+            <pc:docMk/>
+            <pc:sldMk cId="1152007807" sldId="256"/>
+            <ac:cxnSpMk id="129" creationId="{1AD13507-CBEC-4966-924D-0CE6B4B4F9A6}"/>
+          </ac:cxnSpMkLst>
+        </pc:cxnChg>
+        <pc:cxnChg chg="del mod">
+          <ac:chgData name="Samuel Huguet" userId="4578c951471d7f2a" providerId="LiveId" clId="{15DC2BB1-AB5F-4445-BE4B-0EA8B723DC84}" dt="2021-08-19T17:14:12.913" v="442" actId="478"/>
+          <ac:cxnSpMkLst>
+            <pc:docMk/>
+            <pc:sldMk cId="1152007807" sldId="256"/>
+            <ac:cxnSpMk id="130" creationId="{17FF3CF0-549F-41FB-8E19-02F89D4DD61D}"/>
+          </ac:cxnSpMkLst>
+        </pc:cxnChg>
+        <pc:cxnChg chg="del mod">
+          <ac:chgData name="Samuel Huguet" userId="4578c951471d7f2a" providerId="LiveId" clId="{15DC2BB1-AB5F-4445-BE4B-0EA8B723DC84}" dt="2021-08-19T17:14:12.913" v="442" actId="478"/>
+          <ac:cxnSpMkLst>
+            <pc:docMk/>
+            <pc:sldMk cId="1152007807" sldId="256"/>
+            <ac:cxnSpMk id="131" creationId="{87F84994-F60D-4F19-9721-531DBE68697F}"/>
+          </ac:cxnSpMkLst>
+        </pc:cxnChg>
+        <pc:cxnChg chg="del mod">
+          <ac:chgData name="Samuel Huguet" userId="4578c951471d7f2a" providerId="LiveId" clId="{15DC2BB1-AB5F-4445-BE4B-0EA8B723DC84}" dt="2021-08-19T17:14:12.913" v="442" actId="478"/>
+          <ac:cxnSpMkLst>
+            <pc:docMk/>
+            <pc:sldMk cId="1152007807" sldId="256"/>
+            <ac:cxnSpMk id="132" creationId="{1722F608-5225-42E3-AF7D-6526A22AF197}"/>
+          </ac:cxnSpMkLst>
+        </pc:cxnChg>
+        <pc:cxnChg chg="del mod">
+          <ac:chgData name="Samuel Huguet" userId="4578c951471d7f2a" providerId="LiveId" clId="{15DC2BB1-AB5F-4445-BE4B-0EA8B723DC84}" dt="2021-08-19T17:14:12.913" v="442" actId="478"/>
+          <ac:cxnSpMkLst>
+            <pc:docMk/>
+            <pc:sldMk cId="1152007807" sldId="256"/>
+            <ac:cxnSpMk id="133" creationId="{D41A8922-07F7-4254-AA31-6C600AF0983C}"/>
+          </ac:cxnSpMkLst>
+        </pc:cxnChg>
+        <pc:cxnChg chg="del mod">
+          <ac:chgData name="Samuel Huguet" userId="4578c951471d7f2a" providerId="LiveId" clId="{15DC2BB1-AB5F-4445-BE4B-0EA8B723DC84}" dt="2021-08-19T17:14:12.913" v="442" actId="478"/>
+          <ac:cxnSpMkLst>
+            <pc:docMk/>
+            <pc:sldMk cId="1152007807" sldId="256"/>
+            <ac:cxnSpMk id="135" creationId="{8B538CB4-F783-400E-8C0F-6BEB1327AC35}"/>
+          </ac:cxnSpMkLst>
+        </pc:cxnChg>
+        <pc:cxnChg chg="mod">
+          <ac:chgData name="Samuel Huguet" userId="4578c951471d7f2a" providerId="LiveId" clId="{15DC2BB1-AB5F-4445-BE4B-0EA8B723DC84}" dt="2021-08-19T17:14:40.483" v="476" actId="1035"/>
+          <ac:cxnSpMkLst>
+            <pc:docMk/>
+            <pc:sldMk cId="1152007807" sldId="256"/>
+            <ac:cxnSpMk id="137" creationId="{652AB50D-3386-488C-88BD-ACCE439792A8}"/>
+          </ac:cxnSpMkLst>
+        </pc:cxnChg>
+        <pc:cxnChg chg="add mod">
+          <ac:chgData name="Samuel Huguet" userId="4578c951471d7f2a" providerId="LiveId" clId="{15DC2BB1-AB5F-4445-BE4B-0EA8B723DC84}" dt="2021-08-19T17:13:27.331" v="438" actId="1076"/>
+          <ac:cxnSpMkLst>
+            <pc:docMk/>
+            <pc:sldMk cId="1152007807" sldId="256"/>
+            <ac:cxnSpMk id="144" creationId="{8177F166-CA6D-4909-A5A3-A2F8260E4A1D}"/>
+          </ac:cxnSpMkLst>
+        </pc:cxnChg>
+        <pc:cxnChg chg="add mod">
+          <ac:chgData name="Samuel Huguet" userId="4578c951471d7f2a" providerId="LiveId" clId="{15DC2BB1-AB5F-4445-BE4B-0EA8B723DC84}" dt="2021-08-19T17:13:27.331" v="438" actId="1076"/>
+          <ac:cxnSpMkLst>
+            <pc:docMk/>
+            <pc:sldMk cId="1152007807" sldId="256"/>
+            <ac:cxnSpMk id="145" creationId="{FB13859F-1220-4345-8323-D563683CF87E}"/>
+          </ac:cxnSpMkLst>
+        </pc:cxnChg>
+        <pc:cxnChg chg="add mod">
+          <ac:chgData name="Samuel Huguet" userId="4578c951471d7f2a" providerId="LiveId" clId="{15DC2BB1-AB5F-4445-BE4B-0EA8B723DC84}" dt="2021-08-19T17:13:27.331" v="438" actId="1076"/>
+          <ac:cxnSpMkLst>
+            <pc:docMk/>
+            <pc:sldMk cId="1152007807" sldId="256"/>
+            <ac:cxnSpMk id="146" creationId="{A6EF6CE8-6391-4ED9-B9D0-B72518AC5072}"/>
+          </ac:cxnSpMkLst>
+        </pc:cxnChg>
+        <pc:cxnChg chg="add mod">
+          <ac:chgData name="Samuel Huguet" userId="4578c951471d7f2a" providerId="LiveId" clId="{15DC2BB1-AB5F-4445-BE4B-0EA8B723DC84}" dt="2021-08-19T17:13:27.331" v="438" actId="1076"/>
+          <ac:cxnSpMkLst>
+            <pc:docMk/>
+            <pc:sldMk cId="1152007807" sldId="256"/>
+            <ac:cxnSpMk id="147" creationId="{46701230-530D-4DB5-80BD-79B94A481214}"/>
+          </ac:cxnSpMkLst>
+        </pc:cxnChg>
+        <pc:cxnChg chg="add mod">
+          <ac:chgData name="Samuel Huguet" userId="4578c951471d7f2a" providerId="LiveId" clId="{15DC2BB1-AB5F-4445-BE4B-0EA8B723DC84}" dt="2021-08-19T17:13:27.331" v="438" actId="1076"/>
+          <ac:cxnSpMkLst>
+            <pc:docMk/>
+            <pc:sldMk cId="1152007807" sldId="256"/>
+            <ac:cxnSpMk id="151" creationId="{F13B38EF-A3FC-4631-BAC4-2988C52DEA46}"/>
+          </ac:cxnSpMkLst>
+        </pc:cxnChg>
+        <pc:cxnChg chg="add mod">
+          <ac:chgData name="Samuel Huguet" userId="4578c951471d7f2a" providerId="LiveId" clId="{15DC2BB1-AB5F-4445-BE4B-0EA8B723DC84}" dt="2021-08-19T17:13:27.331" v="438" actId="1076"/>
+          <ac:cxnSpMkLst>
+            <pc:docMk/>
+            <pc:sldMk cId="1152007807" sldId="256"/>
+            <ac:cxnSpMk id="152" creationId="{72D90FE8-BDCC-43FE-9918-3EADF3ECE0AF}"/>
+          </ac:cxnSpMkLst>
+        </pc:cxnChg>
+        <pc:cxnChg chg="add mod">
+          <ac:chgData name="Samuel Huguet" userId="4578c951471d7f2a" providerId="LiveId" clId="{15DC2BB1-AB5F-4445-BE4B-0EA8B723DC84}" dt="2021-08-19T17:13:27.331" v="438" actId="1076"/>
+          <ac:cxnSpMkLst>
+            <pc:docMk/>
+            <pc:sldMk cId="1152007807" sldId="256"/>
+            <ac:cxnSpMk id="153" creationId="{11B6087F-1276-442B-99F7-394A1168561B}"/>
+          </ac:cxnSpMkLst>
+        </pc:cxnChg>
+        <pc:cxnChg chg="add mod">
+          <ac:chgData name="Samuel Huguet" userId="4578c951471d7f2a" providerId="LiveId" clId="{15DC2BB1-AB5F-4445-BE4B-0EA8B723DC84}" dt="2021-08-19T17:13:27.331" v="438" actId="1076"/>
+          <ac:cxnSpMkLst>
+            <pc:docMk/>
+            <pc:sldMk cId="1152007807" sldId="256"/>
+            <ac:cxnSpMk id="154" creationId="{556A05F4-AD2A-42D6-BA29-9BA7282A6EC0}"/>
+          </ac:cxnSpMkLst>
+        </pc:cxnChg>
+        <pc:cxnChg chg="add mod">
+          <ac:chgData name="Samuel Huguet" userId="4578c951471d7f2a" providerId="LiveId" clId="{15DC2BB1-AB5F-4445-BE4B-0EA8B723DC84}" dt="2021-08-19T17:14:32.638" v="445" actId="1076"/>
+          <ac:cxnSpMkLst>
+            <pc:docMk/>
+            <pc:sldMk cId="1152007807" sldId="256"/>
+            <ac:cxnSpMk id="160" creationId="{D3BB232A-2038-4F41-AB4A-BD8209C88EF8}"/>
+          </ac:cxnSpMkLst>
+        </pc:cxnChg>
+        <pc:cxnChg chg="add mod">
+          <ac:chgData name="Samuel Huguet" userId="4578c951471d7f2a" providerId="LiveId" clId="{15DC2BB1-AB5F-4445-BE4B-0EA8B723DC84}" dt="2021-08-19T17:14:32.638" v="445" actId="1076"/>
+          <ac:cxnSpMkLst>
+            <pc:docMk/>
+            <pc:sldMk cId="1152007807" sldId="256"/>
+            <ac:cxnSpMk id="161" creationId="{DFEAF4EA-37C8-4E2F-91FB-22AAEA66FD7C}"/>
+          </ac:cxnSpMkLst>
+        </pc:cxnChg>
+        <pc:cxnChg chg="add mod">
+          <ac:chgData name="Samuel Huguet" userId="4578c951471d7f2a" providerId="LiveId" clId="{15DC2BB1-AB5F-4445-BE4B-0EA8B723DC84}" dt="2021-08-19T17:14:32.638" v="445" actId="1076"/>
+          <ac:cxnSpMkLst>
+            <pc:docMk/>
+            <pc:sldMk cId="1152007807" sldId="256"/>
+            <ac:cxnSpMk id="162" creationId="{14949973-BA86-45FB-BC52-0D2078B29446}"/>
+          </ac:cxnSpMkLst>
+        </pc:cxnChg>
+        <pc:cxnChg chg="add mod">
+          <ac:chgData name="Samuel Huguet" userId="4578c951471d7f2a" providerId="LiveId" clId="{15DC2BB1-AB5F-4445-BE4B-0EA8B723DC84}" dt="2021-08-19T17:14:32.638" v="445" actId="1076"/>
+          <ac:cxnSpMkLst>
+            <pc:docMk/>
+            <pc:sldMk cId="1152007807" sldId="256"/>
+            <ac:cxnSpMk id="163" creationId="{60B887AB-A43E-428F-9759-AB37C1621486}"/>
+          </ac:cxnSpMkLst>
+        </pc:cxnChg>
+        <pc:cxnChg chg="add mod">
+          <ac:chgData name="Samuel Huguet" userId="4578c951471d7f2a" providerId="LiveId" clId="{15DC2BB1-AB5F-4445-BE4B-0EA8B723DC84}" dt="2021-08-19T17:14:32.638" v="445" actId="1076"/>
+          <ac:cxnSpMkLst>
+            <pc:docMk/>
+            <pc:sldMk cId="1152007807" sldId="256"/>
+            <ac:cxnSpMk id="164" creationId="{FD089BC0-D02B-4824-A202-88440A794D67}"/>
+          </ac:cxnSpMkLst>
+        </pc:cxnChg>
+        <pc:cxnChg chg="add mod">
+          <ac:chgData name="Samuel Huguet" userId="4578c951471d7f2a" providerId="LiveId" clId="{15DC2BB1-AB5F-4445-BE4B-0EA8B723DC84}" dt="2021-08-19T17:14:32.638" v="445" actId="1076"/>
+          <ac:cxnSpMkLst>
+            <pc:docMk/>
+            <pc:sldMk cId="1152007807" sldId="256"/>
+            <ac:cxnSpMk id="166" creationId="{8628E55F-5E90-4DD2-A5B2-829F4E1A084A}"/>
+          </ac:cxnSpMkLst>
+        </pc:cxnChg>
+        <pc:cxnChg chg="add mod">
+          <ac:chgData name="Samuel Huguet" userId="4578c951471d7f2a" providerId="LiveId" clId="{15DC2BB1-AB5F-4445-BE4B-0EA8B723DC84}" dt="2021-08-19T17:14:32.638" v="445" actId="1076"/>
+          <ac:cxnSpMkLst>
+            <pc:docMk/>
+            <pc:sldMk cId="1152007807" sldId="256"/>
+            <ac:cxnSpMk id="168" creationId="{7AD33B1B-196A-4739-9FBB-1899E45AE1EA}"/>
+          </ac:cxnSpMkLst>
+        </pc:cxnChg>
+        <pc:cxnChg chg="add mod">
+          <ac:chgData name="Samuel Huguet" userId="4578c951471d7f2a" providerId="LiveId" clId="{15DC2BB1-AB5F-4445-BE4B-0EA8B723DC84}" dt="2021-08-19T17:14:32.638" v="445" actId="1076"/>
+          <ac:cxnSpMkLst>
+            <pc:docMk/>
+            <pc:sldMk cId="1152007807" sldId="256"/>
+            <ac:cxnSpMk id="170" creationId="{3D9D3DDB-4333-41C0-8165-FE629D42B463}"/>
+          </ac:cxnSpMkLst>
+        </pc:cxnChg>
+        <pc:cxnChg chg="add mod">
+          <ac:chgData name="Samuel Huguet" userId="4578c951471d7f2a" providerId="LiveId" clId="{15DC2BB1-AB5F-4445-BE4B-0EA8B723DC84}" dt="2021-08-19T17:14:32.638" v="445" actId="1076"/>
+          <ac:cxnSpMkLst>
+            <pc:docMk/>
+            <pc:sldMk cId="1152007807" sldId="256"/>
+            <ac:cxnSpMk id="172" creationId="{AB723172-1B32-44F9-A49C-60C7EFD553BC}"/>
+          </ac:cxnSpMkLst>
+        </pc:cxnChg>
+        <pc:cxnChg chg="add mod">
+          <ac:chgData name="Samuel Huguet" userId="4578c951471d7f2a" providerId="LiveId" clId="{15DC2BB1-AB5F-4445-BE4B-0EA8B723DC84}" dt="2021-08-19T17:14:32.638" v="445" actId="1076"/>
+          <ac:cxnSpMkLst>
+            <pc:docMk/>
+            <pc:sldMk cId="1152007807" sldId="256"/>
+            <ac:cxnSpMk id="176" creationId="{AD7690DF-0600-47D0-AA50-5798127C672D}"/>
+          </ac:cxnSpMkLst>
+        </pc:cxnChg>
+        <pc:cxnChg chg="add mod">
+          <ac:chgData name="Samuel Huguet" userId="4578c951471d7f2a" providerId="LiveId" clId="{15DC2BB1-AB5F-4445-BE4B-0EA8B723DC84}" dt="2021-08-19T17:14:32.638" v="445" actId="1076"/>
+          <ac:cxnSpMkLst>
+            <pc:docMk/>
+            <pc:sldMk cId="1152007807" sldId="256"/>
+            <ac:cxnSpMk id="177" creationId="{9A6146FE-053D-4D9D-94FB-3C8AE5C050B2}"/>
+          </ac:cxnSpMkLst>
+        </pc:cxnChg>
+        <pc:cxnChg chg="add mod">
+          <ac:chgData name="Samuel Huguet" userId="4578c951471d7f2a" providerId="LiveId" clId="{15DC2BB1-AB5F-4445-BE4B-0EA8B723DC84}" dt="2021-08-19T17:14:32.638" v="445" actId="1076"/>
+          <ac:cxnSpMkLst>
+            <pc:docMk/>
+            <pc:sldMk cId="1152007807" sldId="256"/>
+            <ac:cxnSpMk id="178" creationId="{355F2311-37D8-45E1-9128-F70123A978B6}"/>
+          </ac:cxnSpMkLst>
+        </pc:cxnChg>
+        <pc:cxnChg chg="add mod">
+          <ac:chgData name="Samuel Huguet" userId="4578c951471d7f2a" providerId="LiveId" clId="{15DC2BB1-AB5F-4445-BE4B-0EA8B723DC84}" dt="2021-08-19T17:14:32.638" v="445" actId="1076"/>
+          <ac:cxnSpMkLst>
+            <pc:docMk/>
+            <pc:sldMk cId="1152007807" sldId="256"/>
+            <ac:cxnSpMk id="179" creationId="{2AC4466B-75BF-43D4-AE51-4D3C67BC60BB}"/>
+          </ac:cxnSpMkLst>
+        </pc:cxnChg>
+        <pc:cxnChg chg="add mod">
+          <ac:chgData name="Samuel Huguet" userId="4578c951471d7f2a" providerId="LiveId" clId="{15DC2BB1-AB5F-4445-BE4B-0EA8B723DC84}" dt="2021-08-19T17:14:32.638" v="445" actId="1076"/>
+          <ac:cxnSpMkLst>
+            <pc:docMk/>
+            <pc:sldMk cId="1152007807" sldId="256"/>
+            <ac:cxnSpMk id="183" creationId="{37527AD1-FB37-4037-9F29-90C7F7911974}"/>
+          </ac:cxnSpMkLst>
+        </pc:cxnChg>
+        <pc:cxnChg chg="add mod">
+          <ac:chgData name="Samuel Huguet" userId="4578c951471d7f2a" providerId="LiveId" clId="{15DC2BB1-AB5F-4445-BE4B-0EA8B723DC84}" dt="2021-08-19T17:14:32.638" v="445" actId="1076"/>
+          <ac:cxnSpMkLst>
+            <pc:docMk/>
+            <pc:sldMk cId="1152007807" sldId="256"/>
+            <ac:cxnSpMk id="184" creationId="{5C3EBFC9-A570-44A2-AC1A-012F8BE2ADBF}"/>
+          </ac:cxnSpMkLst>
+        </pc:cxnChg>
+        <pc:cxnChg chg="add mod">
+          <ac:chgData name="Samuel Huguet" userId="4578c951471d7f2a" providerId="LiveId" clId="{15DC2BB1-AB5F-4445-BE4B-0EA8B723DC84}" dt="2021-08-19T17:14:32.638" v="445" actId="1076"/>
+          <ac:cxnSpMkLst>
+            <pc:docMk/>
+            <pc:sldMk cId="1152007807" sldId="256"/>
+            <ac:cxnSpMk id="185" creationId="{A14599DD-EDEE-4899-9EFD-B439A93BD611}"/>
+          </ac:cxnSpMkLst>
+        </pc:cxnChg>
+        <pc:cxnChg chg="add mod">
+          <ac:chgData name="Samuel Huguet" userId="4578c951471d7f2a" providerId="LiveId" clId="{15DC2BB1-AB5F-4445-BE4B-0EA8B723DC84}" dt="2021-08-19T17:14:32.638" v="445" actId="1076"/>
+          <ac:cxnSpMkLst>
+            <pc:docMk/>
+            <pc:sldMk cId="1152007807" sldId="256"/>
+            <ac:cxnSpMk id="186" creationId="{3A9034D6-FFEB-476F-9CE9-3EC8A53294A2}"/>
+          </ac:cxnSpMkLst>
+        </pc:cxnChg>
+        <pc:cxnChg chg="add mod">
+          <ac:chgData name="Samuel Huguet" userId="4578c951471d7f2a" providerId="LiveId" clId="{15DC2BB1-AB5F-4445-BE4B-0EA8B723DC84}" dt="2021-08-19T17:14:32.638" v="445" actId="1076"/>
+          <ac:cxnSpMkLst>
+            <pc:docMk/>
+            <pc:sldMk cId="1152007807" sldId="256"/>
+            <ac:cxnSpMk id="189" creationId="{167FC80D-F160-4B88-95B3-9FCD12A52BBE}"/>
+          </ac:cxnSpMkLst>
+        </pc:cxnChg>
+        <pc:cxnChg chg="add mod">
+          <ac:chgData name="Samuel Huguet" userId="4578c951471d7f2a" providerId="LiveId" clId="{15DC2BB1-AB5F-4445-BE4B-0EA8B723DC84}" dt="2021-08-19T17:14:32.638" v="445" actId="1076"/>
+          <ac:cxnSpMkLst>
+            <pc:docMk/>
+            <pc:sldMk cId="1152007807" sldId="256"/>
+            <ac:cxnSpMk id="193" creationId="{62B3290E-F9A9-452C-B485-D58355E12AC6}"/>
+          </ac:cxnSpMkLst>
+        </pc:cxnChg>
+        <pc:cxnChg chg="add mod">
+          <ac:chgData name="Samuel Huguet" userId="4578c951471d7f2a" providerId="LiveId" clId="{15DC2BB1-AB5F-4445-BE4B-0EA8B723DC84}" dt="2021-08-19T17:14:32.638" v="445" actId="1076"/>
+          <ac:cxnSpMkLst>
+            <pc:docMk/>
+            <pc:sldMk cId="1152007807" sldId="256"/>
+            <ac:cxnSpMk id="194" creationId="{CE1F17B9-0F52-497E-8BE7-82264618AECC}"/>
+          </ac:cxnSpMkLst>
+        </pc:cxnChg>
+        <pc:cxnChg chg="add mod">
+          <ac:chgData name="Samuel Huguet" userId="4578c951471d7f2a" providerId="LiveId" clId="{15DC2BB1-AB5F-4445-BE4B-0EA8B723DC84}" dt="2021-08-19T17:14:32.638" v="445" actId="1076"/>
+          <ac:cxnSpMkLst>
+            <pc:docMk/>
+            <pc:sldMk cId="1152007807" sldId="256"/>
+            <ac:cxnSpMk id="195" creationId="{9619D3DD-E22C-41D0-BAB1-4C1C44B150A7}"/>
+          </ac:cxnSpMkLst>
+        </pc:cxnChg>
+        <pc:cxnChg chg="add mod">
+          <ac:chgData name="Samuel Huguet" userId="4578c951471d7f2a" providerId="LiveId" clId="{15DC2BB1-AB5F-4445-BE4B-0EA8B723DC84}" dt="2021-08-19T17:14:32.638" v="445" actId="1076"/>
+          <ac:cxnSpMkLst>
+            <pc:docMk/>
+            <pc:sldMk cId="1152007807" sldId="256"/>
+            <ac:cxnSpMk id="196" creationId="{499E875C-7595-4D49-9C8D-D3CC6FD978B4}"/>
+          </ac:cxnSpMkLst>
+        </pc:cxnChg>
+        <pc:cxnChg chg="add mod">
+          <ac:chgData name="Samuel Huguet" userId="4578c951471d7f2a" providerId="LiveId" clId="{15DC2BB1-AB5F-4445-BE4B-0EA8B723DC84}" dt="2021-08-19T17:14:32.638" v="445" actId="1076"/>
+          <ac:cxnSpMkLst>
+            <pc:docMk/>
+            <pc:sldMk cId="1152007807" sldId="256"/>
+            <ac:cxnSpMk id="200" creationId="{87085D59-D8CC-4F19-ACF0-73F42D7C09B0}"/>
+          </ac:cxnSpMkLst>
+        </pc:cxnChg>
+        <pc:cxnChg chg="add mod">
+          <ac:chgData name="Samuel Huguet" userId="4578c951471d7f2a" providerId="LiveId" clId="{15DC2BB1-AB5F-4445-BE4B-0EA8B723DC84}" dt="2021-08-19T17:14:32.638" v="445" actId="1076"/>
+          <ac:cxnSpMkLst>
+            <pc:docMk/>
+            <pc:sldMk cId="1152007807" sldId="256"/>
+            <ac:cxnSpMk id="201" creationId="{62AB1B07-3FA2-4D53-8940-CE6316AEDFE9}"/>
+          </ac:cxnSpMkLst>
+        </pc:cxnChg>
+        <pc:cxnChg chg="add mod">
+          <ac:chgData name="Samuel Huguet" userId="4578c951471d7f2a" providerId="LiveId" clId="{15DC2BB1-AB5F-4445-BE4B-0EA8B723DC84}" dt="2021-08-19T17:14:32.638" v="445" actId="1076"/>
+          <ac:cxnSpMkLst>
+            <pc:docMk/>
+            <pc:sldMk cId="1152007807" sldId="256"/>
+            <ac:cxnSpMk id="202" creationId="{2C5B77EA-E9B3-468D-B815-77DB01BCD127}"/>
+          </ac:cxnSpMkLst>
+        </pc:cxnChg>
+        <pc:cxnChg chg="add mod">
+          <ac:chgData name="Samuel Huguet" userId="4578c951471d7f2a" providerId="LiveId" clId="{15DC2BB1-AB5F-4445-BE4B-0EA8B723DC84}" dt="2021-08-19T17:14:32.638" v="445" actId="1076"/>
+          <ac:cxnSpMkLst>
+            <pc:docMk/>
+            <pc:sldMk cId="1152007807" sldId="256"/>
+            <ac:cxnSpMk id="203" creationId="{2986213E-42C8-42C5-A0E1-C6CCCFBB5BC4}"/>
+          </ac:cxnSpMkLst>
+        </pc:cxnChg>
+        <pc:cxnChg chg="add mod">
+          <ac:chgData name="Samuel Huguet" userId="4578c951471d7f2a" providerId="LiveId" clId="{15DC2BB1-AB5F-4445-BE4B-0EA8B723DC84}" dt="2021-08-19T17:14:32.638" v="445" actId="1076"/>
+          <ac:cxnSpMkLst>
+            <pc:docMk/>
+            <pc:sldMk cId="1152007807" sldId="256"/>
+            <ac:cxnSpMk id="207" creationId="{540306D9-6AAD-4208-8C53-C234BDC90EA8}"/>
+          </ac:cxnSpMkLst>
+        </pc:cxnChg>
+        <pc:cxnChg chg="add mod">
+          <ac:chgData name="Samuel Huguet" userId="4578c951471d7f2a" providerId="LiveId" clId="{15DC2BB1-AB5F-4445-BE4B-0EA8B723DC84}" dt="2021-08-19T17:14:32.638" v="445" actId="1076"/>
+          <ac:cxnSpMkLst>
+            <pc:docMk/>
+            <pc:sldMk cId="1152007807" sldId="256"/>
+            <ac:cxnSpMk id="208" creationId="{03881CBF-FA74-41DC-B6C1-30A3B3CB7FF3}"/>
+          </ac:cxnSpMkLst>
+        </pc:cxnChg>
+        <pc:cxnChg chg="add mod">
+          <ac:chgData name="Samuel Huguet" userId="4578c951471d7f2a" providerId="LiveId" clId="{15DC2BB1-AB5F-4445-BE4B-0EA8B723DC84}" dt="2021-08-19T17:14:32.638" v="445" actId="1076"/>
+          <ac:cxnSpMkLst>
+            <pc:docMk/>
+            <pc:sldMk cId="1152007807" sldId="256"/>
+            <ac:cxnSpMk id="209" creationId="{0ED2B7A6-8B4B-404B-B435-FFE06069EB85}"/>
+          </ac:cxnSpMkLst>
+        </pc:cxnChg>
+        <pc:cxnChg chg="add mod">
+          <ac:chgData name="Samuel Huguet" userId="4578c951471d7f2a" providerId="LiveId" clId="{15DC2BB1-AB5F-4445-BE4B-0EA8B723DC84}" dt="2021-08-19T17:14:32.638" v="445" actId="1076"/>
+          <ac:cxnSpMkLst>
+            <pc:docMk/>
+            <pc:sldMk cId="1152007807" sldId="256"/>
+            <ac:cxnSpMk id="210" creationId="{24F2247F-BD84-4884-9FDB-55C0FE8D9A0F}"/>
+          </ac:cxnSpMkLst>
+        </pc:cxnChg>
+        <pc:cxnChg chg="add mod">
+          <ac:chgData name="Samuel Huguet" userId="4578c951471d7f2a" providerId="LiveId" clId="{15DC2BB1-AB5F-4445-BE4B-0EA8B723DC84}" dt="2021-08-19T17:15:18.838" v="484" actId="1037"/>
+          <ac:cxnSpMkLst>
+            <pc:docMk/>
+            <pc:sldMk cId="1152007807" sldId="256"/>
+            <ac:cxnSpMk id="211" creationId="{4A3AAB31-63FA-4F27-9868-2B0BCD1A20B6}"/>
+          </ac:cxnSpMkLst>
+        </pc:cxnChg>
+        <pc:cxnChg chg="add del mod">
+          <ac:chgData name="Samuel Huguet" userId="4578c951471d7f2a" providerId="LiveId" clId="{15DC2BB1-AB5F-4445-BE4B-0EA8B723DC84}" dt="2021-08-19T17:15:51.178" v="487"/>
+          <ac:cxnSpMkLst>
+            <pc:docMk/>
+            <pc:sldMk cId="1152007807" sldId="256"/>
+            <ac:cxnSpMk id="212" creationId="{7C229335-5204-4586-9518-0376239DD726}"/>
+          </ac:cxnSpMkLst>
+        </pc:cxnChg>
+        <pc:cxnChg chg="add mod">
+          <ac:chgData name="Samuel Huguet" userId="4578c951471d7f2a" providerId="LiveId" clId="{15DC2BB1-AB5F-4445-BE4B-0EA8B723DC84}" dt="2021-08-19T17:16:04.875" v="492" actId="1037"/>
+          <ac:cxnSpMkLst>
+            <pc:docMk/>
+            <pc:sldMk cId="1152007807" sldId="256"/>
+            <ac:cxnSpMk id="213" creationId="{C2840BC2-604B-4DCE-88C9-885B2E6CB678}"/>
+          </ac:cxnSpMkLst>
+        </pc:cxnChg>
+        <pc:cxnChg chg="add mod">
+          <ac:chgData name="Samuel Huguet" userId="4578c951471d7f2a" providerId="LiveId" clId="{15DC2BB1-AB5F-4445-BE4B-0EA8B723DC84}" dt="2021-08-19T17:16:53.567" v="558" actId="14100"/>
+          <ac:cxnSpMkLst>
+            <pc:docMk/>
+            <pc:sldMk cId="1152007807" sldId="256"/>
+            <ac:cxnSpMk id="214" creationId="{6DA4526A-DCB9-43DE-8748-BFADAB6E20FC}"/>
+          </ac:cxnSpMkLst>
+        </pc:cxnChg>
+        <pc:cxnChg chg="add mod">
+          <ac:chgData name="Samuel Huguet" userId="4578c951471d7f2a" providerId="LiveId" clId="{15DC2BB1-AB5F-4445-BE4B-0EA8B723DC84}" dt="2021-08-19T17:17:00.870" v="561" actId="1037"/>
+          <ac:cxnSpMkLst>
+            <pc:docMk/>
+            <pc:sldMk cId="1152007807" sldId="256"/>
+            <ac:cxnSpMk id="215" creationId="{C46918C3-9590-4173-A94C-703796B973CA}"/>
+          </ac:cxnSpMkLst>
+        </pc:cxnChg>
+        <pc:cxnChg chg="add mod">
+          <ac:chgData name="Samuel Huguet" userId="4578c951471d7f2a" providerId="LiveId" clId="{15DC2BB1-AB5F-4445-BE4B-0EA8B723DC84}" dt="2021-08-19T17:16:55.929" v="559" actId="1035"/>
+          <ac:cxnSpMkLst>
+            <pc:docMk/>
+            <pc:sldMk cId="1152007807" sldId="256"/>
+            <ac:cxnSpMk id="216" creationId="{31239794-FEC8-47AA-8F23-7385B777B070}"/>
+          </ac:cxnSpMkLst>
+        </pc:cxnChg>
+        <pc:cxnChg chg="add mod">
+          <ac:chgData name="Samuel Huguet" userId="4578c951471d7f2a" providerId="LiveId" clId="{15DC2BB1-AB5F-4445-BE4B-0EA8B723DC84}" dt="2021-08-19T17:17:41.218" v="567" actId="1076"/>
+          <ac:cxnSpMkLst>
+            <pc:docMk/>
+            <pc:sldMk cId="1152007807" sldId="256"/>
+            <ac:cxnSpMk id="219" creationId="{634A02C2-131C-45B8-BCBF-1543E7257485}"/>
+          </ac:cxnSpMkLst>
+        </pc:cxnChg>
+      </pc:sldChg>
+    </pc:docChg>
+  </pc:docChgLst>
+</pc:chgInfo>
 </file>
 
 <file path=ppt/slideLayouts/slideLayout1.xml><?xml version="1.0" encoding="utf-8"?>
@@ -238,7 +1616,7 @@
           <a:p>
             <a:fld id="{DE30D2D3-B5F9-45AD-ACA0-65C0B13DC951}" type="datetimeFigureOut">
               <a:rPr lang="en-GB" smtClean="0"/>
-              <a:t>11/08/2021</a:t>
+              <a:t>19/08/2021</a:t>
             </a:fld>
             <a:endParaRPr lang="en-GB"/>
           </a:p>
@@ -408,7 +1786,7 @@
           <a:p>
             <a:fld id="{DE30D2D3-B5F9-45AD-ACA0-65C0B13DC951}" type="datetimeFigureOut">
               <a:rPr lang="en-GB" smtClean="0"/>
-              <a:t>11/08/2021</a:t>
+              <a:t>19/08/2021</a:t>
             </a:fld>
             <a:endParaRPr lang="en-GB"/>
           </a:p>
@@ -588,7 +1966,7 @@
           <a:p>
             <a:fld id="{DE30D2D3-B5F9-45AD-ACA0-65C0B13DC951}" type="datetimeFigureOut">
               <a:rPr lang="en-GB" smtClean="0"/>
-              <a:t>11/08/2021</a:t>
+              <a:t>19/08/2021</a:t>
             </a:fld>
             <a:endParaRPr lang="en-GB"/>
           </a:p>
@@ -758,7 +2136,7 @@
           <a:p>
             <a:fld id="{DE30D2D3-B5F9-45AD-ACA0-65C0B13DC951}" type="datetimeFigureOut">
               <a:rPr lang="en-GB" smtClean="0"/>
-              <a:t>11/08/2021</a:t>
+              <a:t>19/08/2021</a:t>
             </a:fld>
             <a:endParaRPr lang="en-GB"/>
           </a:p>
@@ -1002,7 +2380,7 @@
           <a:p>
             <a:fld id="{DE30D2D3-B5F9-45AD-ACA0-65C0B13DC951}" type="datetimeFigureOut">
               <a:rPr lang="en-GB" smtClean="0"/>
-              <a:t>11/08/2021</a:t>
+              <a:t>19/08/2021</a:t>
             </a:fld>
             <a:endParaRPr lang="en-GB"/>
           </a:p>
@@ -1234,7 +2612,7 @@
           <a:p>
             <a:fld id="{DE30D2D3-B5F9-45AD-ACA0-65C0B13DC951}" type="datetimeFigureOut">
               <a:rPr lang="en-GB" smtClean="0"/>
-              <a:t>11/08/2021</a:t>
+              <a:t>19/08/2021</a:t>
             </a:fld>
             <a:endParaRPr lang="en-GB"/>
           </a:p>
@@ -1601,7 +2979,7 @@
           <a:p>
             <a:fld id="{DE30D2D3-B5F9-45AD-ACA0-65C0B13DC951}" type="datetimeFigureOut">
               <a:rPr lang="en-GB" smtClean="0"/>
-              <a:t>11/08/2021</a:t>
+              <a:t>19/08/2021</a:t>
             </a:fld>
             <a:endParaRPr lang="en-GB"/>
           </a:p>
@@ -1719,7 +3097,7 @@
           <a:p>
             <a:fld id="{DE30D2D3-B5F9-45AD-ACA0-65C0B13DC951}" type="datetimeFigureOut">
               <a:rPr lang="en-GB" smtClean="0"/>
-              <a:t>11/08/2021</a:t>
+              <a:t>19/08/2021</a:t>
             </a:fld>
             <a:endParaRPr lang="en-GB"/>
           </a:p>
@@ -1814,7 +3192,7 @@
           <a:p>
             <a:fld id="{DE30D2D3-B5F9-45AD-ACA0-65C0B13DC951}" type="datetimeFigureOut">
               <a:rPr lang="en-GB" smtClean="0"/>
-              <a:t>11/08/2021</a:t>
+              <a:t>19/08/2021</a:t>
             </a:fld>
             <a:endParaRPr lang="en-GB"/>
           </a:p>
@@ -2091,7 +3469,7 @@
           <a:p>
             <a:fld id="{DE30D2D3-B5F9-45AD-ACA0-65C0B13DC951}" type="datetimeFigureOut">
               <a:rPr lang="en-GB" smtClean="0"/>
-              <a:t>11/08/2021</a:t>
+              <a:t>19/08/2021</a:t>
             </a:fld>
             <a:endParaRPr lang="en-GB"/>
           </a:p>
@@ -2348,7 +3726,7 @@
           <a:p>
             <a:fld id="{DE30D2D3-B5F9-45AD-ACA0-65C0B13DC951}" type="datetimeFigureOut">
               <a:rPr lang="en-GB" smtClean="0"/>
-              <a:t>11/08/2021</a:t>
+              <a:t>19/08/2021</a:t>
             </a:fld>
             <a:endParaRPr lang="en-GB"/>
           </a:p>
@@ -2561,7 +3939,7 @@
           <a:p>
             <a:fld id="{DE30D2D3-B5F9-45AD-ACA0-65C0B13DC951}" type="datetimeFigureOut">
               <a:rPr lang="en-GB" smtClean="0"/>
-              <a:t>11/08/2021</a:t>
+              <a:t>19/08/2021</a:t>
             </a:fld>
             <a:endParaRPr lang="en-GB"/>
           </a:p>
@@ -2980,8 +4358,8 @@
         </p:nvSpPr>
         <p:spPr>
           <a:xfrm>
-            <a:off x="478935" y="451583"/>
-            <a:ext cx="8795140" cy="4746625"/>
+            <a:off x="2222500" y="554815"/>
+            <a:ext cx="11062909" cy="8563785"/>
           </a:xfrm>
           <a:prstGeom prst="rect">
             <a:avLst/>
@@ -3030,8 +4408,8 @@
         </p:nvSpPr>
         <p:spPr>
           <a:xfrm>
-            <a:off x="583690" y="521260"/>
-            <a:ext cx="2012390" cy="523220"/>
+            <a:off x="4417322" y="688998"/>
+            <a:ext cx="1152405" cy="307777"/>
           </a:xfrm>
           <a:prstGeom prst="rect">
             <a:avLst/>
@@ -3051,18 +4429,7 @@
                 </a:solidFill>
                 <a:latin typeface="Consolas" panose="020B0609020204030204" pitchFamily="49" charset="0"/>
               </a:rPr>
-              <a:t>Parent directory </a:t>
-            </a:r>
-          </a:p>
-          <a:p>
-            <a:r>
-              <a:rPr lang="en-GB" sz="1400" dirty="0">
-                <a:solidFill>
-                  <a:schemeClr val="bg1"/>
-                </a:solidFill>
-                <a:latin typeface="Consolas" panose="020B0609020204030204" pitchFamily="49" charset="0"/>
-              </a:rPr>
-              <a:t>(e.g. ‘Village_1’)</a:t>
+              <a:t>Village 1</a:t>
             </a:r>
           </a:p>
         </p:txBody>
@@ -3081,7 +4448,7 @@
         </p:nvSpPr>
         <p:spPr>
           <a:xfrm>
-            <a:off x="2751497" y="636245"/>
+            <a:off x="5670543" y="688999"/>
             <a:ext cx="780983" cy="307777"/>
           </a:xfrm>
           <a:prstGeom prst="rect">
@@ -3124,7 +4491,7 @@
         </p:nvSpPr>
         <p:spPr>
           <a:xfrm>
-            <a:off x="5353662" y="638623"/>
+            <a:off x="8272708" y="691377"/>
             <a:ext cx="582211" cy="307777"/>
           </a:xfrm>
           <a:prstGeom prst="rect">
@@ -3167,8 +4534,8 @@
         </p:nvSpPr>
         <p:spPr>
           <a:xfrm>
-            <a:off x="6244705" y="636245"/>
-            <a:ext cx="1277914" cy="307777"/>
+            <a:off x="9231830" y="695197"/>
+            <a:ext cx="681597" cy="307777"/>
           </a:xfrm>
           <a:prstGeom prst="rect">
             <a:avLst/>
@@ -3191,7 +4558,7 @@
                 </a:solidFill>
                 <a:latin typeface="Consolas" panose="020B0609020204030204" pitchFamily="49" charset="0"/>
               </a:rPr>
-              <a:t>Photo_1.jpg</a:t>
+              <a:t>100EK</a:t>
             </a:r>
           </a:p>
         </p:txBody>
@@ -3210,7 +4577,7 @@
         </p:nvSpPr>
         <p:spPr>
           <a:xfrm rot="5400000">
-            <a:off x="6890706" y="876550"/>
+            <a:off x="9490844" y="1097834"/>
             <a:ext cx="284052" cy="307777"/>
           </a:xfrm>
           <a:prstGeom prst="rect">
@@ -3253,8 +4620,8 @@
         </p:nvSpPr>
         <p:spPr>
           <a:xfrm>
-            <a:off x="6239886" y="1079351"/>
-            <a:ext cx="1277914" cy="307777"/>
+            <a:off x="9134210" y="1500471"/>
+            <a:ext cx="880369" cy="307777"/>
           </a:xfrm>
           <a:prstGeom prst="rect">
             <a:avLst/>
@@ -3270,6 +4637,15 @@
           </a:bodyPr>
           <a:lstStyle/>
           <a:p>
+            <a:r>
+              <a:rPr lang="en-GB" sz="1400" i="1" dirty="0">
+                <a:solidFill>
+                  <a:schemeClr val="bg1"/>
+                </a:solidFill>
+                <a:latin typeface="Consolas" panose="020B0609020204030204" pitchFamily="49" charset="0"/>
+              </a:rPr>
+              <a:t>100+n</a:t>
+            </a:r>
             <a:r>
               <a:rPr lang="en-GB" sz="1400" dirty="0">
                 <a:solidFill>
@@ -3277,7 +4653,7 @@
                 </a:solidFill>
                 <a:latin typeface="Consolas" panose="020B0609020204030204" pitchFamily="49" charset="0"/>
               </a:rPr>
-              <a:t>Photo_n.jpg</a:t>
+              <a:t>EK</a:t>
             </a:r>
           </a:p>
         </p:txBody>
@@ -3298,7 +4674,7 @@
         </p:nvCxnSpPr>
         <p:spPr>
           <a:xfrm>
-            <a:off x="5993047" y="793787"/>
+            <a:off x="8912093" y="846541"/>
             <a:ext cx="254133" cy="2"/>
           </a:xfrm>
           <a:prstGeom prst="line">
@@ -3341,8 +4717,8 @@
         </p:nvCxnSpPr>
         <p:spPr>
           <a:xfrm>
-            <a:off x="6132832" y="791225"/>
-            <a:ext cx="0" cy="442014"/>
+            <a:off x="9051878" y="843979"/>
+            <a:ext cx="0" cy="812206"/>
           </a:xfrm>
           <a:prstGeom prst="line">
             <a:avLst/>
@@ -3384,7 +4760,7 @@
         </p:nvCxnSpPr>
         <p:spPr>
           <a:xfrm flipV="1">
-            <a:off x="6135215" y="1011686"/>
+            <a:off x="9054261" y="1248623"/>
             <a:ext cx="111965" cy="1"/>
           </a:xfrm>
           <a:prstGeom prst="line">
@@ -3427,7 +4803,7 @@
         </p:nvCxnSpPr>
         <p:spPr>
           <a:xfrm flipV="1">
-            <a:off x="6131096" y="1235194"/>
+            <a:off x="9047761" y="1653867"/>
             <a:ext cx="111965" cy="1"/>
           </a:xfrm>
           <a:prstGeom prst="line">
@@ -3468,7 +4844,7 @@
         </p:nvCxnSpPr>
         <p:spPr>
           <a:xfrm>
-            <a:off x="5153260" y="791224"/>
+            <a:off x="8072306" y="843978"/>
             <a:ext cx="214312" cy="0"/>
           </a:xfrm>
           <a:prstGeom prst="line">
@@ -3509,7 +4885,7 @@
         </p:nvCxnSpPr>
         <p:spPr>
           <a:xfrm>
-            <a:off x="2530094" y="790687"/>
+            <a:off x="5449140" y="843441"/>
             <a:ext cx="214312" cy="0"/>
           </a:xfrm>
           <a:prstGeom prst="line">
@@ -3552,8 +4928,8 @@
         </p:nvCxnSpPr>
         <p:spPr>
           <a:xfrm flipH="1">
-            <a:off x="2632464" y="790687"/>
-            <a:ext cx="22" cy="2466593"/>
+            <a:off x="5551510" y="843441"/>
+            <a:ext cx="22" cy="4111121"/>
           </a:xfrm>
           <a:prstGeom prst="line">
             <a:avLst/>
@@ -3593,7 +4969,7 @@
         </p:nvSpPr>
         <p:spPr>
           <a:xfrm rot="5400000">
-            <a:off x="4933174" y="1181176"/>
+            <a:off x="7347227" y="1525118"/>
             <a:ext cx="381836" cy="523220"/>
           </a:xfrm>
           <a:prstGeom prst="rect">
@@ -3636,7 +5012,7 @@
         </p:nvCxnSpPr>
         <p:spPr>
           <a:xfrm>
-            <a:off x="3509096" y="796332"/>
+            <a:off x="6428142" y="849086"/>
             <a:ext cx="214312" cy="0"/>
           </a:xfrm>
           <a:prstGeom prst="line">
@@ -3677,7 +5053,7 @@
         </p:nvSpPr>
         <p:spPr>
           <a:xfrm>
-            <a:off x="3704728" y="636245"/>
+            <a:off x="6623774" y="688999"/>
             <a:ext cx="1476686" cy="307777"/>
           </a:xfrm>
           <a:prstGeom prst="rect">
@@ -3721,9 +5097,9 @@
           <p:nvPr/>
         </p:nvCxnSpPr>
         <p:spPr>
-          <a:xfrm>
-            <a:off x="3616252" y="793068"/>
-            <a:ext cx="0" cy="1196009"/>
+          <a:xfrm flipH="1">
+            <a:off x="6533885" y="845822"/>
+            <a:ext cx="1413" cy="1850337"/>
           </a:xfrm>
           <a:prstGeom prst="line">
             <a:avLst/>
@@ -3763,7 +5139,7 @@
         </p:nvSpPr>
         <p:spPr>
           <a:xfrm>
-            <a:off x="5371792" y="1819382"/>
+            <a:off x="8290838" y="2529361"/>
             <a:ext cx="582211" cy="307777"/>
           </a:xfrm>
           <a:prstGeom prst="rect">
@@ -3792,12 +5168,53 @@
           </a:p>
         </p:txBody>
       </p:sp>
-      <p:sp>
-        <p:nvSpPr>
-          <p:cNvPr id="97" name="TextBox 96">
-            <a:extLst>
-              <a:ext uri="{FF2B5EF4-FFF2-40B4-BE49-F238E27FC236}">
-                <a16:creationId xmlns:a16="http://schemas.microsoft.com/office/drawing/2014/main" id="{BDB1FEA1-842E-4604-8973-86719B88C231}"/>
+      <p:cxnSp>
+        <p:nvCxnSpPr>
+          <p:cNvPr id="104" name="Straight Connector 103">
+            <a:extLst>
+              <a:ext uri="{FF2B5EF4-FFF2-40B4-BE49-F238E27FC236}">
+                <a16:creationId xmlns:a16="http://schemas.microsoft.com/office/drawing/2014/main" id="{9AF09177-CF49-4338-A4AB-DA328939D0A1}"/>
+              </a:ext>
+            </a:extLst>
+          </p:cNvPr>
+          <p:cNvCxnSpPr/>
+          <p:nvPr/>
+        </p:nvCxnSpPr>
+        <p:spPr>
+          <a:xfrm>
+            <a:off x="8090436" y="2681962"/>
+            <a:ext cx="214312" cy="0"/>
+          </a:xfrm>
+          <a:prstGeom prst="line">
+            <a:avLst/>
+          </a:prstGeom>
+          <a:ln>
+            <a:solidFill>
+              <a:schemeClr val="bg1"/>
+            </a:solidFill>
+          </a:ln>
+        </p:spPr>
+        <p:style>
+          <a:lnRef idx="1">
+            <a:schemeClr val="dk1"/>
+          </a:lnRef>
+          <a:fillRef idx="0">
+            <a:schemeClr val="dk1"/>
+          </a:fillRef>
+          <a:effectRef idx="0">
+            <a:schemeClr val="dk1"/>
+          </a:effectRef>
+          <a:fontRef idx="minor">
+            <a:schemeClr val="tx1"/>
+          </a:fontRef>
+        </p:style>
+      </p:cxnSp>
+      <p:sp>
+        <p:nvSpPr>
+          <p:cNvPr id="105" name="TextBox 104">
+            <a:extLst>
+              <a:ext uri="{FF2B5EF4-FFF2-40B4-BE49-F238E27FC236}">
+                <a16:creationId xmlns:a16="http://schemas.microsoft.com/office/drawing/2014/main" id="{4DBE32A0-70A1-4EF2-8654-F0921688F2E4}"/>
               </a:ext>
             </a:extLst>
           </p:cNvPr>
@@ -3806,8 +5223,8 @@
         </p:nvSpPr>
         <p:spPr>
           <a:xfrm>
-            <a:off x="6262835" y="1817004"/>
-            <a:ext cx="1277914" cy="307777"/>
+            <a:off x="6641904" y="2526983"/>
+            <a:ext cx="1476686" cy="307777"/>
           </a:xfrm>
           <a:prstGeom prst="rect">
             <a:avLst/>
@@ -3819,6 +5236,181 @@
         </p:spPr>
         <p:txBody>
           <a:bodyPr wrap="none" rtlCol="0">
+            <a:spAutoFit/>
+          </a:bodyPr>
+          <a:lstStyle/>
+          <a:p>
+            <a:r>
+              <a:rPr lang="en-GB" sz="1400" dirty="0" err="1">
+                <a:solidFill>
+                  <a:schemeClr val="bg1"/>
+                </a:solidFill>
+                <a:latin typeface="Consolas" panose="020B0609020204030204" pitchFamily="49" charset="0"/>
+              </a:rPr>
+              <a:t>Imagefolder_n</a:t>
+            </a:r>
+            <a:endParaRPr lang="en-GB" sz="1400" dirty="0">
+              <a:solidFill>
+                <a:schemeClr val="bg1"/>
+              </a:solidFill>
+              <a:latin typeface="Consolas" panose="020B0609020204030204" pitchFamily="49" charset="0"/>
+            </a:endParaRPr>
+          </a:p>
+        </p:txBody>
+      </p:sp>
+      <p:cxnSp>
+        <p:nvCxnSpPr>
+          <p:cNvPr id="106" name="Straight Connector 105">
+            <a:extLst>
+              <a:ext uri="{FF2B5EF4-FFF2-40B4-BE49-F238E27FC236}">
+                <a16:creationId xmlns:a16="http://schemas.microsoft.com/office/drawing/2014/main" id="{33316037-90F1-4ACC-B8F7-494AC65E586A}"/>
+              </a:ext>
+            </a:extLst>
+          </p:cNvPr>
+          <p:cNvCxnSpPr>
+            <a:cxnSpLocks/>
+          </p:cNvCxnSpPr>
+          <p:nvPr/>
+        </p:nvCxnSpPr>
+        <p:spPr>
+          <a:xfrm flipV="1">
+            <a:off x="6533561" y="2692984"/>
+            <a:ext cx="111965" cy="1"/>
+          </a:xfrm>
+          <a:prstGeom prst="line">
+            <a:avLst/>
+          </a:prstGeom>
+          <a:ln>
+            <a:solidFill>
+              <a:schemeClr val="bg1"/>
+            </a:solidFill>
+          </a:ln>
+        </p:spPr>
+        <p:style>
+          <a:lnRef idx="1">
+            <a:schemeClr val="dk1"/>
+          </a:lnRef>
+          <a:fillRef idx="0">
+            <a:schemeClr val="dk1"/>
+          </a:fillRef>
+          <a:effectRef idx="0">
+            <a:schemeClr val="dk1"/>
+          </a:effectRef>
+          <a:fontRef idx="minor">
+            <a:schemeClr val="tx1"/>
+          </a:fontRef>
+        </p:style>
+      </p:cxnSp>
+      <p:sp>
+        <p:nvSpPr>
+          <p:cNvPr id="109" name="TextBox 108">
+            <a:extLst>
+              <a:ext uri="{FF2B5EF4-FFF2-40B4-BE49-F238E27FC236}">
+                <a16:creationId xmlns:a16="http://schemas.microsoft.com/office/drawing/2014/main" id="{38212EB2-822B-4DF6-9CC1-8A7AC6C3B3B1}"/>
+              </a:ext>
+            </a:extLst>
+          </p:cNvPr>
+          <p:cNvSpPr txBox="1"/>
+          <p:nvPr/>
+        </p:nvSpPr>
+        <p:spPr>
+          <a:xfrm rot="5400000">
+            <a:off x="4445462" y="3846867"/>
+            <a:ext cx="381836" cy="523220"/>
+          </a:xfrm>
+          <a:prstGeom prst="rect">
+            <a:avLst/>
+          </a:prstGeom>
+          <a:noFill/>
+          <a:ln>
+            <a:noFill/>
+          </a:ln>
+        </p:spPr>
+        <p:txBody>
+          <a:bodyPr wrap="none" rtlCol="0">
+            <a:spAutoFit/>
+          </a:bodyPr>
+          <a:lstStyle/>
+          <a:p>
+            <a:r>
+              <a:rPr lang="en-GB" sz="2800" dirty="0">
+                <a:solidFill>
+                  <a:schemeClr val="bg1"/>
+                </a:solidFill>
+                <a:latin typeface="Consolas" panose="020B0609020204030204" pitchFamily="49" charset="0"/>
+              </a:rPr>
+              <a:t>…</a:t>
+            </a:r>
+          </a:p>
+        </p:txBody>
+      </p:sp>
+      <p:cxnSp>
+        <p:nvCxnSpPr>
+          <p:cNvPr id="137" name="Straight Connector 136">
+            <a:extLst>
+              <a:ext uri="{FF2B5EF4-FFF2-40B4-BE49-F238E27FC236}">
+                <a16:creationId xmlns:a16="http://schemas.microsoft.com/office/drawing/2014/main" id="{652AB50D-3386-488C-88BD-ACCE439792A8}"/>
+              </a:ext>
+            </a:extLst>
+          </p:cNvPr>
+          <p:cNvCxnSpPr>
+            <a:cxnSpLocks/>
+          </p:cNvCxnSpPr>
+          <p:nvPr/>
+        </p:nvCxnSpPr>
+        <p:spPr>
+          <a:xfrm flipV="1">
+            <a:off x="5551510" y="4108477"/>
+            <a:ext cx="111965" cy="1"/>
+          </a:xfrm>
+          <a:prstGeom prst="line">
+            <a:avLst/>
+          </a:prstGeom>
+          <a:ln>
+            <a:solidFill>
+              <a:schemeClr val="bg1"/>
+            </a:solidFill>
+          </a:ln>
+        </p:spPr>
+        <p:style>
+          <a:lnRef idx="1">
+            <a:schemeClr val="dk1"/>
+          </a:lnRef>
+          <a:fillRef idx="0">
+            <a:schemeClr val="dk1"/>
+          </a:fillRef>
+          <a:effectRef idx="0">
+            <a:schemeClr val="dk1"/>
+          </a:effectRef>
+          <a:fontRef idx="minor">
+            <a:schemeClr val="tx1"/>
+          </a:fontRef>
+        </p:style>
+      </p:cxnSp>
+      <p:sp>
+        <p:nvSpPr>
+          <p:cNvPr id="63" name="TextBox 62">
+            <a:extLst>
+              <a:ext uri="{FF2B5EF4-FFF2-40B4-BE49-F238E27FC236}">
+                <a16:creationId xmlns:a16="http://schemas.microsoft.com/office/drawing/2014/main" id="{45876816-EB87-4CA9-A98C-5188103BCD39}"/>
+              </a:ext>
+            </a:extLst>
+          </p:cNvPr>
+          <p:cNvSpPr txBox="1"/>
+          <p:nvPr/>
+        </p:nvSpPr>
+        <p:spPr>
+          <a:xfrm>
+            <a:off x="2329917" y="581276"/>
+            <a:ext cx="2012390" cy="523220"/>
+          </a:xfrm>
+          <a:prstGeom prst="rect">
+            <a:avLst/>
+          </a:prstGeom>
+          <a:noFill/>
+        </p:spPr>
+        <p:txBody>
+          <a:bodyPr wrap="square" rtlCol="0">
             <a:spAutoFit/>
           </a:bodyPr>
           <a:lstStyle/>
@@ -3830,17 +5422,17 @@
                 </a:solidFill>
                 <a:latin typeface="Consolas" panose="020B0609020204030204" pitchFamily="49" charset="0"/>
               </a:rPr>
-              <a:t>Photo_1.jpg</a:t>
-            </a:r>
-          </a:p>
-        </p:txBody>
-      </p:sp>
-      <p:sp>
-        <p:nvSpPr>
-          <p:cNvPr id="98" name="TextBox 97">
-            <a:extLst>
-              <a:ext uri="{FF2B5EF4-FFF2-40B4-BE49-F238E27FC236}">
-                <a16:creationId xmlns:a16="http://schemas.microsoft.com/office/drawing/2014/main" id="{52041970-6BCF-4D81-A850-6D35E87FA26A}"/>
+              <a:t>Parent directory (e.g. (D:) drive)</a:t>
+            </a:r>
+          </a:p>
+        </p:txBody>
+      </p:sp>
+      <p:sp>
+        <p:nvSpPr>
+          <p:cNvPr id="64" name="TextBox 63">
+            <a:extLst>
+              <a:ext uri="{FF2B5EF4-FFF2-40B4-BE49-F238E27FC236}">
+                <a16:creationId xmlns:a16="http://schemas.microsoft.com/office/drawing/2014/main" id="{58F398FD-00F6-43FE-A032-B6EA257B7AF4}"/>
               </a:ext>
             </a:extLst>
           </p:cNvPr>
@@ -3848,8 +5440,51 @@
           <p:nvPr/>
         </p:nvSpPr>
         <p:spPr>
+          <a:xfrm>
+            <a:off x="10196096" y="688998"/>
+            <a:ext cx="1277914" cy="307777"/>
+          </a:xfrm>
+          <a:prstGeom prst="rect">
+            <a:avLst/>
+          </a:prstGeom>
+          <a:noFill/>
+          <a:ln>
+            <a:noFill/>
+          </a:ln>
+        </p:spPr>
+        <p:txBody>
+          <a:bodyPr wrap="none" rtlCol="0">
+            <a:spAutoFit/>
+          </a:bodyPr>
+          <a:lstStyle/>
+          <a:p>
+            <a:r>
+              <a:rPr lang="en-GB" sz="1400" dirty="0">
+                <a:solidFill>
+                  <a:schemeClr val="bg1"/>
+                </a:solidFill>
+                <a:latin typeface="Consolas" panose="020B0609020204030204" pitchFamily="49" charset="0"/>
+              </a:rPr>
+              <a:t>Photo_1.JPG</a:t>
+            </a:r>
+          </a:p>
+        </p:txBody>
+      </p:sp>
+      <p:sp>
+        <p:nvSpPr>
+          <p:cNvPr id="65" name="TextBox 64">
+            <a:extLst>
+              <a:ext uri="{FF2B5EF4-FFF2-40B4-BE49-F238E27FC236}">
+                <a16:creationId xmlns:a16="http://schemas.microsoft.com/office/drawing/2014/main" id="{4D66DEBF-3AB1-41FC-9350-EC6CB5CDC747}"/>
+              </a:ext>
+            </a:extLst>
+          </p:cNvPr>
+          <p:cNvSpPr txBox="1"/>
+          <p:nvPr/>
+        </p:nvSpPr>
+        <p:spPr>
           <a:xfrm rot="5400000">
-            <a:off x="6908836" y="2057309"/>
+            <a:off x="10842097" y="929303"/>
             <a:ext cx="284052" cy="307777"/>
           </a:xfrm>
           <a:prstGeom prst="rect">
@@ -3880,10 +5515,10 @@
       </p:sp>
       <p:sp>
         <p:nvSpPr>
-          <p:cNvPr id="99" name="TextBox 98">
-            <a:extLst>
-              <a:ext uri="{FF2B5EF4-FFF2-40B4-BE49-F238E27FC236}">
-                <a16:creationId xmlns:a16="http://schemas.microsoft.com/office/drawing/2014/main" id="{1BC61666-8040-41FA-B519-C3E8EEC2EA01}"/>
+          <p:cNvPr id="66" name="TextBox 65">
+            <a:extLst>
+              <a:ext uri="{FF2B5EF4-FFF2-40B4-BE49-F238E27FC236}">
+                <a16:creationId xmlns:a16="http://schemas.microsoft.com/office/drawing/2014/main" id="{00074A48-F9E2-40FB-977A-785B3E3E0918}"/>
               </a:ext>
             </a:extLst>
           </p:cNvPr>
@@ -3892,7 +5527,7 @@
         </p:nvSpPr>
         <p:spPr>
           <a:xfrm>
-            <a:off x="6258016" y="2260110"/>
+            <a:off x="10191277" y="1132104"/>
             <a:ext cx="1277914" cy="307777"/>
           </a:xfrm>
           <a:prstGeom prst="rect">
@@ -3916,17 +5551,17 @@
                 </a:solidFill>
                 <a:latin typeface="Consolas" panose="020B0609020204030204" pitchFamily="49" charset="0"/>
               </a:rPr>
-              <a:t>Photo_n.jpg</a:t>
+              <a:t>Photo_n.JPG</a:t>
             </a:r>
           </a:p>
         </p:txBody>
       </p:sp>
       <p:cxnSp>
         <p:nvCxnSpPr>
-          <p:cNvPr id="100" name="Straight Connector 99">
-            <a:extLst>
-              <a:ext uri="{FF2B5EF4-FFF2-40B4-BE49-F238E27FC236}">
-                <a16:creationId xmlns:a16="http://schemas.microsoft.com/office/drawing/2014/main" id="{CE3F7336-3D4F-4AD2-9DC5-7A3B5F28EE22}"/>
+          <p:cNvPr id="67" name="Straight Connector 66">
+            <a:extLst>
+              <a:ext uri="{FF2B5EF4-FFF2-40B4-BE49-F238E27FC236}">
+                <a16:creationId xmlns:a16="http://schemas.microsoft.com/office/drawing/2014/main" id="{5BCA26DE-851A-4C04-8756-5C87220F786B}"/>
               </a:ext>
             </a:extLst>
           </p:cNvPr>
@@ -3937,7 +5572,7 @@
         </p:nvCxnSpPr>
         <p:spPr>
           <a:xfrm>
-            <a:off x="6011177" y="1974546"/>
+            <a:off x="9944438" y="846540"/>
             <a:ext cx="254133" cy="2"/>
           </a:xfrm>
           <a:prstGeom prst="line">
@@ -3966,10 +5601,10 @@
       </p:cxnSp>
       <p:cxnSp>
         <p:nvCxnSpPr>
-          <p:cNvPr id="101" name="Straight Connector 100">
-            <a:extLst>
-              <a:ext uri="{FF2B5EF4-FFF2-40B4-BE49-F238E27FC236}">
-                <a16:creationId xmlns:a16="http://schemas.microsoft.com/office/drawing/2014/main" id="{A17500C7-4206-4A8C-98CF-9ECCBECA0018}"/>
+          <p:cNvPr id="68" name="Straight Connector 67">
+            <a:extLst>
+              <a:ext uri="{FF2B5EF4-FFF2-40B4-BE49-F238E27FC236}">
+                <a16:creationId xmlns:a16="http://schemas.microsoft.com/office/drawing/2014/main" id="{9501A1B5-9188-4143-ABEC-FDCB4288CF4E}"/>
               </a:ext>
             </a:extLst>
           </p:cNvPr>
@@ -3980,7 +5615,7 @@
         </p:nvCxnSpPr>
         <p:spPr>
           <a:xfrm>
-            <a:off x="6150962" y="1971984"/>
+            <a:off x="10084223" y="843978"/>
             <a:ext cx="0" cy="442014"/>
           </a:xfrm>
           <a:prstGeom prst="line">
@@ -4009,10 +5644,10 @@
       </p:cxnSp>
       <p:cxnSp>
         <p:nvCxnSpPr>
-          <p:cNvPr id="102" name="Straight Connector 101">
-            <a:extLst>
-              <a:ext uri="{FF2B5EF4-FFF2-40B4-BE49-F238E27FC236}">
-                <a16:creationId xmlns:a16="http://schemas.microsoft.com/office/drawing/2014/main" id="{EA90BC0A-6EEC-4CD0-978B-93AF5ABB82F6}"/>
+          <p:cNvPr id="69" name="Straight Connector 68">
+            <a:extLst>
+              <a:ext uri="{FF2B5EF4-FFF2-40B4-BE49-F238E27FC236}">
+                <a16:creationId xmlns:a16="http://schemas.microsoft.com/office/drawing/2014/main" id="{7BFF0D8D-C158-4149-A02D-BD1B127C7FDB}"/>
               </a:ext>
             </a:extLst>
           </p:cNvPr>
@@ -4023,7 +5658,7 @@
         </p:nvCxnSpPr>
         <p:spPr>
           <a:xfrm flipV="1">
-            <a:off x="6153345" y="2192445"/>
+            <a:off x="10086606" y="1064439"/>
             <a:ext cx="111965" cy="1"/>
           </a:xfrm>
           <a:prstGeom prst="line">
@@ -4052,10 +5687,10 @@
       </p:cxnSp>
       <p:cxnSp>
         <p:nvCxnSpPr>
-          <p:cNvPr id="103" name="Straight Connector 102">
-            <a:extLst>
-              <a:ext uri="{FF2B5EF4-FFF2-40B4-BE49-F238E27FC236}">
-                <a16:creationId xmlns:a16="http://schemas.microsoft.com/office/drawing/2014/main" id="{F3AD11A9-2D3C-4FBD-8944-A8A49847BF05}"/>
+          <p:cNvPr id="70" name="Straight Connector 69">
+            <a:extLst>
+              <a:ext uri="{FF2B5EF4-FFF2-40B4-BE49-F238E27FC236}">
+                <a16:creationId xmlns:a16="http://schemas.microsoft.com/office/drawing/2014/main" id="{3F6833EE-4D91-46A5-805C-4FFBA871BBB7}"/>
               </a:ext>
             </a:extLst>
           </p:cNvPr>
@@ -4066,8 +5701,180 @@
         </p:nvCxnSpPr>
         <p:spPr>
           <a:xfrm flipV="1">
-            <a:off x="6149226" y="2415953"/>
+            <a:off x="10082487" y="1287947"/>
             <a:ext cx="111965" cy="1"/>
+          </a:xfrm>
+          <a:prstGeom prst="line">
+            <a:avLst/>
+          </a:prstGeom>
+          <a:ln>
+            <a:solidFill>
+              <a:schemeClr val="bg1"/>
+            </a:solidFill>
+          </a:ln>
+        </p:spPr>
+        <p:style>
+          <a:lnRef idx="1">
+            <a:schemeClr val="dk1"/>
+          </a:lnRef>
+          <a:fillRef idx="0">
+            <a:schemeClr val="dk1"/>
+          </a:fillRef>
+          <a:effectRef idx="0">
+            <a:schemeClr val="dk1"/>
+          </a:effectRef>
+          <a:fontRef idx="minor">
+            <a:schemeClr val="tx1"/>
+          </a:fontRef>
+        </p:style>
+      </p:cxnSp>
+      <p:sp>
+        <p:nvSpPr>
+          <p:cNvPr id="71" name="TextBox 70">
+            <a:extLst>
+              <a:ext uri="{FF2B5EF4-FFF2-40B4-BE49-F238E27FC236}">
+                <a16:creationId xmlns:a16="http://schemas.microsoft.com/office/drawing/2014/main" id="{4433AD18-F116-4890-A1BD-C6A321479C77}"/>
+              </a:ext>
+            </a:extLst>
+          </p:cNvPr>
+          <p:cNvSpPr txBox="1"/>
+          <p:nvPr/>
+        </p:nvSpPr>
+        <p:spPr>
+          <a:xfrm>
+            <a:off x="10194013" y="1501205"/>
+            <a:ext cx="1277914" cy="307777"/>
+          </a:xfrm>
+          <a:prstGeom prst="rect">
+            <a:avLst/>
+          </a:prstGeom>
+          <a:noFill/>
+          <a:ln>
+            <a:noFill/>
+          </a:ln>
+        </p:spPr>
+        <p:txBody>
+          <a:bodyPr wrap="none" rtlCol="0">
+            <a:spAutoFit/>
+          </a:bodyPr>
+          <a:lstStyle/>
+          <a:p>
+            <a:r>
+              <a:rPr lang="en-GB" sz="1400" dirty="0">
+                <a:solidFill>
+                  <a:schemeClr val="bg1"/>
+                </a:solidFill>
+                <a:latin typeface="Consolas" panose="020B0609020204030204" pitchFamily="49" charset="0"/>
+              </a:rPr>
+              <a:t>Photo_1.JPG</a:t>
+            </a:r>
+          </a:p>
+        </p:txBody>
+      </p:sp>
+      <p:sp>
+        <p:nvSpPr>
+          <p:cNvPr id="72" name="TextBox 71">
+            <a:extLst>
+              <a:ext uri="{FF2B5EF4-FFF2-40B4-BE49-F238E27FC236}">
+                <a16:creationId xmlns:a16="http://schemas.microsoft.com/office/drawing/2014/main" id="{F0776E4E-8391-4B2B-A03E-962F4516B280}"/>
+              </a:ext>
+            </a:extLst>
+          </p:cNvPr>
+          <p:cNvSpPr txBox="1"/>
+          <p:nvPr/>
+        </p:nvSpPr>
+        <p:spPr>
+          <a:xfrm rot="5400000">
+            <a:off x="10840014" y="1741510"/>
+            <a:ext cx="284052" cy="307777"/>
+          </a:xfrm>
+          <a:prstGeom prst="rect">
+            <a:avLst/>
+          </a:prstGeom>
+          <a:noFill/>
+          <a:ln>
+            <a:noFill/>
+          </a:ln>
+        </p:spPr>
+        <p:txBody>
+          <a:bodyPr wrap="none" rtlCol="0">
+            <a:spAutoFit/>
+          </a:bodyPr>
+          <a:lstStyle/>
+          <a:p>
+            <a:r>
+              <a:rPr lang="en-GB" sz="1400" dirty="0">
+                <a:solidFill>
+                  <a:schemeClr val="bg1"/>
+                </a:solidFill>
+                <a:latin typeface="Consolas" panose="020B0609020204030204" pitchFamily="49" charset="0"/>
+              </a:rPr>
+              <a:t>…</a:t>
+            </a:r>
+          </a:p>
+        </p:txBody>
+      </p:sp>
+      <p:sp>
+        <p:nvSpPr>
+          <p:cNvPr id="73" name="TextBox 72">
+            <a:extLst>
+              <a:ext uri="{FF2B5EF4-FFF2-40B4-BE49-F238E27FC236}">
+                <a16:creationId xmlns:a16="http://schemas.microsoft.com/office/drawing/2014/main" id="{BE418C79-9B1A-4636-92BD-E130B8D114F8}"/>
+              </a:ext>
+            </a:extLst>
+          </p:cNvPr>
+          <p:cNvSpPr txBox="1"/>
+          <p:nvPr/>
+        </p:nvSpPr>
+        <p:spPr>
+          <a:xfrm>
+            <a:off x="10189194" y="1944311"/>
+            <a:ext cx="1277914" cy="307777"/>
+          </a:xfrm>
+          <a:prstGeom prst="rect">
+            <a:avLst/>
+          </a:prstGeom>
+          <a:noFill/>
+          <a:ln>
+            <a:noFill/>
+          </a:ln>
+        </p:spPr>
+        <p:txBody>
+          <a:bodyPr wrap="none" rtlCol="0">
+            <a:spAutoFit/>
+          </a:bodyPr>
+          <a:lstStyle/>
+          <a:p>
+            <a:r>
+              <a:rPr lang="en-GB" sz="1400" dirty="0">
+                <a:solidFill>
+                  <a:schemeClr val="bg1"/>
+                </a:solidFill>
+                <a:latin typeface="Consolas" panose="020B0609020204030204" pitchFamily="49" charset="0"/>
+              </a:rPr>
+              <a:t>Photo_n.JPG</a:t>
+            </a:r>
+          </a:p>
+        </p:txBody>
+      </p:sp>
+      <p:cxnSp>
+        <p:nvCxnSpPr>
+          <p:cNvPr id="74" name="Straight Connector 73">
+            <a:extLst>
+              <a:ext uri="{FF2B5EF4-FFF2-40B4-BE49-F238E27FC236}">
+                <a16:creationId xmlns:a16="http://schemas.microsoft.com/office/drawing/2014/main" id="{AAA231D8-373D-4BC6-B662-A5A66DE2C3D9}"/>
+              </a:ext>
+            </a:extLst>
+          </p:cNvPr>
+          <p:cNvCxnSpPr>
+            <a:cxnSpLocks/>
+          </p:cNvCxnSpPr>
+          <p:nvPr/>
+        </p:nvCxnSpPr>
+        <p:spPr>
+          <a:xfrm>
+            <a:off x="9942355" y="1658747"/>
+            <a:ext cx="254133" cy="2"/>
           </a:xfrm>
           <a:prstGeom prst="line">
             <a:avLst/>
@@ -4095,100 +5902,10 @@
       </p:cxnSp>
       <p:cxnSp>
         <p:nvCxnSpPr>
-          <p:cNvPr id="104" name="Straight Connector 103">
-            <a:extLst>
-              <a:ext uri="{FF2B5EF4-FFF2-40B4-BE49-F238E27FC236}">
-                <a16:creationId xmlns:a16="http://schemas.microsoft.com/office/drawing/2014/main" id="{9AF09177-CF49-4338-A4AB-DA328939D0A1}"/>
-              </a:ext>
-            </a:extLst>
-          </p:cNvPr>
-          <p:cNvCxnSpPr/>
-          <p:nvPr/>
-        </p:nvCxnSpPr>
-        <p:spPr>
-          <a:xfrm>
-            <a:off x="5171390" y="1971983"/>
-            <a:ext cx="214312" cy="0"/>
-          </a:xfrm>
-          <a:prstGeom prst="line">
-            <a:avLst/>
-          </a:prstGeom>
-          <a:ln>
-            <a:solidFill>
-              <a:schemeClr val="bg1"/>
-            </a:solidFill>
-          </a:ln>
-        </p:spPr>
-        <p:style>
-          <a:lnRef idx="1">
-            <a:schemeClr val="dk1"/>
-          </a:lnRef>
-          <a:fillRef idx="0">
-            <a:schemeClr val="dk1"/>
-          </a:fillRef>
-          <a:effectRef idx="0">
-            <a:schemeClr val="dk1"/>
-          </a:effectRef>
-          <a:fontRef idx="minor">
-            <a:schemeClr val="tx1"/>
-          </a:fontRef>
-        </p:style>
-      </p:cxnSp>
-      <p:sp>
-        <p:nvSpPr>
-          <p:cNvPr id="105" name="TextBox 104">
-            <a:extLst>
-              <a:ext uri="{FF2B5EF4-FFF2-40B4-BE49-F238E27FC236}">
-                <a16:creationId xmlns:a16="http://schemas.microsoft.com/office/drawing/2014/main" id="{4DBE32A0-70A1-4EF2-8654-F0921688F2E4}"/>
-              </a:ext>
-            </a:extLst>
-          </p:cNvPr>
-          <p:cNvSpPr txBox="1"/>
-          <p:nvPr/>
-        </p:nvSpPr>
-        <p:spPr>
-          <a:xfrm>
-            <a:off x="3722858" y="1817004"/>
-            <a:ext cx="1476686" cy="307777"/>
-          </a:xfrm>
-          <a:prstGeom prst="rect">
-            <a:avLst/>
-          </a:prstGeom>
-          <a:noFill/>
-          <a:ln>
-            <a:noFill/>
-          </a:ln>
-        </p:spPr>
-        <p:txBody>
-          <a:bodyPr wrap="none" rtlCol="0">
-            <a:spAutoFit/>
-          </a:bodyPr>
-          <a:lstStyle/>
-          <a:p>
-            <a:r>
-              <a:rPr lang="en-GB" sz="1400" dirty="0" err="1">
-                <a:solidFill>
-                  <a:schemeClr val="bg1"/>
-                </a:solidFill>
-                <a:latin typeface="Consolas" panose="020B0609020204030204" pitchFamily="49" charset="0"/>
-              </a:rPr>
-              <a:t>Imagefolder_n</a:t>
-            </a:r>
-            <a:endParaRPr lang="en-GB" sz="1400" dirty="0">
-              <a:solidFill>
-                <a:schemeClr val="bg1"/>
-              </a:solidFill>
-              <a:latin typeface="Consolas" panose="020B0609020204030204" pitchFamily="49" charset="0"/>
-            </a:endParaRPr>
-          </a:p>
-        </p:txBody>
-      </p:sp>
-      <p:cxnSp>
-        <p:nvCxnSpPr>
-          <p:cNvPr id="106" name="Straight Connector 105">
-            <a:extLst>
-              <a:ext uri="{FF2B5EF4-FFF2-40B4-BE49-F238E27FC236}">
-                <a16:creationId xmlns:a16="http://schemas.microsoft.com/office/drawing/2014/main" id="{33316037-90F1-4ACC-B8F7-494AC65E586A}"/>
+          <p:cNvPr id="75" name="Straight Connector 74">
+            <a:extLst>
+              <a:ext uri="{FF2B5EF4-FFF2-40B4-BE49-F238E27FC236}">
+                <a16:creationId xmlns:a16="http://schemas.microsoft.com/office/drawing/2014/main" id="{D04D4995-2B29-452D-9E05-D97C3A218A1E}"/>
               </a:ext>
             </a:extLst>
           </p:cNvPr>
@@ -4198,359 +5915,9 @@
           <p:nvPr/>
         </p:nvCxnSpPr>
         <p:spPr>
-          <a:xfrm flipV="1">
-            <a:off x="3617690" y="1986180"/>
-            <a:ext cx="111965" cy="1"/>
-          </a:xfrm>
-          <a:prstGeom prst="line">
-            <a:avLst/>
-          </a:prstGeom>
-          <a:ln>
-            <a:solidFill>
-              <a:schemeClr val="bg1"/>
-            </a:solidFill>
-          </a:ln>
-        </p:spPr>
-        <p:style>
-          <a:lnRef idx="1">
-            <a:schemeClr val="dk1"/>
-          </a:lnRef>
-          <a:fillRef idx="0">
-            <a:schemeClr val="dk1"/>
-          </a:fillRef>
-          <a:effectRef idx="0">
-            <a:schemeClr val="dk1"/>
-          </a:effectRef>
-          <a:fontRef idx="minor">
-            <a:schemeClr val="tx1"/>
-          </a:fontRef>
-        </p:style>
-      </p:cxnSp>
-      <p:sp>
-        <p:nvSpPr>
-          <p:cNvPr id="109" name="TextBox 108">
-            <a:extLst>
-              <a:ext uri="{FF2B5EF4-FFF2-40B4-BE49-F238E27FC236}">
-                <a16:creationId xmlns:a16="http://schemas.microsoft.com/office/drawing/2014/main" id="{38212EB2-822B-4DF6-9CC1-8A7AC6C3B3B1}"/>
-              </a:ext>
-            </a:extLst>
-          </p:cNvPr>
-          <p:cNvSpPr txBox="1"/>
-          <p:nvPr/>
-        </p:nvSpPr>
-        <p:spPr>
-          <a:xfrm rot="5400000">
-            <a:off x="3079952" y="2560396"/>
-            <a:ext cx="381836" cy="523220"/>
-          </a:xfrm>
-          <a:prstGeom prst="rect">
-            <a:avLst/>
-          </a:prstGeom>
-          <a:noFill/>
-          <a:ln>
-            <a:noFill/>
-          </a:ln>
-        </p:spPr>
-        <p:txBody>
-          <a:bodyPr wrap="none" rtlCol="0">
-            <a:spAutoFit/>
-          </a:bodyPr>
-          <a:lstStyle/>
-          <a:p>
-            <a:r>
-              <a:rPr lang="en-GB" sz="2800" dirty="0">
-                <a:solidFill>
-                  <a:schemeClr val="bg1"/>
-                </a:solidFill>
-                <a:latin typeface="Consolas" panose="020B0609020204030204" pitchFamily="49" charset="0"/>
-              </a:rPr>
-              <a:t>…</a:t>
-            </a:r>
-          </a:p>
-        </p:txBody>
-      </p:sp>
-      <p:cxnSp>
-        <p:nvCxnSpPr>
-          <p:cNvPr id="110" name="Straight Connector 109">
-            <a:extLst>
-              <a:ext uri="{FF2B5EF4-FFF2-40B4-BE49-F238E27FC236}">
-                <a16:creationId xmlns:a16="http://schemas.microsoft.com/office/drawing/2014/main" id="{58F9E359-4990-499E-BEF9-47D58305C144}"/>
-              </a:ext>
-            </a:extLst>
-          </p:cNvPr>
-          <p:cNvCxnSpPr>
-            <a:cxnSpLocks/>
-          </p:cNvCxnSpPr>
-          <p:nvPr/>
-        </p:nvCxnSpPr>
-        <p:spPr>
-          <a:xfrm flipV="1">
-            <a:off x="2632464" y="3254899"/>
-            <a:ext cx="111965" cy="1"/>
-          </a:xfrm>
-          <a:prstGeom prst="line">
-            <a:avLst/>
-          </a:prstGeom>
-          <a:ln>
-            <a:solidFill>
-              <a:schemeClr val="bg1"/>
-            </a:solidFill>
-          </a:ln>
-        </p:spPr>
-        <p:style>
-          <a:lnRef idx="1">
-            <a:schemeClr val="dk1"/>
-          </a:lnRef>
-          <a:fillRef idx="0">
-            <a:schemeClr val="dk1"/>
-          </a:fillRef>
-          <a:effectRef idx="0">
-            <a:schemeClr val="dk1"/>
-          </a:effectRef>
-          <a:fontRef idx="minor">
-            <a:schemeClr val="tx1"/>
-          </a:fontRef>
-        </p:style>
-      </p:cxnSp>
-      <p:sp>
-        <p:nvSpPr>
-          <p:cNvPr id="111" name="TextBox 110">
-            <a:extLst>
-              <a:ext uri="{FF2B5EF4-FFF2-40B4-BE49-F238E27FC236}">
-                <a16:creationId xmlns:a16="http://schemas.microsoft.com/office/drawing/2014/main" id="{B334F871-E1A1-434D-ABC9-9FA5F46A84BC}"/>
-              </a:ext>
-            </a:extLst>
-          </p:cNvPr>
-          <p:cNvSpPr txBox="1"/>
-          <p:nvPr/>
-        </p:nvSpPr>
-        <p:spPr>
           <a:xfrm>
-            <a:off x="2833856" y="3104257"/>
-            <a:ext cx="780983" cy="307777"/>
-          </a:xfrm>
-          <a:prstGeom prst="rect">
-            <a:avLst/>
-          </a:prstGeom>
-          <a:noFill/>
-          <a:ln>
-            <a:noFill/>
-          </a:ln>
-        </p:spPr>
-        <p:txBody>
-          <a:bodyPr wrap="none" rtlCol="0">
-            <a:spAutoFit/>
-          </a:bodyPr>
-          <a:lstStyle/>
-          <a:p>
-            <a:r>
-              <a:rPr lang="en-GB" sz="1400" dirty="0" err="1">
-                <a:solidFill>
-                  <a:schemeClr val="bg1"/>
-                </a:solidFill>
-                <a:latin typeface="Consolas" panose="020B0609020204030204" pitchFamily="49" charset="0"/>
-              </a:rPr>
-              <a:t>Well_n</a:t>
-            </a:r>
-            <a:endParaRPr lang="en-GB" sz="1400" dirty="0">
-              <a:solidFill>
-                <a:schemeClr val="bg1"/>
-              </a:solidFill>
-              <a:latin typeface="Consolas" panose="020B0609020204030204" pitchFamily="49" charset="0"/>
-            </a:endParaRPr>
-          </a:p>
-        </p:txBody>
-      </p:sp>
-      <p:sp>
-        <p:nvSpPr>
-          <p:cNvPr id="112" name="TextBox 111">
-            <a:extLst>
-              <a:ext uri="{FF2B5EF4-FFF2-40B4-BE49-F238E27FC236}">
-                <a16:creationId xmlns:a16="http://schemas.microsoft.com/office/drawing/2014/main" id="{1EA6F2A3-7315-4EC7-BBBF-2B18CB192271}"/>
-              </a:ext>
-            </a:extLst>
-          </p:cNvPr>
-          <p:cNvSpPr txBox="1"/>
-          <p:nvPr/>
-        </p:nvSpPr>
-        <p:spPr>
-          <a:xfrm>
-            <a:off x="5436021" y="3106635"/>
-            <a:ext cx="582211" cy="307777"/>
-          </a:xfrm>
-          <a:prstGeom prst="rect">
-            <a:avLst/>
-          </a:prstGeom>
-          <a:noFill/>
-          <a:ln>
-            <a:noFill/>
-          </a:ln>
-        </p:spPr>
-        <p:txBody>
-          <a:bodyPr wrap="none" rtlCol="0">
-            <a:spAutoFit/>
-          </a:bodyPr>
-          <a:lstStyle/>
-          <a:p>
-            <a:r>
-              <a:rPr lang="en-GB" sz="1400" dirty="0">
-                <a:solidFill>
-                  <a:schemeClr val="bg1"/>
-                </a:solidFill>
-                <a:latin typeface="Consolas" panose="020B0609020204030204" pitchFamily="49" charset="0"/>
-              </a:rPr>
-              <a:t>DCIM</a:t>
-            </a:r>
-          </a:p>
-        </p:txBody>
-      </p:sp>
-      <p:sp>
-        <p:nvSpPr>
-          <p:cNvPr id="113" name="TextBox 112">
-            <a:extLst>
-              <a:ext uri="{FF2B5EF4-FFF2-40B4-BE49-F238E27FC236}">
-                <a16:creationId xmlns:a16="http://schemas.microsoft.com/office/drawing/2014/main" id="{7A231BAD-AC20-4C3F-94D9-51E03917B0BE}"/>
-              </a:ext>
-            </a:extLst>
-          </p:cNvPr>
-          <p:cNvSpPr txBox="1"/>
-          <p:nvPr/>
-        </p:nvSpPr>
-        <p:spPr>
-          <a:xfrm>
-            <a:off x="6327064" y="3104257"/>
-            <a:ext cx="1277914" cy="307777"/>
-          </a:xfrm>
-          <a:prstGeom prst="rect">
-            <a:avLst/>
-          </a:prstGeom>
-          <a:noFill/>
-          <a:ln>
-            <a:noFill/>
-          </a:ln>
-        </p:spPr>
-        <p:txBody>
-          <a:bodyPr wrap="none" rtlCol="0">
-            <a:spAutoFit/>
-          </a:bodyPr>
-          <a:lstStyle/>
-          <a:p>
-            <a:r>
-              <a:rPr lang="en-GB" sz="1400" dirty="0">
-                <a:solidFill>
-                  <a:schemeClr val="bg1"/>
-                </a:solidFill>
-                <a:latin typeface="Consolas" panose="020B0609020204030204" pitchFamily="49" charset="0"/>
-              </a:rPr>
-              <a:t>Photo_1.jpg</a:t>
-            </a:r>
-          </a:p>
-        </p:txBody>
-      </p:sp>
-      <p:sp>
-        <p:nvSpPr>
-          <p:cNvPr id="114" name="TextBox 113">
-            <a:extLst>
-              <a:ext uri="{FF2B5EF4-FFF2-40B4-BE49-F238E27FC236}">
-                <a16:creationId xmlns:a16="http://schemas.microsoft.com/office/drawing/2014/main" id="{4DAB5C2F-0AB9-4E6E-B60F-1FB729EF3CE1}"/>
-              </a:ext>
-            </a:extLst>
-          </p:cNvPr>
-          <p:cNvSpPr txBox="1"/>
-          <p:nvPr/>
-        </p:nvSpPr>
-        <p:spPr>
-          <a:xfrm rot="5400000">
-            <a:off x="6973065" y="3344562"/>
-            <a:ext cx="284052" cy="307777"/>
-          </a:xfrm>
-          <a:prstGeom prst="rect">
-            <a:avLst/>
-          </a:prstGeom>
-          <a:noFill/>
-          <a:ln>
-            <a:noFill/>
-          </a:ln>
-        </p:spPr>
-        <p:txBody>
-          <a:bodyPr wrap="none" rtlCol="0">
-            <a:spAutoFit/>
-          </a:bodyPr>
-          <a:lstStyle/>
-          <a:p>
-            <a:r>
-              <a:rPr lang="en-GB" sz="1400" dirty="0">
-                <a:solidFill>
-                  <a:schemeClr val="bg1"/>
-                </a:solidFill>
-                <a:latin typeface="Consolas" panose="020B0609020204030204" pitchFamily="49" charset="0"/>
-              </a:rPr>
-              <a:t>…</a:t>
-            </a:r>
-          </a:p>
-        </p:txBody>
-      </p:sp>
-      <p:sp>
-        <p:nvSpPr>
-          <p:cNvPr id="115" name="TextBox 114">
-            <a:extLst>
-              <a:ext uri="{FF2B5EF4-FFF2-40B4-BE49-F238E27FC236}">
-                <a16:creationId xmlns:a16="http://schemas.microsoft.com/office/drawing/2014/main" id="{BF0A1AA2-1C3A-4BD5-89FD-0181C9452274}"/>
-              </a:ext>
-            </a:extLst>
-          </p:cNvPr>
-          <p:cNvSpPr txBox="1"/>
-          <p:nvPr/>
-        </p:nvSpPr>
-        <p:spPr>
-          <a:xfrm>
-            <a:off x="6322245" y="3547363"/>
-            <a:ext cx="1277914" cy="307777"/>
-          </a:xfrm>
-          <a:prstGeom prst="rect">
-            <a:avLst/>
-          </a:prstGeom>
-          <a:noFill/>
-          <a:ln>
-            <a:noFill/>
-          </a:ln>
-        </p:spPr>
-        <p:txBody>
-          <a:bodyPr wrap="none" rtlCol="0">
-            <a:spAutoFit/>
-          </a:bodyPr>
-          <a:lstStyle/>
-          <a:p>
-            <a:r>
-              <a:rPr lang="en-GB" sz="1400" dirty="0">
-                <a:solidFill>
-                  <a:schemeClr val="bg1"/>
-                </a:solidFill>
-                <a:latin typeface="Consolas" panose="020B0609020204030204" pitchFamily="49" charset="0"/>
-              </a:rPr>
-              <a:t>Photo_n.jpg</a:t>
-            </a:r>
-          </a:p>
-        </p:txBody>
-      </p:sp>
-      <p:cxnSp>
-        <p:nvCxnSpPr>
-          <p:cNvPr id="116" name="Straight Connector 115">
-            <a:extLst>
-              <a:ext uri="{FF2B5EF4-FFF2-40B4-BE49-F238E27FC236}">
-                <a16:creationId xmlns:a16="http://schemas.microsoft.com/office/drawing/2014/main" id="{3C8AD1E1-50A7-473C-8B5A-FBB4B5933126}"/>
-              </a:ext>
-            </a:extLst>
-          </p:cNvPr>
-          <p:cNvCxnSpPr>
-            <a:cxnSpLocks/>
-          </p:cNvCxnSpPr>
-          <p:nvPr/>
-        </p:nvCxnSpPr>
-        <p:spPr>
-          <a:xfrm>
-            <a:off x="6075406" y="3261799"/>
-            <a:ext cx="254133" cy="2"/>
+            <a:off x="10082140" y="1656185"/>
+            <a:ext cx="0" cy="442014"/>
           </a:xfrm>
           <a:prstGeom prst="line">
             <a:avLst/>
@@ -4578,10 +5945,10 @@
       </p:cxnSp>
       <p:cxnSp>
         <p:nvCxnSpPr>
-          <p:cNvPr id="117" name="Straight Connector 116">
-            <a:extLst>
-              <a:ext uri="{FF2B5EF4-FFF2-40B4-BE49-F238E27FC236}">
-                <a16:creationId xmlns:a16="http://schemas.microsoft.com/office/drawing/2014/main" id="{6706687C-CFE2-4DA3-8319-BAD9599FE81B}"/>
+          <p:cNvPr id="76" name="Straight Connector 75">
+            <a:extLst>
+              <a:ext uri="{FF2B5EF4-FFF2-40B4-BE49-F238E27FC236}">
+                <a16:creationId xmlns:a16="http://schemas.microsoft.com/office/drawing/2014/main" id="{2267D720-61E3-484F-859A-919440E4C8DC}"/>
               </a:ext>
             </a:extLst>
           </p:cNvPr>
@@ -4591,9 +5958,9 @@
           <p:nvPr/>
         </p:nvCxnSpPr>
         <p:spPr>
-          <a:xfrm>
-            <a:off x="6215191" y="3259237"/>
-            <a:ext cx="0" cy="442014"/>
+          <a:xfrm flipV="1">
+            <a:off x="10084523" y="1876646"/>
+            <a:ext cx="111965" cy="1"/>
           </a:xfrm>
           <a:prstGeom prst="line">
             <a:avLst/>
@@ -4621,10 +5988,10 @@
       </p:cxnSp>
       <p:cxnSp>
         <p:nvCxnSpPr>
-          <p:cNvPr id="118" name="Straight Connector 117">
-            <a:extLst>
-              <a:ext uri="{FF2B5EF4-FFF2-40B4-BE49-F238E27FC236}">
-                <a16:creationId xmlns:a16="http://schemas.microsoft.com/office/drawing/2014/main" id="{B745479B-55C9-4A4A-8C84-698726DB2B5C}"/>
+          <p:cNvPr id="77" name="Straight Connector 76">
+            <a:extLst>
+              <a:ext uri="{FF2B5EF4-FFF2-40B4-BE49-F238E27FC236}">
+                <a16:creationId xmlns:a16="http://schemas.microsoft.com/office/drawing/2014/main" id="{CD294039-70A1-47D5-B202-C47CA8D2CF17}"/>
               </a:ext>
             </a:extLst>
           </p:cNvPr>
@@ -4635,7 +6002,7 @@
         </p:nvCxnSpPr>
         <p:spPr>
           <a:xfrm flipV="1">
-            <a:off x="6217574" y="3479698"/>
+            <a:off x="10080404" y="2100154"/>
             <a:ext cx="111965" cy="1"/>
           </a:xfrm>
           <a:prstGeom prst="line">
@@ -4662,796 +6029,22 @@
           </a:fontRef>
         </p:style>
       </p:cxnSp>
-      <p:cxnSp>
-        <p:nvCxnSpPr>
-          <p:cNvPr id="119" name="Straight Connector 118">
-            <a:extLst>
-              <a:ext uri="{FF2B5EF4-FFF2-40B4-BE49-F238E27FC236}">
-                <a16:creationId xmlns:a16="http://schemas.microsoft.com/office/drawing/2014/main" id="{702E0AF5-0ECA-4DD3-ADB8-E10811BB0087}"/>
-              </a:ext>
-            </a:extLst>
-          </p:cNvPr>
-          <p:cNvCxnSpPr>
-            <a:cxnSpLocks/>
-          </p:cNvCxnSpPr>
-          <p:nvPr/>
-        </p:nvCxnSpPr>
-        <p:spPr>
-          <a:xfrm flipV="1">
-            <a:off x="6213455" y="3703206"/>
-            <a:ext cx="111965" cy="1"/>
-          </a:xfrm>
-          <a:prstGeom prst="line">
-            <a:avLst/>
-          </a:prstGeom>
-          <a:ln>
-            <a:solidFill>
-              <a:schemeClr val="bg1"/>
-            </a:solidFill>
-          </a:ln>
-        </p:spPr>
-        <p:style>
-          <a:lnRef idx="1">
-            <a:schemeClr val="dk1"/>
-          </a:lnRef>
-          <a:fillRef idx="0">
-            <a:schemeClr val="dk1"/>
-          </a:fillRef>
-          <a:effectRef idx="0">
-            <a:schemeClr val="dk1"/>
-          </a:effectRef>
-          <a:fontRef idx="minor">
-            <a:schemeClr val="tx1"/>
-          </a:fontRef>
-        </p:style>
-      </p:cxnSp>
-      <p:cxnSp>
-        <p:nvCxnSpPr>
-          <p:cNvPr id="120" name="Straight Connector 119">
-            <a:extLst>
-              <a:ext uri="{FF2B5EF4-FFF2-40B4-BE49-F238E27FC236}">
-                <a16:creationId xmlns:a16="http://schemas.microsoft.com/office/drawing/2014/main" id="{0705A216-0AE8-4283-BC1B-A65CF294237F}"/>
-              </a:ext>
-            </a:extLst>
-          </p:cNvPr>
-          <p:cNvCxnSpPr/>
-          <p:nvPr/>
-        </p:nvCxnSpPr>
+      <p:sp>
+        <p:nvSpPr>
+          <p:cNvPr id="78" name="Right Brace 77">
+            <a:extLst>
+              <a:ext uri="{FF2B5EF4-FFF2-40B4-BE49-F238E27FC236}">
+                <a16:creationId xmlns:a16="http://schemas.microsoft.com/office/drawing/2014/main" id="{E5D50B75-E1AA-4DF7-A608-9A1FAC916A02}"/>
+              </a:ext>
+            </a:extLst>
+          </p:cNvPr>
+          <p:cNvSpPr/>
+          <p:nvPr/>
+        </p:nvSpPr>
         <p:spPr>
           <a:xfrm>
-            <a:off x="5235619" y="3259236"/>
-            <a:ext cx="214312" cy="0"/>
-          </a:xfrm>
-          <a:prstGeom prst="line">
-            <a:avLst/>
-          </a:prstGeom>
-          <a:ln>
-            <a:solidFill>
-              <a:schemeClr val="bg1"/>
-            </a:solidFill>
-          </a:ln>
-        </p:spPr>
-        <p:style>
-          <a:lnRef idx="1">
-            <a:schemeClr val="dk1"/>
-          </a:lnRef>
-          <a:fillRef idx="0">
-            <a:schemeClr val="dk1"/>
-          </a:fillRef>
-          <a:effectRef idx="0">
-            <a:schemeClr val="dk1"/>
-          </a:effectRef>
-          <a:fontRef idx="minor">
-            <a:schemeClr val="tx1"/>
-          </a:fontRef>
-        </p:style>
-      </p:cxnSp>
-      <p:sp>
-        <p:nvSpPr>
-          <p:cNvPr id="121" name="TextBox 120">
-            <a:extLst>
-              <a:ext uri="{FF2B5EF4-FFF2-40B4-BE49-F238E27FC236}">
-                <a16:creationId xmlns:a16="http://schemas.microsoft.com/office/drawing/2014/main" id="{AEEF999D-93C8-4A43-833D-3756167BC903}"/>
-              </a:ext>
-            </a:extLst>
-          </p:cNvPr>
-          <p:cNvSpPr txBox="1"/>
-          <p:nvPr/>
-        </p:nvSpPr>
-        <p:spPr>
-          <a:xfrm rot="5400000">
-            <a:off x="5015533" y="3649188"/>
-            <a:ext cx="381836" cy="523220"/>
-          </a:xfrm>
-          <a:prstGeom prst="rect">
-            <a:avLst/>
-          </a:prstGeom>
-          <a:noFill/>
-          <a:ln>
-            <a:noFill/>
-          </a:ln>
-        </p:spPr>
-        <p:txBody>
-          <a:bodyPr wrap="none" rtlCol="0">
-            <a:spAutoFit/>
-          </a:bodyPr>
-          <a:lstStyle/>
-          <a:p>
-            <a:r>
-              <a:rPr lang="en-GB" sz="2800" dirty="0">
-                <a:solidFill>
-                  <a:schemeClr val="bg1"/>
-                </a:solidFill>
-                <a:latin typeface="Consolas" panose="020B0609020204030204" pitchFamily="49" charset="0"/>
-              </a:rPr>
-              <a:t>…</a:t>
-            </a:r>
-          </a:p>
-        </p:txBody>
-      </p:sp>
-      <p:cxnSp>
-        <p:nvCxnSpPr>
-          <p:cNvPr id="122" name="Straight Connector 121">
-            <a:extLst>
-              <a:ext uri="{FF2B5EF4-FFF2-40B4-BE49-F238E27FC236}">
-                <a16:creationId xmlns:a16="http://schemas.microsoft.com/office/drawing/2014/main" id="{7D924C36-62A9-411E-901E-621445998F78}"/>
-              </a:ext>
-            </a:extLst>
-          </p:cNvPr>
-          <p:cNvCxnSpPr/>
-          <p:nvPr/>
-        </p:nvCxnSpPr>
-        <p:spPr>
-          <a:xfrm>
-            <a:off x="3591455" y="3264344"/>
-            <a:ext cx="214312" cy="0"/>
-          </a:xfrm>
-          <a:prstGeom prst="line">
-            <a:avLst/>
-          </a:prstGeom>
-          <a:ln>
-            <a:solidFill>
-              <a:schemeClr val="bg1"/>
-            </a:solidFill>
-          </a:ln>
-        </p:spPr>
-        <p:style>
-          <a:lnRef idx="1">
-            <a:schemeClr val="dk1"/>
-          </a:lnRef>
-          <a:fillRef idx="0">
-            <a:schemeClr val="dk1"/>
-          </a:fillRef>
-          <a:effectRef idx="0">
-            <a:schemeClr val="dk1"/>
-          </a:effectRef>
-          <a:fontRef idx="minor">
-            <a:schemeClr val="tx1"/>
-          </a:fontRef>
-        </p:style>
-      </p:cxnSp>
-      <p:sp>
-        <p:nvSpPr>
-          <p:cNvPr id="123" name="TextBox 122">
-            <a:extLst>
-              <a:ext uri="{FF2B5EF4-FFF2-40B4-BE49-F238E27FC236}">
-                <a16:creationId xmlns:a16="http://schemas.microsoft.com/office/drawing/2014/main" id="{BAEC1309-5EBC-4A5D-A0AB-69DA690688FE}"/>
-              </a:ext>
-            </a:extLst>
-          </p:cNvPr>
-          <p:cNvSpPr txBox="1"/>
-          <p:nvPr/>
-        </p:nvSpPr>
-        <p:spPr>
-          <a:xfrm>
-            <a:off x="3787087" y="3104257"/>
-            <a:ext cx="1476686" cy="307777"/>
-          </a:xfrm>
-          <a:prstGeom prst="rect">
-            <a:avLst/>
-          </a:prstGeom>
-          <a:noFill/>
-          <a:ln>
-            <a:noFill/>
-          </a:ln>
-        </p:spPr>
-        <p:txBody>
-          <a:bodyPr wrap="none" rtlCol="0">
-            <a:spAutoFit/>
-          </a:bodyPr>
-          <a:lstStyle/>
-          <a:p>
-            <a:r>
-              <a:rPr lang="en-GB" sz="1400" dirty="0">
-                <a:solidFill>
-                  <a:schemeClr val="bg1"/>
-                </a:solidFill>
-                <a:latin typeface="Consolas" panose="020B0609020204030204" pitchFamily="49" charset="0"/>
-              </a:rPr>
-              <a:t>Imagefolder_1</a:t>
-            </a:r>
-          </a:p>
-        </p:txBody>
-      </p:sp>
-      <p:cxnSp>
-        <p:nvCxnSpPr>
-          <p:cNvPr id="124" name="Straight Connector 123">
-            <a:extLst>
-              <a:ext uri="{FF2B5EF4-FFF2-40B4-BE49-F238E27FC236}">
-                <a16:creationId xmlns:a16="http://schemas.microsoft.com/office/drawing/2014/main" id="{325C08EF-E587-4EAE-9607-A422A3372B07}"/>
-              </a:ext>
-            </a:extLst>
-          </p:cNvPr>
-          <p:cNvCxnSpPr>
-            <a:cxnSpLocks/>
-          </p:cNvCxnSpPr>
-          <p:nvPr/>
-        </p:nvCxnSpPr>
-        <p:spPr>
-          <a:xfrm>
-            <a:off x="3698611" y="3261080"/>
-            <a:ext cx="0" cy="1196009"/>
-          </a:xfrm>
-          <a:prstGeom prst="line">
-            <a:avLst/>
-          </a:prstGeom>
-          <a:ln>
-            <a:solidFill>
-              <a:schemeClr val="bg1"/>
-            </a:solidFill>
-          </a:ln>
-        </p:spPr>
-        <p:style>
-          <a:lnRef idx="1">
-            <a:schemeClr val="dk1"/>
-          </a:lnRef>
-          <a:fillRef idx="0">
-            <a:schemeClr val="dk1"/>
-          </a:fillRef>
-          <a:effectRef idx="0">
-            <a:schemeClr val="dk1"/>
-          </a:effectRef>
-          <a:fontRef idx="minor">
-            <a:schemeClr val="tx1"/>
-          </a:fontRef>
-        </p:style>
-      </p:cxnSp>
-      <p:sp>
-        <p:nvSpPr>
-          <p:cNvPr id="125" name="TextBox 124">
-            <a:extLst>
-              <a:ext uri="{FF2B5EF4-FFF2-40B4-BE49-F238E27FC236}">
-                <a16:creationId xmlns:a16="http://schemas.microsoft.com/office/drawing/2014/main" id="{C58E5AC2-1D44-4BC9-839F-7FAC86EB4948}"/>
-              </a:ext>
-            </a:extLst>
-          </p:cNvPr>
-          <p:cNvSpPr txBox="1"/>
-          <p:nvPr/>
-        </p:nvSpPr>
-        <p:spPr>
-          <a:xfrm>
-            <a:off x="5454151" y="4287394"/>
-            <a:ext cx="582211" cy="307777"/>
-          </a:xfrm>
-          <a:prstGeom prst="rect">
-            <a:avLst/>
-          </a:prstGeom>
-          <a:noFill/>
-          <a:ln>
-            <a:noFill/>
-          </a:ln>
-        </p:spPr>
-        <p:txBody>
-          <a:bodyPr wrap="none" rtlCol="0">
-            <a:spAutoFit/>
-          </a:bodyPr>
-          <a:lstStyle/>
-          <a:p>
-            <a:r>
-              <a:rPr lang="en-GB" sz="1400" dirty="0">
-                <a:solidFill>
-                  <a:schemeClr val="bg1"/>
-                </a:solidFill>
-                <a:latin typeface="Consolas" panose="020B0609020204030204" pitchFamily="49" charset="0"/>
-              </a:rPr>
-              <a:t>DCIM</a:t>
-            </a:r>
-          </a:p>
-        </p:txBody>
-      </p:sp>
-      <p:sp>
-        <p:nvSpPr>
-          <p:cNvPr id="126" name="TextBox 125">
-            <a:extLst>
-              <a:ext uri="{FF2B5EF4-FFF2-40B4-BE49-F238E27FC236}">
-                <a16:creationId xmlns:a16="http://schemas.microsoft.com/office/drawing/2014/main" id="{0BD65A1F-D4F4-490D-A49E-06C4A0D5E265}"/>
-              </a:ext>
-            </a:extLst>
-          </p:cNvPr>
-          <p:cNvSpPr txBox="1"/>
-          <p:nvPr/>
-        </p:nvSpPr>
-        <p:spPr>
-          <a:xfrm>
-            <a:off x="6345194" y="4285016"/>
-            <a:ext cx="1277914" cy="307777"/>
-          </a:xfrm>
-          <a:prstGeom prst="rect">
-            <a:avLst/>
-          </a:prstGeom>
-          <a:noFill/>
-          <a:ln>
-            <a:noFill/>
-          </a:ln>
-        </p:spPr>
-        <p:txBody>
-          <a:bodyPr wrap="none" rtlCol="0">
-            <a:spAutoFit/>
-          </a:bodyPr>
-          <a:lstStyle/>
-          <a:p>
-            <a:r>
-              <a:rPr lang="en-GB" sz="1400" dirty="0">
-                <a:solidFill>
-                  <a:schemeClr val="bg1"/>
-                </a:solidFill>
-                <a:latin typeface="Consolas" panose="020B0609020204030204" pitchFamily="49" charset="0"/>
-              </a:rPr>
-              <a:t>Photo_1.jpg</a:t>
-            </a:r>
-          </a:p>
-        </p:txBody>
-      </p:sp>
-      <p:sp>
-        <p:nvSpPr>
-          <p:cNvPr id="127" name="TextBox 126">
-            <a:extLst>
-              <a:ext uri="{FF2B5EF4-FFF2-40B4-BE49-F238E27FC236}">
-                <a16:creationId xmlns:a16="http://schemas.microsoft.com/office/drawing/2014/main" id="{D9F22594-3F64-4416-830F-134BAEDC839A}"/>
-              </a:ext>
-            </a:extLst>
-          </p:cNvPr>
-          <p:cNvSpPr txBox="1"/>
-          <p:nvPr/>
-        </p:nvSpPr>
-        <p:spPr>
-          <a:xfrm rot="5400000">
-            <a:off x="6991195" y="4525321"/>
-            <a:ext cx="284052" cy="307777"/>
-          </a:xfrm>
-          <a:prstGeom prst="rect">
-            <a:avLst/>
-          </a:prstGeom>
-          <a:noFill/>
-          <a:ln>
-            <a:noFill/>
-          </a:ln>
-        </p:spPr>
-        <p:txBody>
-          <a:bodyPr wrap="none" rtlCol="0">
-            <a:spAutoFit/>
-          </a:bodyPr>
-          <a:lstStyle/>
-          <a:p>
-            <a:r>
-              <a:rPr lang="en-GB" sz="1400" dirty="0">
-                <a:solidFill>
-                  <a:schemeClr val="bg1"/>
-                </a:solidFill>
-                <a:latin typeface="Consolas" panose="020B0609020204030204" pitchFamily="49" charset="0"/>
-              </a:rPr>
-              <a:t>…</a:t>
-            </a:r>
-          </a:p>
-        </p:txBody>
-      </p:sp>
-      <p:sp>
-        <p:nvSpPr>
-          <p:cNvPr id="128" name="TextBox 127">
-            <a:extLst>
-              <a:ext uri="{FF2B5EF4-FFF2-40B4-BE49-F238E27FC236}">
-                <a16:creationId xmlns:a16="http://schemas.microsoft.com/office/drawing/2014/main" id="{A9663D04-D59A-414E-A8F2-D7CD68E00C06}"/>
-              </a:ext>
-            </a:extLst>
-          </p:cNvPr>
-          <p:cNvSpPr txBox="1"/>
-          <p:nvPr/>
-        </p:nvSpPr>
-        <p:spPr>
-          <a:xfrm>
-            <a:off x="6340375" y="4728122"/>
-            <a:ext cx="1277914" cy="307777"/>
-          </a:xfrm>
-          <a:prstGeom prst="rect">
-            <a:avLst/>
-          </a:prstGeom>
-          <a:noFill/>
-          <a:ln>
-            <a:noFill/>
-          </a:ln>
-        </p:spPr>
-        <p:txBody>
-          <a:bodyPr wrap="none" rtlCol="0">
-            <a:spAutoFit/>
-          </a:bodyPr>
-          <a:lstStyle/>
-          <a:p>
-            <a:r>
-              <a:rPr lang="en-GB" sz="1400" dirty="0">
-                <a:solidFill>
-                  <a:schemeClr val="bg1"/>
-                </a:solidFill>
-                <a:latin typeface="Consolas" panose="020B0609020204030204" pitchFamily="49" charset="0"/>
-              </a:rPr>
-              <a:t>Photo_n.jpg</a:t>
-            </a:r>
-          </a:p>
-        </p:txBody>
-      </p:sp>
-      <p:cxnSp>
-        <p:nvCxnSpPr>
-          <p:cNvPr id="129" name="Straight Connector 128">
-            <a:extLst>
-              <a:ext uri="{FF2B5EF4-FFF2-40B4-BE49-F238E27FC236}">
-                <a16:creationId xmlns:a16="http://schemas.microsoft.com/office/drawing/2014/main" id="{1AD13507-CBEC-4966-924D-0CE6B4B4F9A6}"/>
-              </a:ext>
-            </a:extLst>
-          </p:cNvPr>
-          <p:cNvCxnSpPr>
-            <a:cxnSpLocks/>
-          </p:cNvCxnSpPr>
-          <p:nvPr/>
-        </p:nvCxnSpPr>
-        <p:spPr>
-          <a:xfrm>
-            <a:off x="6093536" y="4442558"/>
-            <a:ext cx="254133" cy="2"/>
-          </a:xfrm>
-          <a:prstGeom prst="line">
-            <a:avLst/>
-          </a:prstGeom>
-          <a:ln>
-            <a:solidFill>
-              <a:schemeClr val="bg1"/>
-            </a:solidFill>
-          </a:ln>
-        </p:spPr>
-        <p:style>
-          <a:lnRef idx="1">
-            <a:schemeClr val="dk1"/>
-          </a:lnRef>
-          <a:fillRef idx="0">
-            <a:schemeClr val="dk1"/>
-          </a:fillRef>
-          <a:effectRef idx="0">
-            <a:schemeClr val="dk1"/>
-          </a:effectRef>
-          <a:fontRef idx="minor">
-            <a:schemeClr val="tx1"/>
-          </a:fontRef>
-        </p:style>
-      </p:cxnSp>
-      <p:cxnSp>
-        <p:nvCxnSpPr>
-          <p:cNvPr id="130" name="Straight Connector 129">
-            <a:extLst>
-              <a:ext uri="{FF2B5EF4-FFF2-40B4-BE49-F238E27FC236}">
-                <a16:creationId xmlns:a16="http://schemas.microsoft.com/office/drawing/2014/main" id="{17FF3CF0-549F-41FB-8E19-02F89D4DD61D}"/>
-              </a:ext>
-            </a:extLst>
-          </p:cNvPr>
-          <p:cNvCxnSpPr>
-            <a:cxnSpLocks/>
-          </p:cNvCxnSpPr>
-          <p:nvPr/>
-        </p:nvCxnSpPr>
-        <p:spPr>
-          <a:xfrm>
-            <a:off x="6233321" y="4439996"/>
-            <a:ext cx="0" cy="442014"/>
-          </a:xfrm>
-          <a:prstGeom prst="line">
-            <a:avLst/>
-          </a:prstGeom>
-          <a:ln>
-            <a:solidFill>
-              <a:schemeClr val="bg1"/>
-            </a:solidFill>
-          </a:ln>
-        </p:spPr>
-        <p:style>
-          <a:lnRef idx="1">
-            <a:schemeClr val="dk1"/>
-          </a:lnRef>
-          <a:fillRef idx="0">
-            <a:schemeClr val="dk1"/>
-          </a:fillRef>
-          <a:effectRef idx="0">
-            <a:schemeClr val="dk1"/>
-          </a:effectRef>
-          <a:fontRef idx="minor">
-            <a:schemeClr val="tx1"/>
-          </a:fontRef>
-        </p:style>
-      </p:cxnSp>
-      <p:cxnSp>
-        <p:nvCxnSpPr>
-          <p:cNvPr id="131" name="Straight Connector 130">
-            <a:extLst>
-              <a:ext uri="{FF2B5EF4-FFF2-40B4-BE49-F238E27FC236}">
-                <a16:creationId xmlns:a16="http://schemas.microsoft.com/office/drawing/2014/main" id="{87F84994-F60D-4F19-9721-531DBE68697F}"/>
-              </a:ext>
-            </a:extLst>
-          </p:cNvPr>
-          <p:cNvCxnSpPr>
-            <a:cxnSpLocks/>
-          </p:cNvCxnSpPr>
-          <p:nvPr/>
-        </p:nvCxnSpPr>
-        <p:spPr>
-          <a:xfrm flipV="1">
-            <a:off x="6235704" y="4660457"/>
-            <a:ext cx="111965" cy="1"/>
-          </a:xfrm>
-          <a:prstGeom prst="line">
-            <a:avLst/>
-          </a:prstGeom>
-          <a:ln>
-            <a:solidFill>
-              <a:schemeClr val="bg1"/>
-            </a:solidFill>
-          </a:ln>
-        </p:spPr>
-        <p:style>
-          <a:lnRef idx="1">
-            <a:schemeClr val="dk1"/>
-          </a:lnRef>
-          <a:fillRef idx="0">
-            <a:schemeClr val="dk1"/>
-          </a:fillRef>
-          <a:effectRef idx="0">
-            <a:schemeClr val="dk1"/>
-          </a:effectRef>
-          <a:fontRef idx="minor">
-            <a:schemeClr val="tx1"/>
-          </a:fontRef>
-        </p:style>
-      </p:cxnSp>
-      <p:cxnSp>
-        <p:nvCxnSpPr>
-          <p:cNvPr id="132" name="Straight Connector 131">
-            <a:extLst>
-              <a:ext uri="{FF2B5EF4-FFF2-40B4-BE49-F238E27FC236}">
-                <a16:creationId xmlns:a16="http://schemas.microsoft.com/office/drawing/2014/main" id="{1722F608-5225-42E3-AF7D-6526A22AF197}"/>
-              </a:ext>
-            </a:extLst>
-          </p:cNvPr>
-          <p:cNvCxnSpPr>
-            <a:cxnSpLocks/>
-          </p:cNvCxnSpPr>
-          <p:nvPr/>
-        </p:nvCxnSpPr>
-        <p:spPr>
-          <a:xfrm flipV="1">
-            <a:off x="6231585" y="4883965"/>
-            <a:ext cx="111965" cy="1"/>
-          </a:xfrm>
-          <a:prstGeom prst="line">
-            <a:avLst/>
-          </a:prstGeom>
-          <a:ln>
-            <a:solidFill>
-              <a:schemeClr val="bg1"/>
-            </a:solidFill>
-          </a:ln>
-        </p:spPr>
-        <p:style>
-          <a:lnRef idx="1">
-            <a:schemeClr val="dk1"/>
-          </a:lnRef>
-          <a:fillRef idx="0">
-            <a:schemeClr val="dk1"/>
-          </a:fillRef>
-          <a:effectRef idx="0">
-            <a:schemeClr val="dk1"/>
-          </a:effectRef>
-          <a:fontRef idx="minor">
-            <a:schemeClr val="tx1"/>
-          </a:fontRef>
-        </p:style>
-      </p:cxnSp>
-      <p:cxnSp>
-        <p:nvCxnSpPr>
-          <p:cNvPr id="133" name="Straight Connector 132">
-            <a:extLst>
-              <a:ext uri="{FF2B5EF4-FFF2-40B4-BE49-F238E27FC236}">
-                <a16:creationId xmlns:a16="http://schemas.microsoft.com/office/drawing/2014/main" id="{D41A8922-07F7-4254-AA31-6C600AF0983C}"/>
-              </a:ext>
-            </a:extLst>
-          </p:cNvPr>
-          <p:cNvCxnSpPr/>
-          <p:nvPr/>
-        </p:nvCxnSpPr>
-        <p:spPr>
-          <a:xfrm>
-            <a:off x="5253749" y="4439995"/>
-            <a:ext cx="214312" cy="0"/>
-          </a:xfrm>
-          <a:prstGeom prst="line">
-            <a:avLst/>
-          </a:prstGeom>
-          <a:ln>
-            <a:solidFill>
-              <a:schemeClr val="bg1"/>
-            </a:solidFill>
-          </a:ln>
-        </p:spPr>
-        <p:style>
-          <a:lnRef idx="1">
-            <a:schemeClr val="dk1"/>
-          </a:lnRef>
-          <a:fillRef idx="0">
-            <a:schemeClr val="dk1"/>
-          </a:fillRef>
-          <a:effectRef idx="0">
-            <a:schemeClr val="dk1"/>
-          </a:effectRef>
-          <a:fontRef idx="minor">
-            <a:schemeClr val="tx1"/>
-          </a:fontRef>
-        </p:style>
-      </p:cxnSp>
-      <p:sp>
-        <p:nvSpPr>
-          <p:cNvPr id="134" name="TextBox 133">
-            <a:extLst>
-              <a:ext uri="{FF2B5EF4-FFF2-40B4-BE49-F238E27FC236}">
-                <a16:creationId xmlns:a16="http://schemas.microsoft.com/office/drawing/2014/main" id="{52B1F10E-DC4B-4259-B119-FA0E8135771A}"/>
-              </a:ext>
-            </a:extLst>
-          </p:cNvPr>
-          <p:cNvSpPr txBox="1"/>
-          <p:nvPr/>
-        </p:nvSpPr>
-        <p:spPr>
-          <a:xfrm>
-            <a:off x="3805217" y="4285016"/>
-            <a:ext cx="1476686" cy="307777"/>
-          </a:xfrm>
-          <a:prstGeom prst="rect">
-            <a:avLst/>
-          </a:prstGeom>
-          <a:noFill/>
-          <a:ln>
-            <a:noFill/>
-          </a:ln>
-        </p:spPr>
-        <p:txBody>
-          <a:bodyPr wrap="none" rtlCol="0">
-            <a:spAutoFit/>
-          </a:bodyPr>
-          <a:lstStyle/>
-          <a:p>
-            <a:r>
-              <a:rPr lang="en-GB" sz="1400" dirty="0" err="1">
-                <a:solidFill>
-                  <a:schemeClr val="bg1"/>
-                </a:solidFill>
-                <a:latin typeface="Consolas" panose="020B0609020204030204" pitchFamily="49" charset="0"/>
-              </a:rPr>
-              <a:t>Imagefolder_n</a:t>
-            </a:r>
-            <a:endParaRPr lang="en-GB" sz="1400" dirty="0">
-              <a:solidFill>
-                <a:schemeClr val="bg1"/>
-              </a:solidFill>
-              <a:latin typeface="Consolas" panose="020B0609020204030204" pitchFamily="49" charset="0"/>
-            </a:endParaRPr>
-          </a:p>
-        </p:txBody>
-      </p:sp>
-      <p:cxnSp>
-        <p:nvCxnSpPr>
-          <p:cNvPr id="135" name="Straight Connector 134">
-            <a:extLst>
-              <a:ext uri="{FF2B5EF4-FFF2-40B4-BE49-F238E27FC236}">
-                <a16:creationId xmlns:a16="http://schemas.microsoft.com/office/drawing/2014/main" id="{8B538CB4-F783-400E-8C0F-6BEB1327AC35}"/>
-              </a:ext>
-            </a:extLst>
-          </p:cNvPr>
-          <p:cNvCxnSpPr>
-            <a:cxnSpLocks/>
-          </p:cNvCxnSpPr>
-          <p:nvPr/>
-        </p:nvCxnSpPr>
-        <p:spPr>
-          <a:xfrm flipV="1">
-            <a:off x="3700049" y="4454192"/>
-            <a:ext cx="111965" cy="1"/>
-          </a:xfrm>
-          <a:prstGeom prst="line">
-            <a:avLst/>
-          </a:prstGeom>
-          <a:ln>
-            <a:solidFill>
-              <a:schemeClr val="bg1"/>
-            </a:solidFill>
-          </a:ln>
-        </p:spPr>
-        <p:style>
-          <a:lnRef idx="1">
-            <a:schemeClr val="dk1"/>
-          </a:lnRef>
-          <a:fillRef idx="0">
-            <a:schemeClr val="dk1"/>
-          </a:fillRef>
-          <a:effectRef idx="0">
-            <a:schemeClr val="dk1"/>
-          </a:effectRef>
-          <a:fontRef idx="minor">
-            <a:schemeClr val="tx1"/>
-          </a:fontRef>
-        </p:style>
-      </p:cxnSp>
-      <p:cxnSp>
-        <p:nvCxnSpPr>
-          <p:cNvPr id="137" name="Straight Connector 136">
-            <a:extLst>
-              <a:ext uri="{FF2B5EF4-FFF2-40B4-BE49-F238E27FC236}">
-                <a16:creationId xmlns:a16="http://schemas.microsoft.com/office/drawing/2014/main" id="{652AB50D-3386-488C-88BD-ACCE439792A8}"/>
-              </a:ext>
-            </a:extLst>
-          </p:cNvPr>
-          <p:cNvCxnSpPr>
-            <a:cxnSpLocks/>
-          </p:cNvCxnSpPr>
-          <p:nvPr/>
-        </p:nvCxnSpPr>
-        <p:spPr>
-          <a:xfrm flipV="1">
-            <a:off x="2632464" y="2822005"/>
-            <a:ext cx="111965" cy="1"/>
-          </a:xfrm>
-          <a:prstGeom prst="line">
-            <a:avLst/>
-          </a:prstGeom>
-          <a:ln>
-            <a:solidFill>
-              <a:schemeClr val="bg1"/>
-            </a:solidFill>
-          </a:ln>
-        </p:spPr>
-        <p:style>
-          <a:lnRef idx="1">
-            <a:schemeClr val="dk1"/>
-          </a:lnRef>
-          <a:fillRef idx="0">
-            <a:schemeClr val="dk1"/>
-          </a:fillRef>
-          <a:effectRef idx="0">
-            <a:schemeClr val="dk1"/>
-          </a:effectRef>
-          <a:fontRef idx="minor">
-            <a:schemeClr val="tx1"/>
-          </a:fontRef>
-        </p:style>
-      </p:cxnSp>
-      <p:sp>
-        <p:nvSpPr>
-          <p:cNvPr id="138" name="Right Brace 137">
-            <a:extLst>
-              <a:ext uri="{FF2B5EF4-FFF2-40B4-BE49-F238E27FC236}">
-                <a16:creationId xmlns:a16="http://schemas.microsoft.com/office/drawing/2014/main" id="{4624759D-8F0B-47BB-BF4E-421F323884A7}"/>
-              </a:ext>
-            </a:extLst>
-          </p:cNvPr>
-          <p:cNvSpPr/>
-          <p:nvPr/>
-        </p:nvSpPr>
-        <p:spPr>
-          <a:xfrm>
-            <a:off x="7503839" y="625201"/>
-            <a:ext cx="245565" cy="1994843"/>
+            <a:off x="11494985" y="704850"/>
+            <a:ext cx="245565" cy="3386078"/>
           </a:xfrm>
           <a:prstGeom prst="rightBrace">
             <a:avLst>
@@ -5494,10 +6087,10 @@
       </p:sp>
       <p:sp>
         <p:nvSpPr>
-          <p:cNvPr id="139" name="TextBox 138">
-            <a:extLst>
-              <a:ext uri="{FF2B5EF4-FFF2-40B4-BE49-F238E27FC236}">
-                <a16:creationId xmlns:a16="http://schemas.microsoft.com/office/drawing/2014/main" id="{084C3EF5-A7EC-43F4-8A57-2794C2340C51}"/>
+          <p:cNvPr id="79" name="TextBox 78">
+            <a:extLst>
+              <a:ext uri="{FF2B5EF4-FFF2-40B4-BE49-F238E27FC236}">
+                <a16:creationId xmlns:a16="http://schemas.microsoft.com/office/drawing/2014/main" id="{9CA26948-A78D-42A0-A266-45C090EAABEA}"/>
               </a:ext>
             </a:extLst>
           </p:cNvPr>
@@ -5506,7 +6099,7 @@
         </p:nvSpPr>
         <p:spPr>
           <a:xfrm>
-            <a:off x="7754232" y="1172465"/>
+            <a:off x="11761525" y="1949172"/>
             <a:ext cx="1523884" cy="954107"/>
           </a:xfrm>
           <a:prstGeom prst="rect">
@@ -5532,12 +6125,2352 @@
           </a:p>
         </p:txBody>
       </p:sp>
-      <p:sp>
-        <p:nvSpPr>
-          <p:cNvPr id="140" name="Right Brace 139">
-            <a:extLst>
-              <a:ext uri="{FF2B5EF4-FFF2-40B4-BE49-F238E27FC236}">
-                <a16:creationId xmlns:a16="http://schemas.microsoft.com/office/drawing/2014/main" id="{6BD24982-5351-4403-A142-9C5E0DA8B3BD}"/>
+      <p:cxnSp>
+        <p:nvCxnSpPr>
+          <p:cNvPr id="86" name="Straight Connector 85">
+            <a:extLst>
+              <a:ext uri="{FF2B5EF4-FFF2-40B4-BE49-F238E27FC236}">
+                <a16:creationId xmlns:a16="http://schemas.microsoft.com/office/drawing/2014/main" id="{4DE1AF6A-D30B-424B-9C86-853DE2C5FB17}"/>
+              </a:ext>
+            </a:extLst>
+          </p:cNvPr>
+          <p:cNvCxnSpPr>
+            <a:cxnSpLocks/>
+          </p:cNvCxnSpPr>
+          <p:nvPr/>
+        </p:nvCxnSpPr>
+        <p:spPr>
+          <a:xfrm flipV="1">
+            <a:off x="6533561" y="1770990"/>
+            <a:ext cx="111965" cy="1"/>
+          </a:xfrm>
+          <a:prstGeom prst="line">
+            <a:avLst/>
+          </a:prstGeom>
+          <a:ln>
+            <a:solidFill>
+              <a:schemeClr val="bg1"/>
+            </a:solidFill>
+          </a:ln>
+        </p:spPr>
+        <p:style>
+          <a:lnRef idx="1">
+            <a:schemeClr val="dk1"/>
+          </a:lnRef>
+          <a:fillRef idx="0">
+            <a:schemeClr val="dk1"/>
+          </a:fillRef>
+          <a:effectRef idx="0">
+            <a:schemeClr val="dk1"/>
+          </a:effectRef>
+          <a:fontRef idx="minor">
+            <a:schemeClr val="tx1"/>
+          </a:fontRef>
+        </p:style>
+      </p:cxnSp>
+      <p:sp>
+        <p:nvSpPr>
+          <p:cNvPr id="87" name="TextBox 86">
+            <a:extLst>
+              <a:ext uri="{FF2B5EF4-FFF2-40B4-BE49-F238E27FC236}">
+                <a16:creationId xmlns:a16="http://schemas.microsoft.com/office/drawing/2014/main" id="{2EEBD1D5-DF28-4F84-934C-EB5D706D8DF7}"/>
+              </a:ext>
+            </a:extLst>
+          </p:cNvPr>
+          <p:cNvSpPr txBox="1"/>
+          <p:nvPr/>
+        </p:nvSpPr>
+        <p:spPr>
+          <a:xfrm>
+            <a:off x="9230662" y="2534037"/>
+            <a:ext cx="681597" cy="307777"/>
+          </a:xfrm>
+          <a:prstGeom prst="rect">
+            <a:avLst/>
+          </a:prstGeom>
+          <a:noFill/>
+          <a:ln>
+            <a:noFill/>
+          </a:ln>
+        </p:spPr>
+        <p:txBody>
+          <a:bodyPr wrap="none" rtlCol="0">
+            <a:spAutoFit/>
+          </a:bodyPr>
+          <a:lstStyle/>
+          <a:p>
+            <a:r>
+              <a:rPr lang="en-GB" sz="1400" dirty="0">
+                <a:solidFill>
+                  <a:schemeClr val="bg1"/>
+                </a:solidFill>
+                <a:latin typeface="Consolas" panose="020B0609020204030204" pitchFamily="49" charset="0"/>
+              </a:rPr>
+              <a:t>100EK</a:t>
+            </a:r>
+          </a:p>
+        </p:txBody>
+      </p:sp>
+      <p:sp>
+        <p:nvSpPr>
+          <p:cNvPr id="88" name="TextBox 87">
+            <a:extLst>
+              <a:ext uri="{FF2B5EF4-FFF2-40B4-BE49-F238E27FC236}">
+                <a16:creationId xmlns:a16="http://schemas.microsoft.com/office/drawing/2014/main" id="{F31CC1FA-7774-4596-A8FD-EC586C5B0F95}"/>
+              </a:ext>
+            </a:extLst>
+          </p:cNvPr>
+          <p:cNvSpPr txBox="1"/>
+          <p:nvPr/>
+        </p:nvSpPr>
+        <p:spPr>
+          <a:xfrm rot="5400000">
+            <a:off x="9489676" y="2936674"/>
+            <a:ext cx="284052" cy="307777"/>
+          </a:xfrm>
+          <a:prstGeom prst="rect">
+            <a:avLst/>
+          </a:prstGeom>
+          <a:noFill/>
+          <a:ln>
+            <a:noFill/>
+          </a:ln>
+        </p:spPr>
+        <p:txBody>
+          <a:bodyPr wrap="none" rtlCol="0">
+            <a:spAutoFit/>
+          </a:bodyPr>
+          <a:lstStyle/>
+          <a:p>
+            <a:r>
+              <a:rPr lang="en-GB" sz="1400" dirty="0">
+                <a:solidFill>
+                  <a:schemeClr val="bg1"/>
+                </a:solidFill>
+                <a:latin typeface="Consolas" panose="020B0609020204030204" pitchFamily="49" charset="0"/>
+              </a:rPr>
+              <a:t>…</a:t>
+            </a:r>
+          </a:p>
+        </p:txBody>
+      </p:sp>
+      <p:sp>
+        <p:nvSpPr>
+          <p:cNvPr id="89" name="TextBox 88">
+            <a:extLst>
+              <a:ext uri="{FF2B5EF4-FFF2-40B4-BE49-F238E27FC236}">
+                <a16:creationId xmlns:a16="http://schemas.microsoft.com/office/drawing/2014/main" id="{2BF21C54-CFB5-4C78-A746-35AD5A50DDA1}"/>
+              </a:ext>
+            </a:extLst>
+          </p:cNvPr>
+          <p:cNvSpPr txBox="1"/>
+          <p:nvPr/>
+        </p:nvSpPr>
+        <p:spPr>
+          <a:xfrm>
+            <a:off x="9133042" y="3339311"/>
+            <a:ext cx="880369" cy="307777"/>
+          </a:xfrm>
+          <a:prstGeom prst="rect">
+            <a:avLst/>
+          </a:prstGeom>
+          <a:noFill/>
+          <a:ln>
+            <a:noFill/>
+          </a:ln>
+        </p:spPr>
+        <p:txBody>
+          <a:bodyPr wrap="none" rtlCol="0">
+            <a:spAutoFit/>
+          </a:bodyPr>
+          <a:lstStyle/>
+          <a:p>
+            <a:r>
+              <a:rPr lang="en-GB" sz="1400" i="1" dirty="0">
+                <a:solidFill>
+                  <a:schemeClr val="bg1"/>
+                </a:solidFill>
+                <a:latin typeface="Consolas" panose="020B0609020204030204" pitchFamily="49" charset="0"/>
+              </a:rPr>
+              <a:t>100+n</a:t>
+            </a:r>
+            <a:r>
+              <a:rPr lang="en-GB" sz="1400" dirty="0">
+                <a:solidFill>
+                  <a:schemeClr val="bg1"/>
+                </a:solidFill>
+                <a:latin typeface="Consolas" panose="020B0609020204030204" pitchFamily="49" charset="0"/>
+              </a:rPr>
+              <a:t>EK</a:t>
+            </a:r>
+          </a:p>
+        </p:txBody>
+      </p:sp>
+      <p:cxnSp>
+        <p:nvCxnSpPr>
+          <p:cNvPr id="90" name="Straight Connector 89">
+            <a:extLst>
+              <a:ext uri="{FF2B5EF4-FFF2-40B4-BE49-F238E27FC236}">
+                <a16:creationId xmlns:a16="http://schemas.microsoft.com/office/drawing/2014/main" id="{E3E35C50-1DDC-4597-BABA-22D7007F9BAF}"/>
+              </a:ext>
+            </a:extLst>
+          </p:cNvPr>
+          <p:cNvCxnSpPr>
+            <a:cxnSpLocks/>
+          </p:cNvCxnSpPr>
+          <p:nvPr/>
+        </p:nvCxnSpPr>
+        <p:spPr>
+          <a:xfrm>
+            <a:off x="8910925" y="2685381"/>
+            <a:ext cx="254133" cy="2"/>
+          </a:xfrm>
+          <a:prstGeom prst="line">
+            <a:avLst/>
+          </a:prstGeom>
+          <a:ln>
+            <a:solidFill>
+              <a:schemeClr val="bg1"/>
+            </a:solidFill>
+          </a:ln>
+        </p:spPr>
+        <p:style>
+          <a:lnRef idx="1">
+            <a:schemeClr val="dk1"/>
+          </a:lnRef>
+          <a:fillRef idx="0">
+            <a:schemeClr val="dk1"/>
+          </a:fillRef>
+          <a:effectRef idx="0">
+            <a:schemeClr val="dk1"/>
+          </a:effectRef>
+          <a:fontRef idx="minor">
+            <a:schemeClr val="tx1"/>
+          </a:fontRef>
+        </p:style>
+      </p:cxnSp>
+      <p:cxnSp>
+        <p:nvCxnSpPr>
+          <p:cNvPr id="94" name="Straight Connector 93">
+            <a:extLst>
+              <a:ext uri="{FF2B5EF4-FFF2-40B4-BE49-F238E27FC236}">
+                <a16:creationId xmlns:a16="http://schemas.microsoft.com/office/drawing/2014/main" id="{4657280D-5451-4708-9FC2-86A4189988D4}"/>
+              </a:ext>
+            </a:extLst>
+          </p:cNvPr>
+          <p:cNvCxnSpPr>
+            <a:cxnSpLocks/>
+          </p:cNvCxnSpPr>
+          <p:nvPr/>
+        </p:nvCxnSpPr>
+        <p:spPr>
+          <a:xfrm>
+            <a:off x="9050710" y="2682819"/>
+            <a:ext cx="0" cy="812206"/>
+          </a:xfrm>
+          <a:prstGeom prst="line">
+            <a:avLst/>
+          </a:prstGeom>
+          <a:ln>
+            <a:solidFill>
+              <a:schemeClr val="bg1"/>
+            </a:solidFill>
+          </a:ln>
+        </p:spPr>
+        <p:style>
+          <a:lnRef idx="1">
+            <a:schemeClr val="dk1"/>
+          </a:lnRef>
+          <a:fillRef idx="0">
+            <a:schemeClr val="dk1"/>
+          </a:fillRef>
+          <a:effectRef idx="0">
+            <a:schemeClr val="dk1"/>
+          </a:effectRef>
+          <a:fontRef idx="minor">
+            <a:schemeClr val="tx1"/>
+          </a:fontRef>
+        </p:style>
+      </p:cxnSp>
+      <p:cxnSp>
+        <p:nvCxnSpPr>
+          <p:cNvPr id="107" name="Straight Connector 106">
+            <a:extLst>
+              <a:ext uri="{FF2B5EF4-FFF2-40B4-BE49-F238E27FC236}">
+                <a16:creationId xmlns:a16="http://schemas.microsoft.com/office/drawing/2014/main" id="{1C6200C6-BEB0-4A03-8C65-C2E5ACBFF935}"/>
+              </a:ext>
+            </a:extLst>
+          </p:cNvPr>
+          <p:cNvCxnSpPr>
+            <a:cxnSpLocks/>
+          </p:cNvCxnSpPr>
+          <p:nvPr/>
+        </p:nvCxnSpPr>
+        <p:spPr>
+          <a:xfrm flipV="1">
+            <a:off x="9053093" y="3087463"/>
+            <a:ext cx="111965" cy="1"/>
+          </a:xfrm>
+          <a:prstGeom prst="line">
+            <a:avLst/>
+          </a:prstGeom>
+          <a:ln>
+            <a:solidFill>
+              <a:schemeClr val="bg1"/>
+            </a:solidFill>
+          </a:ln>
+        </p:spPr>
+        <p:style>
+          <a:lnRef idx="1">
+            <a:schemeClr val="dk1"/>
+          </a:lnRef>
+          <a:fillRef idx="0">
+            <a:schemeClr val="dk1"/>
+          </a:fillRef>
+          <a:effectRef idx="0">
+            <a:schemeClr val="dk1"/>
+          </a:effectRef>
+          <a:fontRef idx="minor">
+            <a:schemeClr val="tx1"/>
+          </a:fontRef>
+        </p:style>
+      </p:cxnSp>
+      <p:cxnSp>
+        <p:nvCxnSpPr>
+          <p:cNvPr id="108" name="Straight Connector 107">
+            <a:extLst>
+              <a:ext uri="{FF2B5EF4-FFF2-40B4-BE49-F238E27FC236}">
+                <a16:creationId xmlns:a16="http://schemas.microsoft.com/office/drawing/2014/main" id="{96D708F7-9C8E-4DDF-855A-9D761842238C}"/>
+              </a:ext>
+            </a:extLst>
+          </p:cNvPr>
+          <p:cNvCxnSpPr>
+            <a:cxnSpLocks/>
+          </p:cNvCxnSpPr>
+          <p:nvPr/>
+        </p:nvCxnSpPr>
+        <p:spPr>
+          <a:xfrm flipV="1">
+            <a:off x="9046593" y="3492707"/>
+            <a:ext cx="111965" cy="1"/>
+          </a:xfrm>
+          <a:prstGeom prst="line">
+            <a:avLst/>
+          </a:prstGeom>
+          <a:ln>
+            <a:solidFill>
+              <a:schemeClr val="bg1"/>
+            </a:solidFill>
+          </a:ln>
+        </p:spPr>
+        <p:style>
+          <a:lnRef idx="1">
+            <a:schemeClr val="dk1"/>
+          </a:lnRef>
+          <a:fillRef idx="0">
+            <a:schemeClr val="dk1"/>
+          </a:fillRef>
+          <a:effectRef idx="0">
+            <a:schemeClr val="dk1"/>
+          </a:effectRef>
+          <a:fontRef idx="minor">
+            <a:schemeClr val="tx1"/>
+          </a:fontRef>
+        </p:style>
+      </p:cxnSp>
+      <p:sp>
+        <p:nvSpPr>
+          <p:cNvPr id="136" name="TextBox 135">
+            <a:extLst>
+              <a:ext uri="{FF2B5EF4-FFF2-40B4-BE49-F238E27FC236}">
+                <a16:creationId xmlns:a16="http://schemas.microsoft.com/office/drawing/2014/main" id="{18DEE8BC-C765-47C6-9461-61CCAB449A13}"/>
+              </a:ext>
+            </a:extLst>
+          </p:cNvPr>
+          <p:cNvSpPr txBox="1"/>
+          <p:nvPr/>
+        </p:nvSpPr>
+        <p:spPr>
+          <a:xfrm>
+            <a:off x="10194928" y="2527838"/>
+            <a:ext cx="1277914" cy="307777"/>
+          </a:xfrm>
+          <a:prstGeom prst="rect">
+            <a:avLst/>
+          </a:prstGeom>
+          <a:noFill/>
+          <a:ln>
+            <a:noFill/>
+          </a:ln>
+        </p:spPr>
+        <p:txBody>
+          <a:bodyPr wrap="none" rtlCol="0">
+            <a:spAutoFit/>
+          </a:bodyPr>
+          <a:lstStyle/>
+          <a:p>
+            <a:r>
+              <a:rPr lang="en-GB" sz="1400" dirty="0">
+                <a:solidFill>
+                  <a:schemeClr val="bg1"/>
+                </a:solidFill>
+                <a:latin typeface="Consolas" panose="020B0609020204030204" pitchFamily="49" charset="0"/>
+              </a:rPr>
+              <a:t>Photo_1.JPG</a:t>
+            </a:r>
+          </a:p>
+        </p:txBody>
+      </p:sp>
+      <p:sp>
+        <p:nvSpPr>
+          <p:cNvPr id="142" name="TextBox 141">
+            <a:extLst>
+              <a:ext uri="{FF2B5EF4-FFF2-40B4-BE49-F238E27FC236}">
+                <a16:creationId xmlns:a16="http://schemas.microsoft.com/office/drawing/2014/main" id="{F8C2EA0E-7E4D-4047-BE3C-E6A2D84D690E}"/>
+              </a:ext>
+            </a:extLst>
+          </p:cNvPr>
+          <p:cNvSpPr txBox="1"/>
+          <p:nvPr/>
+        </p:nvSpPr>
+        <p:spPr>
+          <a:xfrm rot="5400000">
+            <a:off x="10840929" y="2768143"/>
+            <a:ext cx="284052" cy="307777"/>
+          </a:xfrm>
+          <a:prstGeom prst="rect">
+            <a:avLst/>
+          </a:prstGeom>
+          <a:noFill/>
+          <a:ln>
+            <a:noFill/>
+          </a:ln>
+        </p:spPr>
+        <p:txBody>
+          <a:bodyPr wrap="none" rtlCol="0">
+            <a:spAutoFit/>
+          </a:bodyPr>
+          <a:lstStyle/>
+          <a:p>
+            <a:r>
+              <a:rPr lang="en-GB" sz="1400" dirty="0">
+                <a:solidFill>
+                  <a:schemeClr val="bg1"/>
+                </a:solidFill>
+                <a:latin typeface="Consolas" panose="020B0609020204030204" pitchFamily="49" charset="0"/>
+              </a:rPr>
+              <a:t>…</a:t>
+            </a:r>
+          </a:p>
+        </p:txBody>
+      </p:sp>
+      <p:sp>
+        <p:nvSpPr>
+          <p:cNvPr id="143" name="TextBox 142">
+            <a:extLst>
+              <a:ext uri="{FF2B5EF4-FFF2-40B4-BE49-F238E27FC236}">
+                <a16:creationId xmlns:a16="http://schemas.microsoft.com/office/drawing/2014/main" id="{81B40B3D-C5AA-433E-8C8A-9F34A6D73A36}"/>
+              </a:ext>
+            </a:extLst>
+          </p:cNvPr>
+          <p:cNvSpPr txBox="1"/>
+          <p:nvPr/>
+        </p:nvSpPr>
+        <p:spPr>
+          <a:xfrm>
+            <a:off x="10190109" y="2970944"/>
+            <a:ext cx="1277914" cy="307777"/>
+          </a:xfrm>
+          <a:prstGeom prst="rect">
+            <a:avLst/>
+          </a:prstGeom>
+          <a:noFill/>
+          <a:ln>
+            <a:noFill/>
+          </a:ln>
+        </p:spPr>
+        <p:txBody>
+          <a:bodyPr wrap="none" rtlCol="0">
+            <a:spAutoFit/>
+          </a:bodyPr>
+          <a:lstStyle/>
+          <a:p>
+            <a:r>
+              <a:rPr lang="en-GB" sz="1400" dirty="0">
+                <a:solidFill>
+                  <a:schemeClr val="bg1"/>
+                </a:solidFill>
+                <a:latin typeface="Consolas" panose="020B0609020204030204" pitchFamily="49" charset="0"/>
+              </a:rPr>
+              <a:t>Photo_n.JPG</a:t>
+            </a:r>
+          </a:p>
+        </p:txBody>
+      </p:sp>
+      <p:cxnSp>
+        <p:nvCxnSpPr>
+          <p:cNvPr id="144" name="Straight Connector 143">
+            <a:extLst>
+              <a:ext uri="{FF2B5EF4-FFF2-40B4-BE49-F238E27FC236}">
+                <a16:creationId xmlns:a16="http://schemas.microsoft.com/office/drawing/2014/main" id="{8177F166-CA6D-4909-A5A3-A2F8260E4A1D}"/>
+              </a:ext>
+            </a:extLst>
+          </p:cNvPr>
+          <p:cNvCxnSpPr>
+            <a:cxnSpLocks/>
+          </p:cNvCxnSpPr>
+          <p:nvPr/>
+        </p:nvCxnSpPr>
+        <p:spPr>
+          <a:xfrm>
+            <a:off x="9943270" y="2685380"/>
+            <a:ext cx="254133" cy="2"/>
+          </a:xfrm>
+          <a:prstGeom prst="line">
+            <a:avLst/>
+          </a:prstGeom>
+          <a:ln>
+            <a:solidFill>
+              <a:schemeClr val="bg1"/>
+            </a:solidFill>
+          </a:ln>
+        </p:spPr>
+        <p:style>
+          <a:lnRef idx="1">
+            <a:schemeClr val="dk1"/>
+          </a:lnRef>
+          <a:fillRef idx="0">
+            <a:schemeClr val="dk1"/>
+          </a:fillRef>
+          <a:effectRef idx="0">
+            <a:schemeClr val="dk1"/>
+          </a:effectRef>
+          <a:fontRef idx="minor">
+            <a:schemeClr val="tx1"/>
+          </a:fontRef>
+        </p:style>
+      </p:cxnSp>
+      <p:cxnSp>
+        <p:nvCxnSpPr>
+          <p:cNvPr id="145" name="Straight Connector 144">
+            <a:extLst>
+              <a:ext uri="{FF2B5EF4-FFF2-40B4-BE49-F238E27FC236}">
+                <a16:creationId xmlns:a16="http://schemas.microsoft.com/office/drawing/2014/main" id="{FB13859F-1220-4345-8323-D563683CF87E}"/>
+              </a:ext>
+            </a:extLst>
+          </p:cNvPr>
+          <p:cNvCxnSpPr>
+            <a:cxnSpLocks/>
+          </p:cNvCxnSpPr>
+          <p:nvPr/>
+        </p:nvCxnSpPr>
+        <p:spPr>
+          <a:xfrm>
+            <a:off x="10083055" y="2682818"/>
+            <a:ext cx="0" cy="442014"/>
+          </a:xfrm>
+          <a:prstGeom prst="line">
+            <a:avLst/>
+          </a:prstGeom>
+          <a:ln>
+            <a:solidFill>
+              <a:schemeClr val="bg1"/>
+            </a:solidFill>
+          </a:ln>
+        </p:spPr>
+        <p:style>
+          <a:lnRef idx="1">
+            <a:schemeClr val="dk1"/>
+          </a:lnRef>
+          <a:fillRef idx="0">
+            <a:schemeClr val="dk1"/>
+          </a:fillRef>
+          <a:effectRef idx="0">
+            <a:schemeClr val="dk1"/>
+          </a:effectRef>
+          <a:fontRef idx="minor">
+            <a:schemeClr val="tx1"/>
+          </a:fontRef>
+        </p:style>
+      </p:cxnSp>
+      <p:cxnSp>
+        <p:nvCxnSpPr>
+          <p:cNvPr id="146" name="Straight Connector 145">
+            <a:extLst>
+              <a:ext uri="{FF2B5EF4-FFF2-40B4-BE49-F238E27FC236}">
+                <a16:creationId xmlns:a16="http://schemas.microsoft.com/office/drawing/2014/main" id="{A6EF6CE8-6391-4ED9-B9D0-B72518AC5072}"/>
+              </a:ext>
+            </a:extLst>
+          </p:cNvPr>
+          <p:cNvCxnSpPr>
+            <a:cxnSpLocks/>
+          </p:cNvCxnSpPr>
+          <p:nvPr/>
+        </p:nvCxnSpPr>
+        <p:spPr>
+          <a:xfrm flipV="1">
+            <a:off x="10085438" y="2903279"/>
+            <a:ext cx="111965" cy="1"/>
+          </a:xfrm>
+          <a:prstGeom prst="line">
+            <a:avLst/>
+          </a:prstGeom>
+          <a:ln>
+            <a:solidFill>
+              <a:schemeClr val="bg1"/>
+            </a:solidFill>
+          </a:ln>
+        </p:spPr>
+        <p:style>
+          <a:lnRef idx="1">
+            <a:schemeClr val="dk1"/>
+          </a:lnRef>
+          <a:fillRef idx="0">
+            <a:schemeClr val="dk1"/>
+          </a:fillRef>
+          <a:effectRef idx="0">
+            <a:schemeClr val="dk1"/>
+          </a:effectRef>
+          <a:fontRef idx="minor">
+            <a:schemeClr val="tx1"/>
+          </a:fontRef>
+        </p:style>
+      </p:cxnSp>
+      <p:cxnSp>
+        <p:nvCxnSpPr>
+          <p:cNvPr id="147" name="Straight Connector 146">
+            <a:extLst>
+              <a:ext uri="{FF2B5EF4-FFF2-40B4-BE49-F238E27FC236}">
+                <a16:creationId xmlns:a16="http://schemas.microsoft.com/office/drawing/2014/main" id="{46701230-530D-4DB5-80BD-79B94A481214}"/>
+              </a:ext>
+            </a:extLst>
+          </p:cNvPr>
+          <p:cNvCxnSpPr>
+            <a:cxnSpLocks/>
+          </p:cNvCxnSpPr>
+          <p:nvPr/>
+        </p:nvCxnSpPr>
+        <p:spPr>
+          <a:xfrm flipV="1">
+            <a:off x="10081319" y="3126787"/>
+            <a:ext cx="111965" cy="1"/>
+          </a:xfrm>
+          <a:prstGeom prst="line">
+            <a:avLst/>
+          </a:prstGeom>
+          <a:ln>
+            <a:solidFill>
+              <a:schemeClr val="bg1"/>
+            </a:solidFill>
+          </a:ln>
+        </p:spPr>
+        <p:style>
+          <a:lnRef idx="1">
+            <a:schemeClr val="dk1"/>
+          </a:lnRef>
+          <a:fillRef idx="0">
+            <a:schemeClr val="dk1"/>
+          </a:fillRef>
+          <a:effectRef idx="0">
+            <a:schemeClr val="dk1"/>
+          </a:effectRef>
+          <a:fontRef idx="minor">
+            <a:schemeClr val="tx1"/>
+          </a:fontRef>
+        </p:style>
+      </p:cxnSp>
+      <p:sp>
+        <p:nvSpPr>
+          <p:cNvPr id="148" name="TextBox 147">
+            <a:extLst>
+              <a:ext uri="{FF2B5EF4-FFF2-40B4-BE49-F238E27FC236}">
+                <a16:creationId xmlns:a16="http://schemas.microsoft.com/office/drawing/2014/main" id="{7EA881AC-1820-4451-A73D-E17E13F32357}"/>
+              </a:ext>
+            </a:extLst>
+          </p:cNvPr>
+          <p:cNvSpPr txBox="1"/>
+          <p:nvPr/>
+        </p:nvSpPr>
+        <p:spPr>
+          <a:xfrm>
+            <a:off x="10192845" y="3340045"/>
+            <a:ext cx="1277914" cy="307777"/>
+          </a:xfrm>
+          <a:prstGeom prst="rect">
+            <a:avLst/>
+          </a:prstGeom>
+          <a:noFill/>
+          <a:ln>
+            <a:noFill/>
+          </a:ln>
+        </p:spPr>
+        <p:txBody>
+          <a:bodyPr wrap="none" rtlCol="0">
+            <a:spAutoFit/>
+          </a:bodyPr>
+          <a:lstStyle/>
+          <a:p>
+            <a:r>
+              <a:rPr lang="en-GB" sz="1400" dirty="0">
+                <a:solidFill>
+                  <a:schemeClr val="bg1"/>
+                </a:solidFill>
+                <a:latin typeface="Consolas" panose="020B0609020204030204" pitchFamily="49" charset="0"/>
+              </a:rPr>
+              <a:t>Photo_1.JPG</a:t>
+            </a:r>
+          </a:p>
+        </p:txBody>
+      </p:sp>
+      <p:sp>
+        <p:nvSpPr>
+          <p:cNvPr id="149" name="TextBox 148">
+            <a:extLst>
+              <a:ext uri="{FF2B5EF4-FFF2-40B4-BE49-F238E27FC236}">
+                <a16:creationId xmlns:a16="http://schemas.microsoft.com/office/drawing/2014/main" id="{FDCE3F9F-4106-498B-B0F6-E96E034758BC}"/>
+              </a:ext>
+            </a:extLst>
+          </p:cNvPr>
+          <p:cNvSpPr txBox="1"/>
+          <p:nvPr/>
+        </p:nvSpPr>
+        <p:spPr>
+          <a:xfrm rot="5400000">
+            <a:off x="10838846" y="3580350"/>
+            <a:ext cx="284052" cy="307777"/>
+          </a:xfrm>
+          <a:prstGeom prst="rect">
+            <a:avLst/>
+          </a:prstGeom>
+          <a:noFill/>
+          <a:ln>
+            <a:noFill/>
+          </a:ln>
+        </p:spPr>
+        <p:txBody>
+          <a:bodyPr wrap="none" rtlCol="0">
+            <a:spAutoFit/>
+          </a:bodyPr>
+          <a:lstStyle/>
+          <a:p>
+            <a:r>
+              <a:rPr lang="en-GB" sz="1400" dirty="0">
+                <a:solidFill>
+                  <a:schemeClr val="bg1"/>
+                </a:solidFill>
+                <a:latin typeface="Consolas" panose="020B0609020204030204" pitchFamily="49" charset="0"/>
+              </a:rPr>
+              <a:t>…</a:t>
+            </a:r>
+          </a:p>
+        </p:txBody>
+      </p:sp>
+      <p:sp>
+        <p:nvSpPr>
+          <p:cNvPr id="150" name="TextBox 149">
+            <a:extLst>
+              <a:ext uri="{FF2B5EF4-FFF2-40B4-BE49-F238E27FC236}">
+                <a16:creationId xmlns:a16="http://schemas.microsoft.com/office/drawing/2014/main" id="{1D1D04A3-70F5-4F11-B8C3-25296CB86E43}"/>
+              </a:ext>
+            </a:extLst>
+          </p:cNvPr>
+          <p:cNvSpPr txBox="1"/>
+          <p:nvPr/>
+        </p:nvSpPr>
+        <p:spPr>
+          <a:xfrm>
+            <a:off x="10188026" y="3783151"/>
+            <a:ext cx="1277914" cy="307777"/>
+          </a:xfrm>
+          <a:prstGeom prst="rect">
+            <a:avLst/>
+          </a:prstGeom>
+          <a:noFill/>
+          <a:ln>
+            <a:noFill/>
+          </a:ln>
+        </p:spPr>
+        <p:txBody>
+          <a:bodyPr wrap="none" rtlCol="0">
+            <a:spAutoFit/>
+          </a:bodyPr>
+          <a:lstStyle/>
+          <a:p>
+            <a:r>
+              <a:rPr lang="en-GB" sz="1400" dirty="0">
+                <a:solidFill>
+                  <a:schemeClr val="bg1"/>
+                </a:solidFill>
+                <a:latin typeface="Consolas" panose="020B0609020204030204" pitchFamily="49" charset="0"/>
+              </a:rPr>
+              <a:t>Photo_n.JPG</a:t>
+            </a:r>
+          </a:p>
+        </p:txBody>
+      </p:sp>
+      <p:cxnSp>
+        <p:nvCxnSpPr>
+          <p:cNvPr id="151" name="Straight Connector 150">
+            <a:extLst>
+              <a:ext uri="{FF2B5EF4-FFF2-40B4-BE49-F238E27FC236}">
+                <a16:creationId xmlns:a16="http://schemas.microsoft.com/office/drawing/2014/main" id="{F13B38EF-A3FC-4631-BAC4-2988C52DEA46}"/>
+              </a:ext>
+            </a:extLst>
+          </p:cNvPr>
+          <p:cNvCxnSpPr>
+            <a:cxnSpLocks/>
+          </p:cNvCxnSpPr>
+          <p:nvPr/>
+        </p:nvCxnSpPr>
+        <p:spPr>
+          <a:xfrm>
+            <a:off x="9941187" y="3497587"/>
+            <a:ext cx="254133" cy="2"/>
+          </a:xfrm>
+          <a:prstGeom prst="line">
+            <a:avLst/>
+          </a:prstGeom>
+          <a:ln>
+            <a:solidFill>
+              <a:schemeClr val="bg1"/>
+            </a:solidFill>
+          </a:ln>
+        </p:spPr>
+        <p:style>
+          <a:lnRef idx="1">
+            <a:schemeClr val="dk1"/>
+          </a:lnRef>
+          <a:fillRef idx="0">
+            <a:schemeClr val="dk1"/>
+          </a:fillRef>
+          <a:effectRef idx="0">
+            <a:schemeClr val="dk1"/>
+          </a:effectRef>
+          <a:fontRef idx="minor">
+            <a:schemeClr val="tx1"/>
+          </a:fontRef>
+        </p:style>
+      </p:cxnSp>
+      <p:cxnSp>
+        <p:nvCxnSpPr>
+          <p:cNvPr id="152" name="Straight Connector 151">
+            <a:extLst>
+              <a:ext uri="{FF2B5EF4-FFF2-40B4-BE49-F238E27FC236}">
+                <a16:creationId xmlns:a16="http://schemas.microsoft.com/office/drawing/2014/main" id="{72D90FE8-BDCC-43FE-9918-3EADF3ECE0AF}"/>
+              </a:ext>
+            </a:extLst>
+          </p:cNvPr>
+          <p:cNvCxnSpPr>
+            <a:cxnSpLocks/>
+          </p:cNvCxnSpPr>
+          <p:nvPr/>
+        </p:nvCxnSpPr>
+        <p:spPr>
+          <a:xfrm>
+            <a:off x="10080972" y="3495025"/>
+            <a:ext cx="0" cy="442014"/>
+          </a:xfrm>
+          <a:prstGeom prst="line">
+            <a:avLst/>
+          </a:prstGeom>
+          <a:ln>
+            <a:solidFill>
+              <a:schemeClr val="bg1"/>
+            </a:solidFill>
+          </a:ln>
+        </p:spPr>
+        <p:style>
+          <a:lnRef idx="1">
+            <a:schemeClr val="dk1"/>
+          </a:lnRef>
+          <a:fillRef idx="0">
+            <a:schemeClr val="dk1"/>
+          </a:fillRef>
+          <a:effectRef idx="0">
+            <a:schemeClr val="dk1"/>
+          </a:effectRef>
+          <a:fontRef idx="minor">
+            <a:schemeClr val="tx1"/>
+          </a:fontRef>
+        </p:style>
+      </p:cxnSp>
+      <p:cxnSp>
+        <p:nvCxnSpPr>
+          <p:cNvPr id="153" name="Straight Connector 152">
+            <a:extLst>
+              <a:ext uri="{FF2B5EF4-FFF2-40B4-BE49-F238E27FC236}">
+                <a16:creationId xmlns:a16="http://schemas.microsoft.com/office/drawing/2014/main" id="{11B6087F-1276-442B-99F7-394A1168561B}"/>
+              </a:ext>
+            </a:extLst>
+          </p:cNvPr>
+          <p:cNvCxnSpPr>
+            <a:cxnSpLocks/>
+          </p:cNvCxnSpPr>
+          <p:nvPr/>
+        </p:nvCxnSpPr>
+        <p:spPr>
+          <a:xfrm flipV="1">
+            <a:off x="10083355" y="3715486"/>
+            <a:ext cx="111965" cy="1"/>
+          </a:xfrm>
+          <a:prstGeom prst="line">
+            <a:avLst/>
+          </a:prstGeom>
+          <a:ln>
+            <a:solidFill>
+              <a:schemeClr val="bg1"/>
+            </a:solidFill>
+          </a:ln>
+        </p:spPr>
+        <p:style>
+          <a:lnRef idx="1">
+            <a:schemeClr val="dk1"/>
+          </a:lnRef>
+          <a:fillRef idx="0">
+            <a:schemeClr val="dk1"/>
+          </a:fillRef>
+          <a:effectRef idx="0">
+            <a:schemeClr val="dk1"/>
+          </a:effectRef>
+          <a:fontRef idx="minor">
+            <a:schemeClr val="tx1"/>
+          </a:fontRef>
+        </p:style>
+      </p:cxnSp>
+      <p:cxnSp>
+        <p:nvCxnSpPr>
+          <p:cNvPr id="154" name="Straight Connector 153">
+            <a:extLst>
+              <a:ext uri="{FF2B5EF4-FFF2-40B4-BE49-F238E27FC236}">
+                <a16:creationId xmlns:a16="http://schemas.microsoft.com/office/drawing/2014/main" id="{556A05F4-AD2A-42D6-BA29-9BA7282A6EC0}"/>
+              </a:ext>
+            </a:extLst>
+          </p:cNvPr>
+          <p:cNvCxnSpPr>
+            <a:cxnSpLocks/>
+          </p:cNvCxnSpPr>
+          <p:nvPr/>
+        </p:nvCxnSpPr>
+        <p:spPr>
+          <a:xfrm flipV="1">
+            <a:off x="10079236" y="3938994"/>
+            <a:ext cx="111965" cy="1"/>
+          </a:xfrm>
+          <a:prstGeom prst="line">
+            <a:avLst/>
+          </a:prstGeom>
+          <a:ln>
+            <a:solidFill>
+              <a:schemeClr val="bg1"/>
+            </a:solidFill>
+          </a:ln>
+        </p:spPr>
+        <p:style>
+          <a:lnRef idx="1">
+            <a:schemeClr val="dk1"/>
+          </a:lnRef>
+          <a:fillRef idx="0">
+            <a:schemeClr val="dk1"/>
+          </a:fillRef>
+          <a:effectRef idx="0">
+            <a:schemeClr val="dk1"/>
+          </a:effectRef>
+          <a:fontRef idx="minor">
+            <a:schemeClr val="tx1"/>
+          </a:fontRef>
+        </p:style>
+      </p:cxnSp>
+      <p:sp>
+        <p:nvSpPr>
+          <p:cNvPr id="155" name="TextBox 154">
+            <a:extLst>
+              <a:ext uri="{FF2B5EF4-FFF2-40B4-BE49-F238E27FC236}">
+                <a16:creationId xmlns:a16="http://schemas.microsoft.com/office/drawing/2014/main" id="{66449DFF-A724-46F3-9341-E10F3913B90A}"/>
+              </a:ext>
+            </a:extLst>
+          </p:cNvPr>
+          <p:cNvSpPr txBox="1"/>
+          <p:nvPr/>
+        </p:nvSpPr>
+        <p:spPr>
+          <a:xfrm>
+            <a:off x="5670543" y="4800675"/>
+            <a:ext cx="780983" cy="307777"/>
+          </a:xfrm>
+          <a:prstGeom prst="rect">
+            <a:avLst/>
+          </a:prstGeom>
+          <a:noFill/>
+          <a:ln>
+            <a:noFill/>
+          </a:ln>
+        </p:spPr>
+        <p:txBody>
+          <a:bodyPr wrap="none" rtlCol="0">
+            <a:spAutoFit/>
+          </a:bodyPr>
+          <a:lstStyle/>
+          <a:p>
+            <a:r>
+              <a:rPr lang="en-GB" sz="1400" dirty="0">
+                <a:solidFill>
+                  <a:schemeClr val="bg1"/>
+                </a:solidFill>
+                <a:latin typeface="Consolas" panose="020B0609020204030204" pitchFamily="49" charset="0"/>
+              </a:rPr>
+              <a:t>Well_1</a:t>
+            </a:r>
+          </a:p>
+        </p:txBody>
+      </p:sp>
+      <p:sp>
+        <p:nvSpPr>
+          <p:cNvPr id="156" name="TextBox 155">
+            <a:extLst>
+              <a:ext uri="{FF2B5EF4-FFF2-40B4-BE49-F238E27FC236}">
+                <a16:creationId xmlns:a16="http://schemas.microsoft.com/office/drawing/2014/main" id="{8836CE1D-E281-422D-A0E2-45F2C8F17357}"/>
+              </a:ext>
+            </a:extLst>
+          </p:cNvPr>
+          <p:cNvSpPr txBox="1"/>
+          <p:nvPr/>
+        </p:nvSpPr>
+        <p:spPr>
+          <a:xfrm>
+            <a:off x="8272708" y="4803053"/>
+            <a:ext cx="582211" cy="307777"/>
+          </a:xfrm>
+          <a:prstGeom prst="rect">
+            <a:avLst/>
+          </a:prstGeom>
+          <a:noFill/>
+          <a:ln>
+            <a:noFill/>
+          </a:ln>
+        </p:spPr>
+        <p:txBody>
+          <a:bodyPr wrap="none" rtlCol="0">
+            <a:spAutoFit/>
+          </a:bodyPr>
+          <a:lstStyle/>
+          <a:p>
+            <a:r>
+              <a:rPr lang="en-GB" sz="1400" dirty="0">
+                <a:solidFill>
+                  <a:schemeClr val="bg1"/>
+                </a:solidFill>
+                <a:latin typeface="Consolas" panose="020B0609020204030204" pitchFamily="49" charset="0"/>
+              </a:rPr>
+              <a:t>DCIM</a:t>
+            </a:r>
+          </a:p>
+        </p:txBody>
+      </p:sp>
+      <p:sp>
+        <p:nvSpPr>
+          <p:cNvPr id="157" name="TextBox 156">
+            <a:extLst>
+              <a:ext uri="{FF2B5EF4-FFF2-40B4-BE49-F238E27FC236}">
+                <a16:creationId xmlns:a16="http://schemas.microsoft.com/office/drawing/2014/main" id="{B61A86AE-C9B1-4361-81D4-CD0852AC7500}"/>
+              </a:ext>
+            </a:extLst>
+          </p:cNvPr>
+          <p:cNvSpPr txBox="1"/>
+          <p:nvPr/>
+        </p:nvSpPr>
+        <p:spPr>
+          <a:xfrm>
+            <a:off x="9231830" y="4806873"/>
+            <a:ext cx="681597" cy="307777"/>
+          </a:xfrm>
+          <a:prstGeom prst="rect">
+            <a:avLst/>
+          </a:prstGeom>
+          <a:noFill/>
+          <a:ln>
+            <a:noFill/>
+          </a:ln>
+        </p:spPr>
+        <p:txBody>
+          <a:bodyPr wrap="none" rtlCol="0">
+            <a:spAutoFit/>
+          </a:bodyPr>
+          <a:lstStyle/>
+          <a:p>
+            <a:r>
+              <a:rPr lang="en-GB" sz="1400" dirty="0">
+                <a:solidFill>
+                  <a:schemeClr val="bg1"/>
+                </a:solidFill>
+                <a:latin typeface="Consolas" panose="020B0609020204030204" pitchFamily="49" charset="0"/>
+              </a:rPr>
+              <a:t>100EK</a:t>
+            </a:r>
+          </a:p>
+        </p:txBody>
+      </p:sp>
+      <p:sp>
+        <p:nvSpPr>
+          <p:cNvPr id="158" name="TextBox 157">
+            <a:extLst>
+              <a:ext uri="{FF2B5EF4-FFF2-40B4-BE49-F238E27FC236}">
+                <a16:creationId xmlns:a16="http://schemas.microsoft.com/office/drawing/2014/main" id="{758D49B9-B857-4626-B487-B06C58FCABC3}"/>
+              </a:ext>
+            </a:extLst>
+          </p:cNvPr>
+          <p:cNvSpPr txBox="1"/>
+          <p:nvPr/>
+        </p:nvSpPr>
+        <p:spPr>
+          <a:xfrm rot="5400000">
+            <a:off x="9490844" y="5209510"/>
+            <a:ext cx="284052" cy="307777"/>
+          </a:xfrm>
+          <a:prstGeom prst="rect">
+            <a:avLst/>
+          </a:prstGeom>
+          <a:noFill/>
+          <a:ln>
+            <a:noFill/>
+          </a:ln>
+        </p:spPr>
+        <p:txBody>
+          <a:bodyPr wrap="none" rtlCol="0">
+            <a:spAutoFit/>
+          </a:bodyPr>
+          <a:lstStyle/>
+          <a:p>
+            <a:r>
+              <a:rPr lang="en-GB" sz="1400" dirty="0">
+                <a:solidFill>
+                  <a:schemeClr val="bg1"/>
+                </a:solidFill>
+                <a:latin typeface="Consolas" panose="020B0609020204030204" pitchFamily="49" charset="0"/>
+              </a:rPr>
+              <a:t>…</a:t>
+            </a:r>
+          </a:p>
+        </p:txBody>
+      </p:sp>
+      <p:sp>
+        <p:nvSpPr>
+          <p:cNvPr id="159" name="TextBox 158">
+            <a:extLst>
+              <a:ext uri="{FF2B5EF4-FFF2-40B4-BE49-F238E27FC236}">
+                <a16:creationId xmlns:a16="http://schemas.microsoft.com/office/drawing/2014/main" id="{58C98CC7-C7E5-4292-A8BA-B8CA5582C7F8}"/>
+              </a:ext>
+            </a:extLst>
+          </p:cNvPr>
+          <p:cNvSpPr txBox="1"/>
+          <p:nvPr/>
+        </p:nvSpPr>
+        <p:spPr>
+          <a:xfrm>
+            <a:off x="9134210" y="5612147"/>
+            <a:ext cx="880369" cy="307777"/>
+          </a:xfrm>
+          <a:prstGeom prst="rect">
+            <a:avLst/>
+          </a:prstGeom>
+          <a:noFill/>
+          <a:ln>
+            <a:noFill/>
+          </a:ln>
+        </p:spPr>
+        <p:txBody>
+          <a:bodyPr wrap="none" rtlCol="0">
+            <a:spAutoFit/>
+          </a:bodyPr>
+          <a:lstStyle/>
+          <a:p>
+            <a:r>
+              <a:rPr lang="en-GB" sz="1400" i="1" dirty="0">
+                <a:solidFill>
+                  <a:schemeClr val="bg1"/>
+                </a:solidFill>
+                <a:latin typeface="Consolas" panose="020B0609020204030204" pitchFamily="49" charset="0"/>
+              </a:rPr>
+              <a:t>100+n</a:t>
+            </a:r>
+            <a:r>
+              <a:rPr lang="en-GB" sz="1400" dirty="0">
+                <a:solidFill>
+                  <a:schemeClr val="bg1"/>
+                </a:solidFill>
+                <a:latin typeface="Consolas" panose="020B0609020204030204" pitchFamily="49" charset="0"/>
+              </a:rPr>
+              <a:t>EK</a:t>
+            </a:r>
+          </a:p>
+        </p:txBody>
+      </p:sp>
+      <p:cxnSp>
+        <p:nvCxnSpPr>
+          <p:cNvPr id="160" name="Straight Connector 159">
+            <a:extLst>
+              <a:ext uri="{FF2B5EF4-FFF2-40B4-BE49-F238E27FC236}">
+                <a16:creationId xmlns:a16="http://schemas.microsoft.com/office/drawing/2014/main" id="{D3BB232A-2038-4F41-AB4A-BD8209C88EF8}"/>
+              </a:ext>
+            </a:extLst>
+          </p:cNvPr>
+          <p:cNvCxnSpPr>
+            <a:cxnSpLocks/>
+          </p:cNvCxnSpPr>
+          <p:nvPr/>
+        </p:nvCxnSpPr>
+        <p:spPr>
+          <a:xfrm>
+            <a:off x="8912093" y="4958217"/>
+            <a:ext cx="254133" cy="2"/>
+          </a:xfrm>
+          <a:prstGeom prst="line">
+            <a:avLst/>
+          </a:prstGeom>
+          <a:ln>
+            <a:solidFill>
+              <a:schemeClr val="bg1"/>
+            </a:solidFill>
+          </a:ln>
+        </p:spPr>
+        <p:style>
+          <a:lnRef idx="1">
+            <a:schemeClr val="dk1"/>
+          </a:lnRef>
+          <a:fillRef idx="0">
+            <a:schemeClr val="dk1"/>
+          </a:fillRef>
+          <a:effectRef idx="0">
+            <a:schemeClr val="dk1"/>
+          </a:effectRef>
+          <a:fontRef idx="minor">
+            <a:schemeClr val="tx1"/>
+          </a:fontRef>
+        </p:style>
+      </p:cxnSp>
+      <p:cxnSp>
+        <p:nvCxnSpPr>
+          <p:cNvPr id="161" name="Straight Connector 160">
+            <a:extLst>
+              <a:ext uri="{FF2B5EF4-FFF2-40B4-BE49-F238E27FC236}">
+                <a16:creationId xmlns:a16="http://schemas.microsoft.com/office/drawing/2014/main" id="{DFEAF4EA-37C8-4E2F-91FB-22AAEA66FD7C}"/>
+              </a:ext>
+            </a:extLst>
+          </p:cNvPr>
+          <p:cNvCxnSpPr>
+            <a:cxnSpLocks/>
+          </p:cNvCxnSpPr>
+          <p:nvPr/>
+        </p:nvCxnSpPr>
+        <p:spPr>
+          <a:xfrm>
+            <a:off x="9051878" y="4955655"/>
+            <a:ext cx="0" cy="812206"/>
+          </a:xfrm>
+          <a:prstGeom prst="line">
+            <a:avLst/>
+          </a:prstGeom>
+          <a:ln>
+            <a:solidFill>
+              <a:schemeClr val="bg1"/>
+            </a:solidFill>
+          </a:ln>
+        </p:spPr>
+        <p:style>
+          <a:lnRef idx="1">
+            <a:schemeClr val="dk1"/>
+          </a:lnRef>
+          <a:fillRef idx="0">
+            <a:schemeClr val="dk1"/>
+          </a:fillRef>
+          <a:effectRef idx="0">
+            <a:schemeClr val="dk1"/>
+          </a:effectRef>
+          <a:fontRef idx="minor">
+            <a:schemeClr val="tx1"/>
+          </a:fontRef>
+        </p:style>
+      </p:cxnSp>
+      <p:cxnSp>
+        <p:nvCxnSpPr>
+          <p:cNvPr id="162" name="Straight Connector 161">
+            <a:extLst>
+              <a:ext uri="{FF2B5EF4-FFF2-40B4-BE49-F238E27FC236}">
+                <a16:creationId xmlns:a16="http://schemas.microsoft.com/office/drawing/2014/main" id="{14949973-BA86-45FB-BC52-0D2078B29446}"/>
+              </a:ext>
+            </a:extLst>
+          </p:cNvPr>
+          <p:cNvCxnSpPr>
+            <a:cxnSpLocks/>
+          </p:cNvCxnSpPr>
+          <p:nvPr/>
+        </p:nvCxnSpPr>
+        <p:spPr>
+          <a:xfrm flipV="1">
+            <a:off x="9054261" y="5360299"/>
+            <a:ext cx="111965" cy="1"/>
+          </a:xfrm>
+          <a:prstGeom prst="line">
+            <a:avLst/>
+          </a:prstGeom>
+          <a:ln>
+            <a:solidFill>
+              <a:schemeClr val="bg1"/>
+            </a:solidFill>
+          </a:ln>
+        </p:spPr>
+        <p:style>
+          <a:lnRef idx="1">
+            <a:schemeClr val="dk1"/>
+          </a:lnRef>
+          <a:fillRef idx="0">
+            <a:schemeClr val="dk1"/>
+          </a:fillRef>
+          <a:effectRef idx="0">
+            <a:schemeClr val="dk1"/>
+          </a:effectRef>
+          <a:fontRef idx="minor">
+            <a:schemeClr val="tx1"/>
+          </a:fontRef>
+        </p:style>
+      </p:cxnSp>
+      <p:cxnSp>
+        <p:nvCxnSpPr>
+          <p:cNvPr id="163" name="Straight Connector 162">
+            <a:extLst>
+              <a:ext uri="{FF2B5EF4-FFF2-40B4-BE49-F238E27FC236}">
+                <a16:creationId xmlns:a16="http://schemas.microsoft.com/office/drawing/2014/main" id="{60B887AB-A43E-428F-9759-AB37C1621486}"/>
+              </a:ext>
+            </a:extLst>
+          </p:cNvPr>
+          <p:cNvCxnSpPr>
+            <a:cxnSpLocks/>
+          </p:cNvCxnSpPr>
+          <p:nvPr/>
+        </p:nvCxnSpPr>
+        <p:spPr>
+          <a:xfrm flipV="1">
+            <a:off x="9047761" y="5765543"/>
+            <a:ext cx="111965" cy="1"/>
+          </a:xfrm>
+          <a:prstGeom prst="line">
+            <a:avLst/>
+          </a:prstGeom>
+          <a:ln>
+            <a:solidFill>
+              <a:schemeClr val="bg1"/>
+            </a:solidFill>
+          </a:ln>
+        </p:spPr>
+        <p:style>
+          <a:lnRef idx="1">
+            <a:schemeClr val="dk1"/>
+          </a:lnRef>
+          <a:fillRef idx="0">
+            <a:schemeClr val="dk1"/>
+          </a:fillRef>
+          <a:effectRef idx="0">
+            <a:schemeClr val="dk1"/>
+          </a:effectRef>
+          <a:fontRef idx="minor">
+            <a:schemeClr val="tx1"/>
+          </a:fontRef>
+        </p:style>
+      </p:cxnSp>
+      <p:cxnSp>
+        <p:nvCxnSpPr>
+          <p:cNvPr id="164" name="Straight Connector 163">
+            <a:extLst>
+              <a:ext uri="{FF2B5EF4-FFF2-40B4-BE49-F238E27FC236}">
+                <a16:creationId xmlns:a16="http://schemas.microsoft.com/office/drawing/2014/main" id="{FD089BC0-D02B-4824-A202-88440A794D67}"/>
+              </a:ext>
+            </a:extLst>
+          </p:cNvPr>
+          <p:cNvCxnSpPr/>
+          <p:nvPr/>
+        </p:nvCxnSpPr>
+        <p:spPr>
+          <a:xfrm>
+            <a:off x="8072306" y="4955654"/>
+            <a:ext cx="214312" cy="0"/>
+          </a:xfrm>
+          <a:prstGeom prst="line">
+            <a:avLst/>
+          </a:prstGeom>
+          <a:ln>
+            <a:solidFill>
+              <a:schemeClr val="bg1"/>
+            </a:solidFill>
+          </a:ln>
+        </p:spPr>
+        <p:style>
+          <a:lnRef idx="1">
+            <a:schemeClr val="dk1"/>
+          </a:lnRef>
+          <a:fillRef idx="0">
+            <a:schemeClr val="dk1"/>
+          </a:fillRef>
+          <a:effectRef idx="0">
+            <a:schemeClr val="dk1"/>
+          </a:effectRef>
+          <a:fontRef idx="minor">
+            <a:schemeClr val="tx1"/>
+          </a:fontRef>
+        </p:style>
+      </p:cxnSp>
+      <p:sp>
+        <p:nvSpPr>
+          <p:cNvPr id="165" name="TextBox 164">
+            <a:extLst>
+              <a:ext uri="{FF2B5EF4-FFF2-40B4-BE49-F238E27FC236}">
+                <a16:creationId xmlns:a16="http://schemas.microsoft.com/office/drawing/2014/main" id="{15DBB35D-E78B-43C9-B5FE-52784F5AE040}"/>
+              </a:ext>
+            </a:extLst>
+          </p:cNvPr>
+          <p:cNvSpPr txBox="1"/>
+          <p:nvPr/>
+        </p:nvSpPr>
+        <p:spPr>
+          <a:xfrm rot="5400000">
+            <a:off x="7347227" y="5636794"/>
+            <a:ext cx="381836" cy="523220"/>
+          </a:xfrm>
+          <a:prstGeom prst="rect">
+            <a:avLst/>
+          </a:prstGeom>
+          <a:noFill/>
+          <a:ln>
+            <a:noFill/>
+          </a:ln>
+        </p:spPr>
+        <p:txBody>
+          <a:bodyPr wrap="none" rtlCol="0">
+            <a:spAutoFit/>
+          </a:bodyPr>
+          <a:lstStyle/>
+          <a:p>
+            <a:r>
+              <a:rPr lang="en-GB" sz="2800" dirty="0">
+                <a:solidFill>
+                  <a:schemeClr val="bg1"/>
+                </a:solidFill>
+                <a:latin typeface="Consolas" panose="020B0609020204030204" pitchFamily="49" charset="0"/>
+              </a:rPr>
+              <a:t>…</a:t>
+            </a:r>
+          </a:p>
+        </p:txBody>
+      </p:sp>
+      <p:cxnSp>
+        <p:nvCxnSpPr>
+          <p:cNvPr id="166" name="Straight Connector 165">
+            <a:extLst>
+              <a:ext uri="{FF2B5EF4-FFF2-40B4-BE49-F238E27FC236}">
+                <a16:creationId xmlns:a16="http://schemas.microsoft.com/office/drawing/2014/main" id="{8628E55F-5E90-4DD2-A5B2-829F4E1A084A}"/>
+              </a:ext>
+            </a:extLst>
+          </p:cNvPr>
+          <p:cNvCxnSpPr/>
+          <p:nvPr/>
+        </p:nvCxnSpPr>
+        <p:spPr>
+          <a:xfrm>
+            <a:off x="6428142" y="4960762"/>
+            <a:ext cx="214312" cy="0"/>
+          </a:xfrm>
+          <a:prstGeom prst="line">
+            <a:avLst/>
+          </a:prstGeom>
+          <a:ln>
+            <a:solidFill>
+              <a:schemeClr val="bg1"/>
+            </a:solidFill>
+          </a:ln>
+        </p:spPr>
+        <p:style>
+          <a:lnRef idx="1">
+            <a:schemeClr val="dk1"/>
+          </a:lnRef>
+          <a:fillRef idx="0">
+            <a:schemeClr val="dk1"/>
+          </a:fillRef>
+          <a:effectRef idx="0">
+            <a:schemeClr val="dk1"/>
+          </a:effectRef>
+          <a:fontRef idx="minor">
+            <a:schemeClr val="tx1"/>
+          </a:fontRef>
+        </p:style>
+      </p:cxnSp>
+      <p:sp>
+        <p:nvSpPr>
+          <p:cNvPr id="167" name="TextBox 166">
+            <a:extLst>
+              <a:ext uri="{FF2B5EF4-FFF2-40B4-BE49-F238E27FC236}">
+                <a16:creationId xmlns:a16="http://schemas.microsoft.com/office/drawing/2014/main" id="{746C8633-D17B-415E-8A54-78EA9BE52DE8}"/>
+              </a:ext>
+            </a:extLst>
+          </p:cNvPr>
+          <p:cNvSpPr txBox="1"/>
+          <p:nvPr/>
+        </p:nvSpPr>
+        <p:spPr>
+          <a:xfrm>
+            <a:off x="6623774" y="4800675"/>
+            <a:ext cx="1476686" cy="307777"/>
+          </a:xfrm>
+          <a:prstGeom prst="rect">
+            <a:avLst/>
+          </a:prstGeom>
+          <a:noFill/>
+          <a:ln>
+            <a:noFill/>
+          </a:ln>
+        </p:spPr>
+        <p:txBody>
+          <a:bodyPr wrap="none" rtlCol="0">
+            <a:spAutoFit/>
+          </a:bodyPr>
+          <a:lstStyle/>
+          <a:p>
+            <a:r>
+              <a:rPr lang="en-GB" sz="1400" dirty="0">
+                <a:solidFill>
+                  <a:schemeClr val="bg1"/>
+                </a:solidFill>
+                <a:latin typeface="Consolas" panose="020B0609020204030204" pitchFamily="49" charset="0"/>
+              </a:rPr>
+              <a:t>Imagefolder_1</a:t>
+            </a:r>
+          </a:p>
+        </p:txBody>
+      </p:sp>
+      <p:cxnSp>
+        <p:nvCxnSpPr>
+          <p:cNvPr id="168" name="Straight Connector 167">
+            <a:extLst>
+              <a:ext uri="{FF2B5EF4-FFF2-40B4-BE49-F238E27FC236}">
+                <a16:creationId xmlns:a16="http://schemas.microsoft.com/office/drawing/2014/main" id="{7AD33B1B-196A-4739-9FBB-1899E45AE1EA}"/>
+              </a:ext>
+            </a:extLst>
+          </p:cNvPr>
+          <p:cNvCxnSpPr>
+            <a:cxnSpLocks/>
+          </p:cNvCxnSpPr>
+          <p:nvPr/>
+        </p:nvCxnSpPr>
+        <p:spPr>
+          <a:xfrm flipH="1">
+            <a:off x="6533885" y="4957498"/>
+            <a:ext cx="1413" cy="1850337"/>
+          </a:xfrm>
+          <a:prstGeom prst="line">
+            <a:avLst/>
+          </a:prstGeom>
+          <a:ln>
+            <a:solidFill>
+              <a:schemeClr val="bg1"/>
+            </a:solidFill>
+          </a:ln>
+        </p:spPr>
+        <p:style>
+          <a:lnRef idx="1">
+            <a:schemeClr val="dk1"/>
+          </a:lnRef>
+          <a:fillRef idx="0">
+            <a:schemeClr val="dk1"/>
+          </a:fillRef>
+          <a:effectRef idx="0">
+            <a:schemeClr val="dk1"/>
+          </a:effectRef>
+          <a:fontRef idx="minor">
+            <a:schemeClr val="tx1"/>
+          </a:fontRef>
+        </p:style>
+      </p:cxnSp>
+      <p:sp>
+        <p:nvSpPr>
+          <p:cNvPr id="169" name="TextBox 168">
+            <a:extLst>
+              <a:ext uri="{FF2B5EF4-FFF2-40B4-BE49-F238E27FC236}">
+                <a16:creationId xmlns:a16="http://schemas.microsoft.com/office/drawing/2014/main" id="{CD163918-0C2F-4790-B8A0-E25B16BFA583}"/>
+              </a:ext>
+            </a:extLst>
+          </p:cNvPr>
+          <p:cNvSpPr txBox="1"/>
+          <p:nvPr/>
+        </p:nvSpPr>
+        <p:spPr>
+          <a:xfrm>
+            <a:off x="8290838" y="6641037"/>
+            <a:ext cx="582211" cy="307777"/>
+          </a:xfrm>
+          <a:prstGeom prst="rect">
+            <a:avLst/>
+          </a:prstGeom>
+          <a:noFill/>
+          <a:ln>
+            <a:noFill/>
+          </a:ln>
+        </p:spPr>
+        <p:txBody>
+          <a:bodyPr wrap="none" rtlCol="0">
+            <a:spAutoFit/>
+          </a:bodyPr>
+          <a:lstStyle/>
+          <a:p>
+            <a:r>
+              <a:rPr lang="en-GB" sz="1400" dirty="0">
+                <a:solidFill>
+                  <a:schemeClr val="bg1"/>
+                </a:solidFill>
+                <a:latin typeface="Consolas" panose="020B0609020204030204" pitchFamily="49" charset="0"/>
+              </a:rPr>
+              <a:t>DCIM</a:t>
+            </a:r>
+          </a:p>
+        </p:txBody>
+      </p:sp>
+      <p:cxnSp>
+        <p:nvCxnSpPr>
+          <p:cNvPr id="170" name="Straight Connector 169">
+            <a:extLst>
+              <a:ext uri="{FF2B5EF4-FFF2-40B4-BE49-F238E27FC236}">
+                <a16:creationId xmlns:a16="http://schemas.microsoft.com/office/drawing/2014/main" id="{3D9D3DDB-4333-41C0-8165-FE629D42B463}"/>
+              </a:ext>
+            </a:extLst>
+          </p:cNvPr>
+          <p:cNvCxnSpPr/>
+          <p:nvPr/>
+        </p:nvCxnSpPr>
+        <p:spPr>
+          <a:xfrm>
+            <a:off x="8090436" y="6793638"/>
+            <a:ext cx="214312" cy="0"/>
+          </a:xfrm>
+          <a:prstGeom prst="line">
+            <a:avLst/>
+          </a:prstGeom>
+          <a:ln>
+            <a:solidFill>
+              <a:schemeClr val="bg1"/>
+            </a:solidFill>
+          </a:ln>
+        </p:spPr>
+        <p:style>
+          <a:lnRef idx="1">
+            <a:schemeClr val="dk1"/>
+          </a:lnRef>
+          <a:fillRef idx="0">
+            <a:schemeClr val="dk1"/>
+          </a:fillRef>
+          <a:effectRef idx="0">
+            <a:schemeClr val="dk1"/>
+          </a:effectRef>
+          <a:fontRef idx="minor">
+            <a:schemeClr val="tx1"/>
+          </a:fontRef>
+        </p:style>
+      </p:cxnSp>
+      <p:sp>
+        <p:nvSpPr>
+          <p:cNvPr id="171" name="TextBox 170">
+            <a:extLst>
+              <a:ext uri="{FF2B5EF4-FFF2-40B4-BE49-F238E27FC236}">
+                <a16:creationId xmlns:a16="http://schemas.microsoft.com/office/drawing/2014/main" id="{4E10EFB9-D0C7-44C5-AF85-C3FECA2A01B7}"/>
+              </a:ext>
+            </a:extLst>
+          </p:cNvPr>
+          <p:cNvSpPr txBox="1"/>
+          <p:nvPr/>
+        </p:nvSpPr>
+        <p:spPr>
+          <a:xfrm>
+            <a:off x="6641904" y="6638659"/>
+            <a:ext cx="1476686" cy="307777"/>
+          </a:xfrm>
+          <a:prstGeom prst="rect">
+            <a:avLst/>
+          </a:prstGeom>
+          <a:noFill/>
+          <a:ln>
+            <a:noFill/>
+          </a:ln>
+        </p:spPr>
+        <p:txBody>
+          <a:bodyPr wrap="none" rtlCol="0">
+            <a:spAutoFit/>
+          </a:bodyPr>
+          <a:lstStyle/>
+          <a:p>
+            <a:r>
+              <a:rPr lang="en-GB" sz="1400" dirty="0" err="1">
+                <a:solidFill>
+                  <a:schemeClr val="bg1"/>
+                </a:solidFill>
+                <a:latin typeface="Consolas" panose="020B0609020204030204" pitchFamily="49" charset="0"/>
+              </a:rPr>
+              <a:t>Imagefolder_n</a:t>
+            </a:r>
+            <a:endParaRPr lang="en-GB" sz="1400" dirty="0">
+              <a:solidFill>
+                <a:schemeClr val="bg1"/>
+              </a:solidFill>
+              <a:latin typeface="Consolas" panose="020B0609020204030204" pitchFamily="49" charset="0"/>
+            </a:endParaRPr>
+          </a:p>
+        </p:txBody>
+      </p:sp>
+      <p:cxnSp>
+        <p:nvCxnSpPr>
+          <p:cNvPr id="172" name="Straight Connector 171">
+            <a:extLst>
+              <a:ext uri="{FF2B5EF4-FFF2-40B4-BE49-F238E27FC236}">
+                <a16:creationId xmlns:a16="http://schemas.microsoft.com/office/drawing/2014/main" id="{AB723172-1B32-44F9-A49C-60C7EFD553BC}"/>
+              </a:ext>
+            </a:extLst>
+          </p:cNvPr>
+          <p:cNvCxnSpPr>
+            <a:cxnSpLocks/>
+          </p:cNvCxnSpPr>
+          <p:nvPr/>
+        </p:nvCxnSpPr>
+        <p:spPr>
+          <a:xfrm flipV="1">
+            <a:off x="6533561" y="6804660"/>
+            <a:ext cx="111965" cy="1"/>
+          </a:xfrm>
+          <a:prstGeom prst="line">
+            <a:avLst/>
+          </a:prstGeom>
+          <a:ln>
+            <a:solidFill>
+              <a:schemeClr val="bg1"/>
+            </a:solidFill>
+          </a:ln>
+        </p:spPr>
+        <p:style>
+          <a:lnRef idx="1">
+            <a:schemeClr val="dk1"/>
+          </a:lnRef>
+          <a:fillRef idx="0">
+            <a:schemeClr val="dk1"/>
+          </a:fillRef>
+          <a:effectRef idx="0">
+            <a:schemeClr val="dk1"/>
+          </a:effectRef>
+          <a:fontRef idx="minor">
+            <a:schemeClr val="tx1"/>
+          </a:fontRef>
+        </p:style>
+      </p:cxnSp>
+      <p:sp>
+        <p:nvSpPr>
+          <p:cNvPr id="173" name="TextBox 172">
+            <a:extLst>
+              <a:ext uri="{FF2B5EF4-FFF2-40B4-BE49-F238E27FC236}">
+                <a16:creationId xmlns:a16="http://schemas.microsoft.com/office/drawing/2014/main" id="{22B09882-D39D-4965-B821-246DEADC0DFE}"/>
+              </a:ext>
+            </a:extLst>
+          </p:cNvPr>
+          <p:cNvSpPr txBox="1"/>
+          <p:nvPr/>
+        </p:nvSpPr>
+        <p:spPr>
+          <a:xfrm>
+            <a:off x="10196096" y="4800674"/>
+            <a:ext cx="1277914" cy="307777"/>
+          </a:xfrm>
+          <a:prstGeom prst="rect">
+            <a:avLst/>
+          </a:prstGeom>
+          <a:noFill/>
+          <a:ln>
+            <a:noFill/>
+          </a:ln>
+        </p:spPr>
+        <p:txBody>
+          <a:bodyPr wrap="none" rtlCol="0">
+            <a:spAutoFit/>
+          </a:bodyPr>
+          <a:lstStyle/>
+          <a:p>
+            <a:r>
+              <a:rPr lang="en-GB" sz="1400" dirty="0">
+                <a:solidFill>
+                  <a:schemeClr val="bg1"/>
+                </a:solidFill>
+                <a:latin typeface="Consolas" panose="020B0609020204030204" pitchFamily="49" charset="0"/>
+              </a:rPr>
+              <a:t>Photo_1.JPG</a:t>
+            </a:r>
+          </a:p>
+        </p:txBody>
+      </p:sp>
+      <p:sp>
+        <p:nvSpPr>
+          <p:cNvPr id="174" name="TextBox 173">
+            <a:extLst>
+              <a:ext uri="{FF2B5EF4-FFF2-40B4-BE49-F238E27FC236}">
+                <a16:creationId xmlns:a16="http://schemas.microsoft.com/office/drawing/2014/main" id="{40A09ECA-32A4-4EBA-8C8B-C7D8B91F54B0}"/>
+              </a:ext>
+            </a:extLst>
+          </p:cNvPr>
+          <p:cNvSpPr txBox="1"/>
+          <p:nvPr/>
+        </p:nvSpPr>
+        <p:spPr>
+          <a:xfrm rot="5400000">
+            <a:off x="10842097" y="5040979"/>
+            <a:ext cx="284052" cy="307777"/>
+          </a:xfrm>
+          <a:prstGeom prst="rect">
+            <a:avLst/>
+          </a:prstGeom>
+          <a:noFill/>
+          <a:ln>
+            <a:noFill/>
+          </a:ln>
+        </p:spPr>
+        <p:txBody>
+          <a:bodyPr wrap="none" rtlCol="0">
+            <a:spAutoFit/>
+          </a:bodyPr>
+          <a:lstStyle/>
+          <a:p>
+            <a:r>
+              <a:rPr lang="en-GB" sz="1400" dirty="0">
+                <a:solidFill>
+                  <a:schemeClr val="bg1"/>
+                </a:solidFill>
+                <a:latin typeface="Consolas" panose="020B0609020204030204" pitchFamily="49" charset="0"/>
+              </a:rPr>
+              <a:t>…</a:t>
+            </a:r>
+          </a:p>
+        </p:txBody>
+      </p:sp>
+      <p:sp>
+        <p:nvSpPr>
+          <p:cNvPr id="175" name="TextBox 174">
+            <a:extLst>
+              <a:ext uri="{FF2B5EF4-FFF2-40B4-BE49-F238E27FC236}">
+                <a16:creationId xmlns:a16="http://schemas.microsoft.com/office/drawing/2014/main" id="{4B3F5076-4FDF-4EA2-9340-DBCF24A356C0}"/>
+              </a:ext>
+            </a:extLst>
+          </p:cNvPr>
+          <p:cNvSpPr txBox="1"/>
+          <p:nvPr/>
+        </p:nvSpPr>
+        <p:spPr>
+          <a:xfrm>
+            <a:off x="10191277" y="5243780"/>
+            <a:ext cx="1277914" cy="307777"/>
+          </a:xfrm>
+          <a:prstGeom prst="rect">
+            <a:avLst/>
+          </a:prstGeom>
+          <a:noFill/>
+          <a:ln>
+            <a:noFill/>
+          </a:ln>
+        </p:spPr>
+        <p:txBody>
+          <a:bodyPr wrap="none" rtlCol="0">
+            <a:spAutoFit/>
+          </a:bodyPr>
+          <a:lstStyle/>
+          <a:p>
+            <a:r>
+              <a:rPr lang="en-GB" sz="1400" dirty="0">
+                <a:solidFill>
+                  <a:schemeClr val="bg1"/>
+                </a:solidFill>
+                <a:latin typeface="Consolas" panose="020B0609020204030204" pitchFamily="49" charset="0"/>
+              </a:rPr>
+              <a:t>Photo_n.JPG</a:t>
+            </a:r>
+          </a:p>
+        </p:txBody>
+      </p:sp>
+      <p:cxnSp>
+        <p:nvCxnSpPr>
+          <p:cNvPr id="176" name="Straight Connector 175">
+            <a:extLst>
+              <a:ext uri="{FF2B5EF4-FFF2-40B4-BE49-F238E27FC236}">
+                <a16:creationId xmlns:a16="http://schemas.microsoft.com/office/drawing/2014/main" id="{AD7690DF-0600-47D0-AA50-5798127C672D}"/>
+              </a:ext>
+            </a:extLst>
+          </p:cNvPr>
+          <p:cNvCxnSpPr>
+            <a:cxnSpLocks/>
+          </p:cNvCxnSpPr>
+          <p:nvPr/>
+        </p:nvCxnSpPr>
+        <p:spPr>
+          <a:xfrm>
+            <a:off x="9944438" y="4958216"/>
+            <a:ext cx="254133" cy="2"/>
+          </a:xfrm>
+          <a:prstGeom prst="line">
+            <a:avLst/>
+          </a:prstGeom>
+          <a:ln>
+            <a:solidFill>
+              <a:schemeClr val="bg1"/>
+            </a:solidFill>
+          </a:ln>
+        </p:spPr>
+        <p:style>
+          <a:lnRef idx="1">
+            <a:schemeClr val="dk1"/>
+          </a:lnRef>
+          <a:fillRef idx="0">
+            <a:schemeClr val="dk1"/>
+          </a:fillRef>
+          <a:effectRef idx="0">
+            <a:schemeClr val="dk1"/>
+          </a:effectRef>
+          <a:fontRef idx="minor">
+            <a:schemeClr val="tx1"/>
+          </a:fontRef>
+        </p:style>
+      </p:cxnSp>
+      <p:cxnSp>
+        <p:nvCxnSpPr>
+          <p:cNvPr id="177" name="Straight Connector 176">
+            <a:extLst>
+              <a:ext uri="{FF2B5EF4-FFF2-40B4-BE49-F238E27FC236}">
+                <a16:creationId xmlns:a16="http://schemas.microsoft.com/office/drawing/2014/main" id="{9A6146FE-053D-4D9D-94FB-3C8AE5C050B2}"/>
+              </a:ext>
+            </a:extLst>
+          </p:cNvPr>
+          <p:cNvCxnSpPr>
+            <a:cxnSpLocks/>
+          </p:cNvCxnSpPr>
+          <p:nvPr/>
+        </p:nvCxnSpPr>
+        <p:spPr>
+          <a:xfrm>
+            <a:off x="10084223" y="4955654"/>
+            <a:ext cx="0" cy="442014"/>
+          </a:xfrm>
+          <a:prstGeom prst="line">
+            <a:avLst/>
+          </a:prstGeom>
+          <a:ln>
+            <a:solidFill>
+              <a:schemeClr val="bg1"/>
+            </a:solidFill>
+          </a:ln>
+        </p:spPr>
+        <p:style>
+          <a:lnRef idx="1">
+            <a:schemeClr val="dk1"/>
+          </a:lnRef>
+          <a:fillRef idx="0">
+            <a:schemeClr val="dk1"/>
+          </a:fillRef>
+          <a:effectRef idx="0">
+            <a:schemeClr val="dk1"/>
+          </a:effectRef>
+          <a:fontRef idx="minor">
+            <a:schemeClr val="tx1"/>
+          </a:fontRef>
+        </p:style>
+      </p:cxnSp>
+      <p:cxnSp>
+        <p:nvCxnSpPr>
+          <p:cNvPr id="178" name="Straight Connector 177">
+            <a:extLst>
+              <a:ext uri="{FF2B5EF4-FFF2-40B4-BE49-F238E27FC236}">
+                <a16:creationId xmlns:a16="http://schemas.microsoft.com/office/drawing/2014/main" id="{355F2311-37D8-45E1-9128-F70123A978B6}"/>
+              </a:ext>
+            </a:extLst>
+          </p:cNvPr>
+          <p:cNvCxnSpPr>
+            <a:cxnSpLocks/>
+          </p:cNvCxnSpPr>
+          <p:nvPr/>
+        </p:nvCxnSpPr>
+        <p:spPr>
+          <a:xfrm flipV="1">
+            <a:off x="10086606" y="5176115"/>
+            <a:ext cx="111965" cy="1"/>
+          </a:xfrm>
+          <a:prstGeom prst="line">
+            <a:avLst/>
+          </a:prstGeom>
+          <a:ln>
+            <a:solidFill>
+              <a:schemeClr val="bg1"/>
+            </a:solidFill>
+          </a:ln>
+        </p:spPr>
+        <p:style>
+          <a:lnRef idx="1">
+            <a:schemeClr val="dk1"/>
+          </a:lnRef>
+          <a:fillRef idx="0">
+            <a:schemeClr val="dk1"/>
+          </a:fillRef>
+          <a:effectRef idx="0">
+            <a:schemeClr val="dk1"/>
+          </a:effectRef>
+          <a:fontRef idx="minor">
+            <a:schemeClr val="tx1"/>
+          </a:fontRef>
+        </p:style>
+      </p:cxnSp>
+      <p:cxnSp>
+        <p:nvCxnSpPr>
+          <p:cNvPr id="179" name="Straight Connector 178">
+            <a:extLst>
+              <a:ext uri="{FF2B5EF4-FFF2-40B4-BE49-F238E27FC236}">
+                <a16:creationId xmlns:a16="http://schemas.microsoft.com/office/drawing/2014/main" id="{2AC4466B-75BF-43D4-AE51-4D3C67BC60BB}"/>
+              </a:ext>
+            </a:extLst>
+          </p:cNvPr>
+          <p:cNvCxnSpPr>
+            <a:cxnSpLocks/>
+          </p:cNvCxnSpPr>
+          <p:nvPr/>
+        </p:nvCxnSpPr>
+        <p:spPr>
+          <a:xfrm flipV="1">
+            <a:off x="10082487" y="5399623"/>
+            <a:ext cx="111965" cy="1"/>
+          </a:xfrm>
+          <a:prstGeom prst="line">
+            <a:avLst/>
+          </a:prstGeom>
+          <a:ln>
+            <a:solidFill>
+              <a:schemeClr val="bg1"/>
+            </a:solidFill>
+          </a:ln>
+        </p:spPr>
+        <p:style>
+          <a:lnRef idx="1">
+            <a:schemeClr val="dk1"/>
+          </a:lnRef>
+          <a:fillRef idx="0">
+            <a:schemeClr val="dk1"/>
+          </a:fillRef>
+          <a:effectRef idx="0">
+            <a:schemeClr val="dk1"/>
+          </a:effectRef>
+          <a:fontRef idx="minor">
+            <a:schemeClr val="tx1"/>
+          </a:fontRef>
+        </p:style>
+      </p:cxnSp>
+      <p:sp>
+        <p:nvSpPr>
+          <p:cNvPr id="180" name="TextBox 179">
+            <a:extLst>
+              <a:ext uri="{FF2B5EF4-FFF2-40B4-BE49-F238E27FC236}">
+                <a16:creationId xmlns:a16="http://schemas.microsoft.com/office/drawing/2014/main" id="{4E91E953-E411-4301-B9CE-1AB2F4FE4088}"/>
+              </a:ext>
+            </a:extLst>
+          </p:cNvPr>
+          <p:cNvSpPr txBox="1"/>
+          <p:nvPr/>
+        </p:nvSpPr>
+        <p:spPr>
+          <a:xfrm>
+            <a:off x="10194013" y="5612881"/>
+            <a:ext cx="1277914" cy="307777"/>
+          </a:xfrm>
+          <a:prstGeom prst="rect">
+            <a:avLst/>
+          </a:prstGeom>
+          <a:noFill/>
+          <a:ln>
+            <a:noFill/>
+          </a:ln>
+        </p:spPr>
+        <p:txBody>
+          <a:bodyPr wrap="none" rtlCol="0">
+            <a:spAutoFit/>
+          </a:bodyPr>
+          <a:lstStyle/>
+          <a:p>
+            <a:r>
+              <a:rPr lang="en-GB" sz="1400" dirty="0">
+                <a:solidFill>
+                  <a:schemeClr val="bg1"/>
+                </a:solidFill>
+                <a:latin typeface="Consolas" panose="020B0609020204030204" pitchFamily="49" charset="0"/>
+              </a:rPr>
+              <a:t>Photo_1.JPG</a:t>
+            </a:r>
+          </a:p>
+        </p:txBody>
+      </p:sp>
+      <p:sp>
+        <p:nvSpPr>
+          <p:cNvPr id="181" name="TextBox 180">
+            <a:extLst>
+              <a:ext uri="{FF2B5EF4-FFF2-40B4-BE49-F238E27FC236}">
+                <a16:creationId xmlns:a16="http://schemas.microsoft.com/office/drawing/2014/main" id="{1F3AE759-20B5-4DAC-A88D-62C943ADAA83}"/>
+              </a:ext>
+            </a:extLst>
+          </p:cNvPr>
+          <p:cNvSpPr txBox="1"/>
+          <p:nvPr/>
+        </p:nvSpPr>
+        <p:spPr>
+          <a:xfrm rot="5400000">
+            <a:off x="10840014" y="5853186"/>
+            <a:ext cx="284052" cy="307777"/>
+          </a:xfrm>
+          <a:prstGeom prst="rect">
+            <a:avLst/>
+          </a:prstGeom>
+          <a:noFill/>
+          <a:ln>
+            <a:noFill/>
+          </a:ln>
+        </p:spPr>
+        <p:txBody>
+          <a:bodyPr wrap="none" rtlCol="0">
+            <a:spAutoFit/>
+          </a:bodyPr>
+          <a:lstStyle/>
+          <a:p>
+            <a:r>
+              <a:rPr lang="en-GB" sz="1400" dirty="0">
+                <a:solidFill>
+                  <a:schemeClr val="bg1"/>
+                </a:solidFill>
+                <a:latin typeface="Consolas" panose="020B0609020204030204" pitchFamily="49" charset="0"/>
+              </a:rPr>
+              <a:t>…</a:t>
+            </a:r>
+          </a:p>
+        </p:txBody>
+      </p:sp>
+      <p:sp>
+        <p:nvSpPr>
+          <p:cNvPr id="182" name="TextBox 181">
+            <a:extLst>
+              <a:ext uri="{FF2B5EF4-FFF2-40B4-BE49-F238E27FC236}">
+                <a16:creationId xmlns:a16="http://schemas.microsoft.com/office/drawing/2014/main" id="{F608E205-55E9-4247-828A-74E64A590013}"/>
+              </a:ext>
+            </a:extLst>
+          </p:cNvPr>
+          <p:cNvSpPr txBox="1"/>
+          <p:nvPr/>
+        </p:nvSpPr>
+        <p:spPr>
+          <a:xfrm>
+            <a:off x="10189194" y="6055987"/>
+            <a:ext cx="1277914" cy="307777"/>
+          </a:xfrm>
+          <a:prstGeom prst="rect">
+            <a:avLst/>
+          </a:prstGeom>
+          <a:noFill/>
+          <a:ln>
+            <a:noFill/>
+          </a:ln>
+        </p:spPr>
+        <p:txBody>
+          <a:bodyPr wrap="none" rtlCol="0">
+            <a:spAutoFit/>
+          </a:bodyPr>
+          <a:lstStyle/>
+          <a:p>
+            <a:r>
+              <a:rPr lang="en-GB" sz="1400" dirty="0">
+                <a:solidFill>
+                  <a:schemeClr val="bg1"/>
+                </a:solidFill>
+                <a:latin typeface="Consolas" panose="020B0609020204030204" pitchFamily="49" charset="0"/>
+              </a:rPr>
+              <a:t>Photo_n.JPG</a:t>
+            </a:r>
+          </a:p>
+        </p:txBody>
+      </p:sp>
+      <p:cxnSp>
+        <p:nvCxnSpPr>
+          <p:cNvPr id="183" name="Straight Connector 182">
+            <a:extLst>
+              <a:ext uri="{FF2B5EF4-FFF2-40B4-BE49-F238E27FC236}">
+                <a16:creationId xmlns:a16="http://schemas.microsoft.com/office/drawing/2014/main" id="{37527AD1-FB37-4037-9F29-90C7F7911974}"/>
+              </a:ext>
+            </a:extLst>
+          </p:cNvPr>
+          <p:cNvCxnSpPr>
+            <a:cxnSpLocks/>
+          </p:cNvCxnSpPr>
+          <p:nvPr/>
+        </p:nvCxnSpPr>
+        <p:spPr>
+          <a:xfrm>
+            <a:off x="9942355" y="5770423"/>
+            <a:ext cx="254133" cy="2"/>
+          </a:xfrm>
+          <a:prstGeom prst="line">
+            <a:avLst/>
+          </a:prstGeom>
+          <a:ln>
+            <a:solidFill>
+              <a:schemeClr val="bg1"/>
+            </a:solidFill>
+          </a:ln>
+        </p:spPr>
+        <p:style>
+          <a:lnRef idx="1">
+            <a:schemeClr val="dk1"/>
+          </a:lnRef>
+          <a:fillRef idx="0">
+            <a:schemeClr val="dk1"/>
+          </a:fillRef>
+          <a:effectRef idx="0">
+            <a:schemeClr val="dk1"/>
+          </a:effectRef>
+          <a:fontRef idx="minor">
+            <a:schemeClr val="tx1"/>
+          </a:fontRef>
+        </p:style>
+      </p:cxnSp>
+      <p:cxnSp>
+        <p:nvCxnSpPr>
+          <p:cNvPr id="184" name="Straight Connector 183">
+            <a:extLst>
+              <a:ext uri="{FF2B5EF4-FFF2-40B4-BE49-F238E27FC236}">
+                <a16:creationId xmlns:a16="http://schemas.microsoft.com/office/drawing/2014/main" id="{5C3EBFC9-A570-44A2-AC1A-012F8BE2ADBF}"/>
+              </a:ext>
+            </a:extLst>
+          </p:cNvPr>
+          <p:cNvCxnSpPr>
+            <a:cxnSpLocks/>
+          </p:cNvCxnSpPr>
+          <p:nvPr/>
+        </p:nvCxnSpPr>
+        <p:spPr>
+          <a:xfrm>
+            <a:off x="10082140" y="5767861"/>
+            <a:ext cx="0" cy="442014"/>
+          </a:xfrm>
+          <a:prstGeom prst="line">
+            <a:avLst/>
+          </a:prstGeom>
+          <a:ln>
+            <a:solidFill>
+              <a:schemeClr val="bg1"/>
+            </a:solidFill>
+          </a:ln>
+        </p:spPr>
+        <p:style>
+          <a:lnRef idx="1">
+            <a:schemeClr val="dk1"/>
+          </a:lnRef>
+          <a:fillRef idx="0">
+            <a:schemeClr val="dk1"/>
+          </a:fillRef>
+          <a:effectRef idx="0">
+            <a:schemeClr val="dk1"/>
+          </a:effectRef>
+          <a:fontRef idx="minor">
+            <a:schemeClr val="tx1"/>
+          </a:fontRef>
+        </p:style>
+      </p:cxnSp>
+      <p:cxnSp>
+        <p:nvCxnSpPr>
+          <p:cNvPr id="185" name="Straight Connector 184">
+            <a:extLst>
+              <a:ext uri="{FF2B5EF4-FFF2-40B4-BE49-F238E27FC236}">
+                <a16:creationId xmlns:a16="http://schemas.microsoft.com/office/drawing/2014/main" id="{A14599DD-EDEE-4899-9EFD-B439A93BD611}"/>
+              </a:ext>
+            </a:extLst>
+          </p:cNvPr>
+          <p:cNvCxnSpPr>
+            <a:cxnSpLocks/>
+          </p:cNvCxnSpPr>
+          <p:nvPr/>
+        </p:nvCxnSpPr>
+        <p:spPr>
+          <a:xfrm flipV="1">
+            <a:off x="10084523" y="5988322"/>
+            <a:ext cx="111965" cy="1"/>
+          </a:xfrm>
+          <a:prstGeom prst="line">
+            <a:avLst/>
+          </a:prstGeom>
+          <a:ln>
+            <a:solidFill>
+              <a:schemeClr val="bg1"/>
+            </a:solidFill>
+          </a:ln>
+        </p:spPr>
+        <p:style>
+          <a:lnRef idx="1">
+            <a:schemeClr val="dk1"/>
+          </a:lnRef>
+          <a:fillRef idx="0">
+            <a:schemeClr val="dk1"/>
+          </a:fillRef>
+          <a:effectRef idx="0">
+            <a:schemeClr val="dk1"/>
+          </a:effectRef>
+          <a:fontRef idx="minor">
+            <a:schemeClr val="tx1"/>
+          </a:fontRef>
+        </p:style>
+      </p:cxnSp>
+      <p:cxnSp>
+        <p:nvCxnSpPr>
+          <p:cNvPr id="186" name="Straight Connector 185">
+            <a:extLst>
+              <a:ext uri="{FF2B5EF4-FFF2-40B4-BE49-F238E27FC236}">
+                <a16:creationId xmlns:a16="http://schemas.microsoft.com/office/drawing/2014/main" id="{3A9034D6-FFEB-476F-9CE9-3EC8A53294A2}"/>
+              </a:ext>
+            </a:extLst>
+          </p:cNvPr>
+          <p:cNvCxnSpPr>
+            <a:cxnSpLocks/>
+          </p:cNvCxnSpPr>
+          <p:nvPr/>
+        </p:nvCxnSpPr>
+        <p:spPr>
+          <a:xfrm flipV="1">
+            <a:off x="10080404" y="6211830"/>
+            <a:ext cx="111965" cy="1"/>
+          </a:xfrm>
+          <a:prstGeom prst="line">
+            <a:avLst/>
+          </a:prstGeom>
+          <a:ln>
+            <a:solidFill>
+              <a:schemeClr val="bg1"/>
+            </a:solidFill>
+          </a:ln>
+        </p:spPr>
+        <p:style>
+          <a:lnRef idx="1">
+            <a:schemeClr val="dk1"/>
+          </a:lnRef>
+          <a:fillRef idx="0">
+            <a:schemeClr val="dk1"/>
+          </a:fillRef>
+          <a:effectRef idx="0">
+            <a:schemeClr val="dk1"/>
+          </a:effectRef>
+          <a:fontRef idx="minor">
+            <a:schemeClr val="tx1"/>
+          </a:fontRef>
+        </p:style>
+      </p:cxnSp>
+      <p:sp>
+        <p:nvSpPr>
+          <p:cNvPr id="187" name="Right Brace 186">
+            <a:extLst>
+              <a:ext uri="{FF2B5EF4-FFF2-40B4-BE49-F238E27FC236}">
+                <a16:creationId xmlns:a16="http://schemas.microsoft.com/office/drawing/2014/main" id="{9BD5A18D-B5DE-4C8A-B80A-86DEDAD471D0}"/>
               </a:ext>
             </a:extLst>
           </p:cNvPr>
@@ -5546,8 +8479,8 @@
         </p:nvSpPr>
         <p:spPr>
           <a:xfrm>
-            <a:off x="7499798" y="3104257"/>
-            <a:ext cx="245565" cy="1994843"/>
+            <a:off x="11494985" y="4816526"/>
+            <a:ext cx="245565" cy="3386078"/>
           </a:xfrm>
           <a:prstGeom prst="rightBrace">
             <a:avLst>
@@ -5590,10 +8523,10 @@
       </p:sp>
       <p:sp>
         <p:nvSpPr>
-          <p:cNvPr id="141" name="TextBox 140">
-            <a:extLst>
-              <a:ext uri="{FF2B5EF4-FFF2-40B4-BE49-F238E27FC236}">
-                <a16:creationId xmlns:a16="http://schemas.microsoft.com/office/drawing/2014/main" id="{95B824DE-A63A-4AA5-86B6-D0C88C95F854}"/>
+          <p:cNvPr id="188" name="TextBox 187">
+            <a:extLst>
+              <a:ext uri="{FF2B5EF4-FFF2-40B4-BE49-F238E27FC236}">
+                <a16:creationId xmlns:a16="http://schemas.microsoft.com/office/drawing/2014/main" id="{8C09BB02-4EA7-4AE8-A2AF-508D62BED364}"/>
               </a:ext>
             </a:extLst>
           </p:cNvPr>
@@ -5602,7 +8535,7 @@
         </p:nvSpPr>
         <p:spPr>
           <a:xfrm>
-            <a:off x="7750191" y="3651521"/>
+            <a:off x="11761525" y="6060848"/>
             <a:ext cx="1523884" cy="954107"/>
           </a:xfrm>
           <a:prstGeom prst="rect">
@@ -5628,6 +8561,1298 @@
           </a:p>
         </p:txBody>
       </p:sp>
+      <p:cxnSp>
+        <p:nvCxnSpPr>
+          <p:cNvPr id="189" name="Straight Connector 188">
+            <a:extLst>
+              <a:ext uri="{FF2B5EF4-FFF2-40B4-BE49-F238E27FC236}">
+                <a16:creationId xmlns:a16="http://schemas.microsoft.com/office/drawing/2014/main" id="{167FC80D-F160-4B88-95B3-9FCD12A52BBE}"/>
+              </a:ext>
+            </a:extLst>
+          </p:cNvPr>
+          <p:cNvCxnSpPr>
+            <a:cxnSpLocks/>
+          </p:cNvCxnSpPr>
+          <p:nvPr/>
+        </p:nvCxnSpPr>
+        <p:spPr>
+          <a:xfrm flipV="1">
+            <a:off x="6533561" y="5882666"/>
+            <a:ext cx="111965" cy="1"/>
+          </a:xfrm>
+          <a:prstGeom prst="line">
+            <a:avLst/>
+          </a:prstGeom>
+          <a:ln>
+            <a:solidFill>
+              <a:schemeClr val="bg1"/>
+            </a:solidFill>
+          </a:ln>
+        </p:spPr>
+        <p:style>
+          <a:lnRef idx="1">
+            <a:schemeClr val="dk1"/>
+          </a:lnRef>
+          <a:fillRef idx="0">
+            <a:schemeClr val="dk1"/>
+          </a:fillRef>
+          <a:effectRef idx="0">
+            <a:schemeClr val="dk1"/>
+          </a:effectRef>
+          <a:fontRef idx="minor">
+            <a:schemeClr val="tx1"/>
+          </a:fontRef>
+        </p:style>
+      </p:cxnSp>
+      <p:sp>
+        <p:nvSpPr>
+          <p:cNvPr id="190" name="TextBox 189">
+            <a:extLst>
+              <a:ext uri="{FF2B5EF4-FFF2-40B4-BE49-F238E27FC236}">
+                <a16:creationId xmlns:a16="http://schemas.microsoft.com/office/drawing/2014/main" id="{CD615873-50FA-489C-81FA-2F70F8E9936E}"/>
+              </a:ext>
+            </a:extLst>
+          </p:cNvPr>
+          <p:cNvSpPr txBox="1"/>
+          <p:nvPr/>
+        </p:nvSpPr>
+        <p:spPr>
+          <a:xfrm>
+            <a:off x="9230662" y="6645713"/>
+            <a:ext cx="681597" cy="307777"/>
+          </a:xfrm>
+          <a:prstGeom prst="rect">
+            <a:avLst/>
+          </a:prstGeom>
+          <a:noFill/>
+          <a:ln>
+            <a:noFill/>
+          </a:ln>
+        </p:spPr>
+        <p:txBody>
+          <a:bodyPr wrap="none" rtlCol="0">
+            <a:spAutoFit/>
+          </a:bodyPr>
+          <a:lstStyle/>
+          <a:p>
+            <a:r>
+              <a:rPr lang="en-GB" sz="1400" dirty="0">
+                <a:solidFill>
+                  <a:schemeClr val="bg1"/>
+                </a:solidFill>
+                <a:latin typeface="Consolas" panose="020B0609020204030204" pitchFamily="49" charset="0"/>
+              </a:rPr>
+              <a:t>100EK</a:t>
+            </a:r>
+          </a:p>
+        </p:txBody>
+      </p:sp>
+      <p:sp>
+        <p:nvSpPr>
+          <p:cNvPr id="191" name="TextBox 190">
+            <a:extLst>
+              <a:ext uri="{FF2B5EF4-FFF2-40B4-BE49-F238E27FC236}">
+                <a16:creationId xmlns:a16="http://schemas.microsoft.com/office/drawing/2014/main" id="{25A711B2-7CAF-4AA8-83E3-40C0DA30D1EF}"/>
+              </a:ext>
+            </a:extLst>
+          </p:cNvPr>
+          <p:cNvSpPr txBox="1"/>
+          <p:nvPr/>
+        </p:nvSpPr>
+        <p:spPr>
+          <a:xfrm rot="5400000">
+            <a:off x="9489676" y="7048350"/>
+            <a:ext cx="284052" cy="307777"/>
+          </a:xfrm>
+          <a:prstGeom prst="rect">
+            <a:avLst/>
+          </a:prstGeom>
+          <a:noFill/>
+          <a:ln>
+            <a:noFill/>
+          </a:ln>
+        </p:spPr>
+        <p:txBody>
+          <a:bodyPr wrap="none" rtlCol="0">
+            <a:spAutoFit/>
+          </a:bodyPr>
+          <a:lstStyle/>
+          <a:p>
+            <a:r>
+              <a:rPr lang="en-GB" sz="1400" dirty="0">
+                <a:solidFill>
+                  <a:schemeClr val="bg1"/>
+                </a:solidFill>
+                <a:latin typeface="Consolas" panose="020B0609020204030204" pitchFamily="49" charset="0"/>
+              </a:rPr>
+              <a:t>…</a:t>
+            </a:r>
+          </a:p>
+        </p:txBody>
+      </p:sp>
+      <p:sp>
+        <p:nvSpPr>
+          <p:cNvPr id="192" name="TextBox 191">
+            <a:extLst>
+              <a:ext uri="{FF2B5EF4-FFF2-40B4-BE49-F238E27FC236}">
+                <a16:creationId xmlns:a16="http://schemas.microsoft.com/office/drawing/2014/main" id="{819B067E-ABB3-47E9-9777-FC7001A14664}"/>
+              </a:ext>
+            </a:extLst>
+          </p:cNvPr>
+          <p:cNvSpPr txBox="1"/>
+          <p:nvPr/>
+        </p:nvSpPr>
+        <p:spPr>
+          <a:xfrm>
+            <a:off x="9133042" y="7450987"/>
+            <a:ext cx="880369" cy="307777"/>
+          </a:xfrm>
+          <a:prstGeom prst="rect">
+            <a:avLst/>
+          </a:prstGeom>
+          <a:noFill/>
+          <a:ln>
+            <a:noFill/>
+          </a:ln>
+        </p:spPr>
+        <p:txBody>
+          <a:bodyPr wrap="none" rtlCol="0">
+            <a:spAutoFit/>
+          </a:bodyPr>
+          <a:lstStyle/>
+          <a:p>
+            <a:r>
+              <a:rPr lang="en-GB" sz="1400" i="1" dirty="0">
+                <a:solidFill>
+                  <a:schemeClr val="bg1"/>
+                </a:solidFill>
+                <a:latin typeface="Consolas" panose="020B0609020204030204" pitchFamily="49" charset="0"/>
+              </a:rPr>
+              <a:t>100+n</a:t>
+            </a:r>
+            <a:r>
+              <a:rPr lang="en-GB" sz="1400" dirty="0">
+                <a:solidFill>
+                  <a:schemeClr val="bg1"/>
+                </a:solidFill>
+                <a:latin typeface="Consolas" panose="020B0609020204030204" pitchFamily="49" charset="0"/>
+              </a:rPr>
+              <a:t>EK</a:t>
+            </a:r>
+          </a:p>
+        </p:txBody>
+      </p:sp>
+      <p:cxnSp>
+        <p:nvCxnSpPr>
+          <p:cNvPr id="193" name="Straight Connector 192">
+            <a:extLst>
+              <a:ext uri="{FF2B5EF4-FFF2-40B4-BE49-F238E27FC236}">
+                <a16:creationId xmlns:a16="http://schemas.microsoft.com/office/drawing/2014/main" id="{62B3290E-F9A9-452C-B485-D58355E12AC6}"/>
+              </a:ext>
+            </a:extLst>
+          </p:cNvPr>
+          <p:cNvCxnSpPr>
+            <a:cxnSpLocks/>
+          </p:cNvCxnSpPr>
+          <p:nvPr/>
+        </p:nvCxnSpPr>
+        <p:spPr>
+          <a:xfrm>
+            <a:off x="8910925" y="6797057"/>
+            <a:ext cx="254133" cy="2"/>
+          </a:xfrm>
+          <a:prstGeom prst="line">
+            <a:avLst/>
+          </a:prstGeom>
+          <a:ln>
+            <a:solidFill>
+              <a:schemeClr val="bg1"/>
+            </a:solidFill>
+          </a:ln>
+        </p:spPr>
+        <p:style>
+          <a:lnRef idx="1">
+            <a:schemeClr val="dk1"/>
+          </a:lnRef>
+          <a:fillRef idx="0">
+            <a:schemeClr val="dk1"/>
+          </a:fillRef>
+          <a:effectRef idx="0">
+            <a:schemeClr val="dk1"/>
+          </a:effectRef>
+          <a:fontRef idx="minor">
+            <a:schemeClr val="tx1"/>
+          </a:fontRef>
+        </p:style>
+      </p:cxnSp>
+      <p:cxnSp>
+        <p:nvCxnSpPr>
+          <p:cNvPr id="194" name="Straight Connector 193">
+            <a:extLst>
+              <a:ext uri="{FF2B5EF4-FFF2-40B4-BE49-F238E27FC236}">
+                <a16:creationId xmlns:a16="http://schemas.microsoft.com/office/drawing/2014/main" id="{CE1F17B9-0F52-497E-8BE7-82264618AECC}"/>
+              </a:ext>
+            </a:extLst>
+          </p:cNvPr>
+          <p:cNvCxnSpPr>
+            <a:cxnSpLocks/>
+          </p:cNvCxnSpPr>
+          <p:nvPr/>
+        </p:nvCxnSpPr>
+        <p:spPr>
+          <a:xfrm>
+            <a:off x="9050710" y="6794495"/>
+            <a:ext cx="0" cy="812206"/>
+          </a:xfrm>
+          <a:prstGeom prst="line">
+            <a:avLst/>
+          </a:prstGeom>
+          <a:ln>
+            <a:solidFill>
+              <a:schemeClr val="bg1"/>
+            </a:solidFill>
+          </a:ln>
+        </p:spPr>
+        <p:style>
+          <a:lnRef idx="1">
+            <a:schemeClr val="dk1"/>
+          </a:lnRef>
+          <a:fillRef idx="0">
+            <a:schemeClr val="dk1"/>
+          </a:fillRef>
+          <a:effectRef idx="0">
+            <a:schemeClr val="dk1"/>
+          </a:effectRef>
+          <a:fontRef idx="minor">
+            <a:schemeClr val="tx1"/>
+          </a:fontRef>
+        </p:style>
+      </p:cxnSp>
+      <p:cxnSp>
+        <p:nvCxnSpPr>
+          <p:cNvPr id="195" name="Straight Connector 194">
+            <a:extLst>
+              <a:ext uri="{FF2B5EF4-FFF2-40B4-BE49-F238E27FC236}">
+                <a16:creationId xmlns:a16="http://schemas.microsoft.com/office/drawing/2014/main" id="{9619D3DD-E22C-41D0-BAB1-4C1C44B150A7}"/>
+              </a:ext>
+            </a:extLst>
+          </p:cNvPr>
+          <p:cNvCxnSpPr>
+            <a:cxnSpLocks/>
+          </p:cNvCxnSpPr>
+          <p:nvPr/>
+        </p:nvCxnSpPr>
+        <p:spPr>
+          <a:xfrm flipV="1">
+            <a:off x="9053093" y="7199139"/>
+            <a:ext cx="111965" cy="1"/>
+          </a:xfrm>
+          <a:prstGeom prst="line">
+            <a:avLst/>
+          </a:prstGeom>
+          <a:ln>
+            <a:solidFill>
+              <a:schemeClr val="bg1"/>
+            </a:solidFill>
+          </a:ln>
+        </p:spPr>
+        <p:style>
+          <a:lnRef idx="1">
+            <a:schemeClr val="dk1"/>
+          </a:lnRef>
+          <a:fillRef idx="0">
+            <a:schemeClr val="dk1"/>
+          </a:fillRef>
+          <a:effectRef idx="0">
+            <a:schemeClr val="dk1"/>
+          </a:effectRef>
+          <a:fontRef idx="minor">
+            <a:schemeClr val="tx1"/>
+          </a:fontRef>
+        </p:style>
+      </p:cxnSp>
+      <p:cxnSp>
+        <p:nvCxnSpPr>
+          <p:cNvPr id="196" name="Straight Connector 195">
+            <a:extLst>
+              <a:ext uri="{FF2B5EF4-FFF2-40B4-BE49-F238E27FC236}">
+                <a16:creationId xmlns:a16="http://schemas.microsoft.com/office/drawing/2014/main" id="{499E875C-7595-4D49-9C8D-D3CC6FD978B4}"/>
+              </a:ext>
+            </a:extLst>
+          </p:cNvPr>
+          <p:cNvCxnSpPr>
+            <a:cxnSpLocks/>
+          </p:cNvCxnSpPr>
+          <p:nvPr/>
+        </p:nvCxnSpPr>
+        <p:spPr>
+          <a:xfrm flipV="1">
+            <a:off x="9046593" y="7604383"/>
+            <a:ext cx="111965" cy="1"/>
+          </a:xfrm>
+          <a:prstGeom prst="line">
+            <a:avLst/>
+          </a:prstGeom>
+          <a:ln>
+            <a:solidFill>
+              <a:schemeClr val="bg1"/>
+            </a:solidFill>
+          </a:ln>
+        </p:spPr>
+        <p:style>
+          <a:lnRef idx="1">
+            <a:schemeClr val="dk1"/>
+          </a:lnRef>
+          <a:fillRef idx="0">
+            <a:schemeClr val="dk1"/>
+          </a:fillRef>
+          <a:effectRef idx="0">
+            <a:schemeClr val="dk1"/>
+          </a:effectRef>
+          <a:fontRef idx="minor">
+            <a:schemeClr val="tx1"/>
+          </a:fontRef>
+        </p:style>
+      </p:cxnSp>
+      <p:sp>
+        <p:nvSpPr>
+          <p:cNvPr id="197" name="TextBox 196">
+            <a:extLst>
+              <a:ext uri="{FF2B5EF4-FFF2-40B4-BE49-F238E27FC236}">
+                <a16:creationId xmlns:a16="http://schemas.microsoft.com/office/drawing/2014/main" id="{FEEE88A1-3533-48F0-BE4E-837560A64062}"/>
+              </a:ext>
+            </a:extLst>
+          </p:cNvPr>
+          <p:cNvSpPr txBox="1"/>
+          <p:nvPr/>
+        </p:nvSpPr>
+        <p:spPr>
+          <a:xfrm>
+            <a:off x="10194928" y="6639514"/>
+            <a:ext cx="1277914" cy="307777"/>
+          </a:xfrm>
+          <a:prstGeom prst="rect">
+            <a:avLst/>
+          </a:prstGeom>
+          <a:noFill/>
+          <a:ln>
+            <a:noFill/>
+          </a:ln>
+        </p:spPr>
+        <p:txBody>
+          <a:bodyPr wrap="none" rtlCol="0">
+            <a:spAutoFit/>
+          </a:bodyPr>
+          <a:lstStyle/>
+          <a:p>
+            <a:r>
+              <a:rPr lang="en-GB" sz="1400" dirty="0">
+                <a:solidFill>
+                  <a:schemeClr val="bg1"/>
+                </a:solidFill>
+                <a:latin typeface="Consolas" panose="020B0609020204030204" pitchFamily="49" charset="0"/>
+              </a:rPr>
+              <a:t>Photo_1.JPG</a:t>
+            </a:r>
+          </a:p>
+        </p:txBody>
+      </p:sp>
+      <p:sp>
+        <p:nvSpPr>
+          <p:cNvPr id="198" name="TextBox 197">
+            <a:extLst>
+              <a:ext uri="{FF2B5EF4-FFF2-40B4-BE49-F238E27FC236}">
+                <a16:creationId xmlns:a16="http://schemas.microsoft.com/office/drawing/2014/main" id="{6D0FEA04-99F8-465D-B2A9-BB28EF7C0312}"/>
+              </a:ext>
+            </a:extLst>
+          </p:cNvPr>
+          <p:cNvSpPr txBox="1"/>
+          <p:nvPr/>
+        </p:nvSpPr>
+        <p:spPr>
+          <a:xfrm rot="5400000">
+            <a:off x="10840929" y="6879819"/>
+            <a:ext cx="284052" cy="307777"/>
+          </a:xfrm>
+          <a:prstGeom prst="rect">
+            <a:avLst/>
+          </a:prstGeom>
+          <a:noFill/>
+          <a:ln>
+            <a:noFill/>
+          </a:ln>
+        </p:spPr>
+        <p:txBody>
+          <a:bodyPr wrap="none" rtlCol="0">
+            <a:spAutoFit/>
+          </a:bodyPr>
+          <a:lstStyle/>
+          <a:p>
+            <a:r>
+              <a:rPr lang="en-GB" sz="1400" dirty="0">
+                <a:solidFill>
+                  <a:schemeClr val="bg1"/>
+                </a:solidFill>
+                <a:latin typeface="Consolas" panose="020B0609020204030204" pitchFamily="49" charset="0"/>
+              </a:rPr>
+              <a:t>…</a:t>
+            </a:r>
+          </a:p>
+        </p:txBody>
+      </p:sp>
+      <p:sp>
+        <p:nvSpPr>
+          <p:cNvPr id="199" name="TextBox 198">
+            <a:extLst>
+              <a:ext uri="{FF2B5EF4-FFF2-40B4-BE49-F238E27FC236}">
+                <a16:creationId xmlns:a16="http://schemas.microsoft.com/office/drawing/2014/main" id="{A341126A-0A8D-4528-9BA3-405EEC53A463}"/>
+              </a:ext>
+            </a:extLst>
+          </p:cNvPr>
+          <p:cNvSpPr txBox="1"/>
+          <p:nvPr/>
+        </p:nvSpPr>
+        <p:spPr>
+          <a:xfrm>
+            <a:off x="10190109" y="7082620"/>
+            <a:ext cx="1277914" cy="307777"/>
+          </a:xfrm>
+          <a:prstGeom prst="rect">
+            <a:avLst/>
+          </a:prstGeom>
+          <a:noFill/>
+          <a:ln>
+            <a:noFill/>
+          </a:ln>
+        </p:spPr>
+        <p:txBody>
+          <a:bodyPr wrap="none" rtlCol="0">
+            <a:spAutoFit/>
+          </a:bodyPr>
+          <a:lstStyle/>
+          <a:p>
+            <a:r>
+              <a:rPr lang="en-GB" sz="1400" dirty="0">
+                <a:solidFill>
+                  <a:schemeClr val="bg1"/>
+                </a:solidFill>
+                <a:latin typeface="Consolas" panose="020B0609020204030204" pitchFamily="49" charset="0"/>
+              </a:rPr>
+              <a:t>Photo_n.JPG</a:t>
+            </a:r>
+          </a:p>
+        </p:txBody>
+      </p:sp>
+      <p:cxnSp>
+        <p:nvCxnSpPr>
+          <p:cNvPr id="200" name="Straight Connector 199">
+            <a:extLst>
+              <a:ext uri="{FF2B5EF4-FFF2-40B4-BE49-F238E27FC236}">
+                <a16:creationId xmlns:a16="http://schemas.microsoft.com/office/drawing/2014/main" id="{87085D59-D8CC-4F19-ACF0-73F42D7C09B0}"/>
+              </a:ext>
+            </a:extLst>
+          </p:cNvPr>
+          <p:cNvCxnSpPr>
+            <a:cxnSpLocks/>
+          </p:cNvCxnSpPr>
+          <p:nvPr/>
+        </p:nvCxnSpPr>
+        <p:spPr>
+          <a:xfrm>
+            <a:off x="9943270" y="6797056"/>
+            <a:ext cx="254133" cy="2"/>
+          </a:xfrm>
+          <a:prstGeom prst="line">
+            <a:avLst/>
+          </a:prstGeom>
+          <a:ln>
+            <a:solidFill>
+              <a:schemeClr val="bg1"/>
+            </a:solidFill>
+          </a:ln>
+        </p:spPr>
+        <p:style>
+          <a:lnRef idx="1">
+            <a:schemeClr val="dk1"/>
+          </a:lnRef>
+          <a:fillRef idx="0">
+            <a:schemeClr val="dk1"/>
+          </a:fillRef>
+          <a:effectRef idx="0">
+            <a:schemeClr val="dk1"/>
+          </a:effectRef>
+          <a:fontRef idx="minor">
+            <a:schemeClr val="tx1"/>
+          </a:fontRef>
+        </p:style>
+      </p:cxnSp>
+      <p:cxnSp>
+        <p:nvCxnSpPr>
+          <p:cNvPr id="201" name="Straight Connector 200">
+            <a:extLst>
+              <a:ext uri="{FF2B5EF4-FFF2-40B4-BE49-F238E27FC236}">
+                <a16:creationId xmlns:a16="http://schemas.microsoft.com/office/drawing/2014/main" id="{62AB1B07-3FA2-4D53-8940-CE6316AEDFE9}"/>
+              </a:ext>
+            </a:extLst>
+          </p:cNvPr>
+          <p:cNvCxnSpPr>
+            <a:cxnSpLocks/>
+          </p:cNvCxnSpPr>
+          <p:nvPr/>
+        </p:nvCxnSpPr>
+        <p:spPr>
+          <a:xfrm>
+            <a:off x="10083055" y="6794494"/>
+            <a:ext cx="0" cy="442014"/>
+          </a:xfrm>
+          <a:prstGeom prst="line">
+            <a:avLst/>
+          </a:prstGeom>
+          <a:ln>
+            <a:solidFill>
+              <a:schemeClr val="bg1"/>
+            </a:solidFill>
+          </a:ln>
+        </p:spPr>
+        <p:style>
+          <a:lnRef idx="1">
+            <a:schemeClr val="dk1"/>
+          </a:lnRef>
+          <a:fillRef idx="0">
+            <a:schemeClr val="dk1"/>
+          </a:fillRef>
+          <a:effectRef idx="0">
+            <a:schemeClr val="dk1"/>
+          </a:effectRef>
+          <a:fontRef idx="minor">
+            <a:schemeClr val="tx1"/>
+          </a:fontRef>
+        </p:style>
+      </p:cxnSp>
+      <p:cxnSp>
+        <p:nvCxnSpPr>
+          <p:cNvPr id="202" name="Straight Connector 201">
+            <a:extLst>
+              <a:ext uri="{FF2B5EF4-FFF2-40B4-BE49-F238E27FC236}">
+                <a16:creationId xmlns:a16="http://schemas.microsoft.com/office/drawing/2014/main" id="{2C5B77EA-E9B3-468D-B815-77DB01BCD127}"/>
+              </a:ext>
+            </a:extLst>
+          </p:cNvPr>
+          <p:cNvCxnSpPr>
+            <a:cxnSpLocks/>
+          </p:cNvCxnSpPr>
+          <p:nvPr/>
+        </p:nvCxnSpPr>
+        <p:spPr>
+          <a:xfrm flipV="1">
+            <a:off x="10085438" y="7014955"/>
+            <a:ext cx="111965" cy="1"/>
+          </a:xfrm>
+          <a:prstGeom prst="line">
+            <a:avLst/>
+          </a:prstGeom>
+          <a:ln>
+            <a:solidFill>
+              <a:schemeClr val="bg1"/>
+            </a:solidFill>
+          </a:ln>
+        </p:spPr>
+        <p:style>
+          <a:lnRef idx="1">
+            <a:schemeClr val="dk1"/>
+          </a:lnRef>
+          <a:fillRef idx="0">
+            <a:schemeClr val="dk1"/>
+          </a:fillRef>
+          <a:effectRef idx="0">
+            <a:schemeClr val="dk1"/>
+          </a:effectRef>
+          <a:fontRef idx="minor">
+            <a:schemeClr val="tx1"/>
+          </a:fontRef>
+        </p:style>
+      </p:cxnSp>
+      <p:cxnSp>
+        <p:nvCxnSpPr>
+          <p:cNvPr id="203" name="Straight Connector 202">
+            <a:extLst>
+              <a:ext uri="{FF2B5EF4-FFF2-40B4-BE49-F238E27FC236}">
+                <a16:creationId xmlns:a16="http://schemas.microsoft.com/office/drawing/2014/main" id="{2986213E-42C8-42C5-A0E1-C6CCCFBB5BC4}"/>
+              </a:ext>
+            </a:extLst>
+          </p:cNvPr>
+          <p:cNvCxnSpPr>
+            <a:cxnSpLocks/>
+          </p:cNvCxnSpPr>
+          <p:nvPr/>
+        </p:nvCxnSpPr>
+        <p:spPr>
+          <a:xfrm flipV="1">
+            <a:off x="10081319" y="7238463"/>
+            <a:ext cx="111965" cy="1"/>
+          </a:xfrm>
+          <a:prstGeom prst="line">
+            <a:avLst/>
+          </a:prstGeom>
+          <a:ln>
+            <a:solidFill>
+              <a:schemeClr val="bg1"/>
+            </a:solidFill>
+          </a:ln>
+        </p:spPr>
+        <p:style>
+          <a:lnRef idx="1">
+            <a:schemeClr val="dk1"/>
+          </a:lnRef>
+          <a:fillRef idx="0">
+            <a:schemeClr val="dk1"/>
+          </a:fillRef>
+          <a:effectRef idx="0">
+            <a:schemeClr val="dk1"/>
+          </a:effectRef>
+          <a:fontRef idx="minor">
+            <a:schemeClr val="tx1"/>
+          </a:fontRef>
+        </p:style>
+      </p:cxnSp>
+      <p:sp>
+        <p:nvSpPr>
+          <p:cNvPr id="204" name="TextBox 203">
+            <a:extLst>
+              <a:ext uri="{FF2B5EF4-FFF2-40B4-BE49-F238E27FC236}">
+                <a16:creationId xmlns:a16="http://schemas.microsoft.com/office/drawing/2014/main" id="{519A7A0D-E2B4-45F9-A30A-BE2265DF903E}"/>
+              </a:ext>
+            </a:extLst>
+          </p:cNvPr>
+          <p:cNvSpPr txBox="1"/>
+          <p:nvPr/>
+        </p:nvSpPr>
+        <p:spPr>
+          <a:xfrm>
+            <a:off x="10192845" y="7451721"/>
+            <a:ext cx="1277914" cy="307777"/>
+          </a:xfrm>
+          <a:prstGeom prst="rect">
+            <a:avLst/>
+          </a:prstGeom>
+          <a:noFill/>
+          <a:ln>
+            <a:noFill/>
+          </a:ln>
+        </p:spPr>
+        <p:txBody>
+          <a:bodyPr wrap="none" rtlCol="0">
+            <a:spAutoFit/>
+          </a:bodyPr>
+          <a:lstStyle/>
+          <a:p>
+            <a:r>
+              <a:rPr lang="en-GB" sz="1400" dirty="0">
+                <a:solidFill>
+                  <a:schemeClr val="bg1"/>
+                </a:solidFill>
+                <a:latin typeface="Consolas" panose="020B0609020204030204" pitchFamily="49" charset="0"/>
+              </a:rPr>
+              <a:t>Photo_1.JPG</a:t>
+            </a:r>
+          </a:p>
+        </p:txBody>
+      </p:sp>
+      <p:sp>
+        <p:nvSpPr>
+          <p:cNvPr id="205" name="TextBox 204">
+            <a:extLst>
+              <a:ext uri="{FF2B5EF4-FFF2-40B4-BE49-F238E27FC236}">
+                <a16:creationId xmlns:a16="http://schemas.microsoft.com/office/drawing/2014/main" id="{BFC6BA6C-B870-46E8-B949-CE1B1708EED8}"/>
+              </a:ext>
+            </a:extLst>
+          </p:cNvPr>
+          <p:cNvSpPr txBox="1"/>
+          <p:nvPr/>
+        </p:nvSpPr>
+        <p:spPr>
+          <a:xfrm rot="5400000">
+            <a:off x="10838846" y="7692026"/>
+            <a:ext cx="284052" cy="307777"/>
+          </a:xfrm>
+          <a:prstGeom prst="rect">
+            <a:avLst/>
+          </a:prstGeom>
+          <a:noFill/>
+          <a:ln>
+            <a:noFill/>
+          </a:ln>
+        </p:spPr>
+        <p:txBody>
+          <a:bodyPr wrap="none" rtlCol="0">
+            <a:spAutoFit/>
+          </a:bodyPr>
+          <a:lstStyle/>
+          <a:p>
+            <a:r>
+              <a:rPr lang="en-GB" sz="1400" dirty="0">
+                <a:solidFill>
+                  <a:schemeClr val="bg1"/>
+                </a:solidFill>
+                <a:latin typeface="Consolas" panose="020B0609020204030204" pitchFamily="49" charset="0"/>
+              </a:rPr>
+              <a:t>…</a:t>
+            </a:r>
+          </a:p>
+        </p:txBody>
+      </p:sp>
+      <p:sp>
+        <p:nvSpPr>
+          <p:cNvPr id="206" name="TextBox 205">
+            <a:extLst>
+              <a:ext uri="{FF2B5EF4-FFF2-40B4-BE49-F238E27FC236}">
+                <a16:creationId xmlns:a16="http://schemas.microsoft.com/office/drawing/2014/main" id="{CA8086DE-1C4F-49D7-A060-3274F0603838}"/>
+              </a:ext>
+            </a:extLst>
+          </p:cNvPr>
+          <p:cNvSpPr txBox="1"/>
+          <p:nvPr/>
+        </p:nvSpPr>
+        <p:spPr>
+          <a:xfrm>
+            <a:off x="10188026" y="7894827"/>
+            <a:ext cx="1277914" cy="307777"/>
+          </a:xfrm>
+          <a:prstGeom prst="rect">
+            <a:avLst/>
+          </a:prstGeom>
+          <a:noFill/>
+          <a:ln>
+            <a:noFill/>
+          </a:ln>
+        </p:spPr>
+        <p:txBody>
+          <a:bodyPr wrap="none" rtlCol="0">
+            <a:spAutoFit/>
+          </a:bodyPr>
+          <a:lstStyle/>
+          <a:p>
+            <a:r>
+              <a:rPr lang="en-GB" sz="1400" dirty="0">
+                <a:solidFill>
+                  <a:schemeClr val="bg1"/>
+                </a:solidFill>
+                <a:latin typeface="Consolas" panose="020B0609020204030204" pitchFamily="49" charset="0"/>
+              </a:rPr>
+              <a:t>Photo_n.JPG</a:t>
+            </a:r>
+          </a:p>
+        </p:txBody>
+      </p:sp>
+      <p:cxnSp>
+        <p:nvCxnSpPr>
+          <p:cNvPr id="207" name="Straight Connector 206">
+            <a:extLst>
+              <a:ext uri="{FF2B5EF4-FFF2-40B4-BE49-F238E27FC236}">
+                <a16:creationId xmlns:a16="http://schemas.microsoft.com/office/drawing/2014/main" id="{540306D9-6AAD-4208-8C53-C234BDC90EA8}"/>
+              </a:ext>
+            </a:extLst>
+          </p:cNvPr>
+          <p:cNvCxnSpPr>
+            <a:cxnSpLocks/>
+          </p:cNvCxnSpPr>
+          <p:nvPr/>
+        </p:nvCxnSpPr>
+        <p:spPr>
+          <a:xfrm>
+            <a:off x="9941187" y="7609263"/>
+            <a:ext cx="254133" cy="2"/>
+          </a:xfrm>
+          <a:prstGeom prst="line">
+            <a:avLst/>
+          </a:prstGeom>
+          <a:ln>
+            <a:solidFill>
+              <a:schemeClr val="bg1"/>
+            </a:solidFill>
+          </a:ln>
+        </p:spPr>
+        <p:style>
+          <a:lnRef idx="1">
+            <a:schemeClr val="dk1"/>
+          </a:lnRef>
+          <a:fillRef idx="0">
+            <a:schemeClr val="dk1"/>
+          </a:fillRef>
+          <a:effectRef idx="0">
+            <a:schemeClr val="dk1"/>
+          </a:effectRef>
+          <a:fontRef idx="minor">
+            <a:schemeClr val="tx1"/>
+          </a:fontRef>
+        </p:style>
+      </p:cxnSp>
+      <p:cxnSp>
+        <p:nvCxnSpPr>
+          <p:cNvPr id="208" name="Straight Connector 207">
+            <a:extLst>
+              <a:ext uri="{FF2B5EF4-FFF2-40B4-BE49-F238E27FC236}">
+                <a16:creationId xmlns:a16="http://schemas.microsoft.com/office/drawing/2014/main" id="{03881CBF-FA74-41DC-B6C1-30A3B3CB7FF3}"/>
+              </a:ext>
+            </a:extLst>
+          </p:cNvPr>
+          <p:cNvCxnSpPr>
+            <a:cxnSpLocks/>
+          </p:cNvCxnSpPr>
+          <p:nvPr/>
+        </p:nvCxnSpPr>
+        <p:spPr>
+          <a:xfrm>
+            <a:off x="10080972" y="7606701"/>
+            <a:ext cx="0" cy="442014"/>
+          </a:xfrm>
+          <a:prstGeom prst="line">
+            <a:avLst/>
+          </a:prstGeom>
+          <a:ln>
+            <a:solidFill>
+              <a:schemeClr val="bg1"/>
+            </a:solidFill>
+          </a:ln>
+        </p:spPr>
+        <p:style>
+          <a:lnRef idx="1">
+            <a:schemeClr val="dk1"/>
+          </a:lnRef>
+          <a:fillRef idx="0">
+            <a:schemeClr val="dk1"/>
+          </a:fillRef>
+          <a:effectRef idx="0">
+            <a:schemeClr val="dk1"/>
+          </a:effectRef>
+          <a:fontRef idx="minor">
+            <a:schemeClr val="tx1"/>
+          </a:fontRef>
+        </p:style>
+      </p:cxnSp>
+      <p:cxnSp>
+        <p:nvCxnSpPr>
+          <p:cNvPr id="209" name="Straight Connector 208">
+            <a:extLst>
+              <a:ext uri="{FF2B5EF4-FFF2-40B4-BE49-F238E27FC236}">
+                <a16:creationId xmlns:a16="http://schemas.microsoft.com/office/drawing/2014/main" id="{0ED2B7A6-8B4B-404B-B435-FFE06069EB85}"/>
+              </a:ext>
+            </a:extLst>
+          </p:cNvPr>
+          <p:cNvCxnSpPr>
+            <a:cxnSpLocks/>
+          </p:cNvCxnSpPr>
+          <p:nvPr/>
+        </p:nvCxnSpPr>
+        <p:spPr>
+          <a:xfrm flipV="1">
+            <a:off x="10083355" y="7827162"/>
+            <a:ext cx="111965" cy="1"/>
+          </a:xfrm>
+          <a:prstGeom prst="line">
+            <a:avLst/>
+          </a:prstGeom>
+          <a:ln>
+            <a:solidFill>
+              <a:schemeClr val="bg1"/>
+            </a:solidFill>
+          </a:ln>
+        </p:spPr>
+        <p:style>
+          <a:lnRef idx="1">
+            <a:schemeClr val="dk1"/>
+          </a:lnRef>
+          <a:fillRef idx="0">
+            <a:schemeClr val="dk1"/>
+          </a:fillRef>
+          <a:effectRef idx="0">
+            <a:schemeClr val="dk1"/>
+          </a:effectRef>
+          <a:fontRef idx="minor">
+            <a:schemeClr val="tx1"/>
+          </a:fontRef>
+        </p:style>
+      </p:cxnSp>
+      <p:cxnSp>
+        <p:nvCxnSpPr>
+          <p:cNvPr id="210" name="Straight Connector 209">
+            <a:extLst>
+              <a:ext uri="{FF2B5EF4-FFF2-40B4-BE49-F238E27FC236}">
+                <a16:creationId xmlns:a16="http://schemas.microsoft.com/office/drawing/2014/main" id="{24F2247F-BD84-4884-9FDB-55C0FE8D9A0F}"/>
+              </a:ext>
+            </a:extLst>
+          </p:cNvPr>
+          <p:cNvCxnSpPr>
+            <a:cxnSpLocks/>
+          </p:cNvCxnSpPr>
+          <p:nvPr/>
+        </p:nvCxnSpPr>
+        <p:spPr>
+          <a:xfrm flipV="1">
+            <a:off x="10079236" y="8050670"/>
+            <a:ext cx="111965" cy="1"/>
+          </a:xfrm>
+          <a:prstGeom prst="line">
+            <a:avLst/>
+          </a:prstGeom>
+          <a:ln>
+            <a:solidFill>
+              <a:schemeClr val="bg1"/>
+            </a:solidFill>
+          </a:ln>
+        </p:spPr>
+        <p:style>
+          <a:lnRef idx="1">
+            <a:schemeClr val="dk1"/>
+          </a:lnRef>
+          <a:fillRef idx="0">
+            <a:schemeClr val="dk1"/>
+          </a:fillRef>
+          <a:effectRef idx="0">
+            <a:schemeClr val="dk1"/>
+          </a:effectRef>
+          <a:fontRef idx="minor">
+            <a:schemeClr val="tx1"/>
+          </a:fontRef>
+        </p:style>
+      </p:cxnSp>
+      <p:cxnSp>
+        <p:nvCxnSpPr>
+          <p:cNvPr id="211" name="Straight Connector 210">
+            <a:extLst>
+              <a:ext uri="{FF2B5EF4-FFF2-40B4-BE49-F238E27FC236}">
+                <a16:creationId xmlns:a16="http://schemas.microsoft.com/office/drawing/2014/main" id="{4A3AAB31-63FA-4F27-9868-2B0BCD1A20B6}"/>
+              </a:ext>
+            </a:extLst>
+          </p:cNvPr>
+          <p:cNvCxnSpPr>
+            <a:cxnSpLocks/>
+          </p:cNvCxnSpPr>
+          <p:nvPr/>
+        </p:nvCxnSpPr>
+        <p:spPr>
+          <a:xfrm flipV="1">
+            <a:off x="5553863" y="4949800"/>
+            <a:ext cx="111965" cy="1"/>
+          </a:xfrm>
+          <a:prstGeom prst="line">
+            <a:avLst/>
+          </a:prstGeom>
+          <a:ln>
+            <a:solidFill>
+              <a:schemeClr val="bg1"/>
+            </a:solidFill>
+          </a:ln>
+        </p:spPr>
+        <p:style>
+          <a:lnRef idx="1">
+            <a:schemeClr val="dk1"/>
+          </a:lnRef>
+          <a:fillRef idx="0">
+            <a:schemeClr val="dk1"/>
+          </a:fillRef>
+          <a:effectRef idx="0">
+            <a:schemeClr val="dk1"/>
+          </a:effectRef>
+          <a:fontRef idx="minor">
+            <a:schemeClr val="tx1"/>
+          </a:fontRef>
+        </p:style>
+      </p:cxnSp>
+      <p:cxnSp>
+        <p:nvCxnSpPr>
+          <p:cNvPr id="213" name="Straight Connector 212">
+            <a:extLst>
+              <a:ext uri="{FF2B5EF4-FFF2-40B4-BE49-F238E27FC236}">
+                <a16:creationId xmlns:a16="http://schemas.microsoft.com/office/drawing/2014/main" id="{C2840BC2-604B-4DCE-88C9-885B2E6CB678}"/>
+              </a:ext>
+            </a:extLst>
+          </p:cNvPr>
+          <p:cNvCxnSpPr/>
+          <p:nvPr/>
+        </p:nvCxnSpPr>
+        <p:spPr>
+          <a:xfrm>
+            <a:off x="4204817" y="843441"/>
+            <a:ext cx="214312" cy="0"/>
+          </a:xfrm>
+          <a:prstGeom prst="line">
+            <a:avLst/>
+          </a:prstGeom>
+          <a:ln>
+            <a:solidFill>
+              <a:schemeClr val="bg1"/>
+            </a:solidFill>
+          </a:ln>
+        </p:spPr>
+        <p:style>
+          <a:lnRef idx="1">
+            <a:schemeClr val="dk1"/>
+          </a:lnRef>
+          <a:fillRef idx="0">
+            <a:schemeClr val="dk1"/>
+          </a:fillRef>
+          <a:effectRef idx="0">
+            <a:schemeClr val="dk1"/>
+          </a:effectRef>
+          <a:fontRef idx="minor">
+            <a:schemeClr val="tx1"/>
+          </a:fontRef>
+        </p:style>
+      </p:cxnSp>
+      <p:cxnSp>
+        <p:nvCxnSpPr>
+          <p:cNvPr id="214" name="Straight Connector 213">
+            <a:extLst>
+              <a:ext uri="{FF2B5EF4-FFF2-40B4-BE49-F238E27FC236}">
+                <a16:creationId xmlns:a16="http://schemas.microsoft.com/office/drawing/2014/main" id="{6DA4526A-DCB9-43DE-8748-BFADAB6E20FC}"/>
+              </a:ext>
+            </a:extLst>
+          </p:cNvPr>
+          <p:cNvCxnSpPr>
+            <a:cxnSpLocks/>
+          </p:cNvCxnSpPr>
+          <p:nvPr/>
+        </p:nvCxnSpPr>
+        <p:spPr>
+          <a:xfrm>
+            <a:off x="4307209" y="843441"/>
+            <a:ext cx="16388" cy="7973509"/>
+          </a:xfrm>
+          <a:prstGeom prst="line">
+            <a:avLst/>
+          </a:prstGeom>
+          <a:ln>
+            <a:solidFill>
+              <a:schemeClr val="bg1"/>
+            </a:solidFill>
+          </a:ln>
+        </p:spPr>
+        <p:style>
+          <a:lnRef idx="1">
+            <a:schemeClr val="dk1"/>
+          </a:lnRef>
+          <a:fillRef idx="0">
+            <a:schemeClr val="dk1"/>
+          </a:fillRef>
+          <a:effectRef idx="0">
+            <a:schemeClr val="dk1"/>
+          </a:effectRef>
+          <a:fontRef idx="minor">
+            <a:schemeClr val="tx1"/>
+          </a:fontRef>
+        </p:style>
+      </p:cxnSp>
+      <p:cxnSp>
+        <p:nvCxnSpPr>
+          <p:cNvPr id="215" name="Straight Connector 214">
+            <a:extLst>
+              <a:ext uri="{FF2B5EF4-FFF2-40B4-BE49-F238E27FC236}">
+                <a16:creationId xmlns:a16="http://schemas.microsoft.com/office/drawing/2014/main" id="{C46918C3-9590-4173-A94C-703796B973CA}"/>
+              </a:ext>
+            </a:extLst>
+          </p:cNvPr>
+          <p:cNvCxnSpPr>
+            <a:cxnSpLocks/>
+          </p:cNvCxnSpPr>
+          <p:nvPr/>
+        </p:nvCxnSpPr>
+        <p:spPr>
+          <a:xfrm flipV="1">
+            <a:off x="4315125" y="4108477"/>
+            <a:ext cx="111965" cy="1"/>
+          </a:xfrm>
+          <a:prstGeom prst="line">
+            <a:avLst/>
+          </a:prstGeom>
+          <a:ln>
+            <a:solidFill>
+              <a:schemeClr val="bg1"/>
+            </a:solidFill>
+          </a:ln>
+        </p:spPr>
+        <p:style>
+          <a:lnRef idx="1">
+            <a:schemeClr val="dk1"/>
+          </a:lnRef>
+          <a:fillRef idx="0">
+            <a:schemeClr val="dk1"/>
+          </a:fillRef>
+          <a:effectRef idx="0">
+            <a:schemeClr val="dk1"/>
+          </a:effectRef>
+          <a:fontRef idx="minor">
+            <a:schemeClr val="tx1"/>
+          </a:fontRef>
+        </p:style>
+      </p:cxnSp>
+      <p:cxnSp>
+        <p:nvCxnSpPr>
+          <p:cNvPr id="216" name="Straight Connector 215">
+            <a:extLst>
+              <a:ext uri="{FF2B5EF4-FFF2-40B4-BE49-F238E27FC236}">
+                <a16:creationId xmlns:a16="http://schemas.microsoft.com/office/drawing/2014/main" id="{31239794-FEC8-47AA-8F23-7385B777B070}"/>
+              </a:ext>
+            </a:extLst>
+          </p:cNvPr>
+          <p:cNvCxnSpPr>
+            <a:cxnSpLocks/>
+          </p:cNvCxnSpPr>
+          <p:nvPr/>
+        </p:nvCxnSpPr>
+        <p:spPr>
+          <a:xfrm flipV="1">
+            <a:off x="4322240" y="8814569"/>
+            <a:ext cx="111965" cy="1"/>
+          </a:xfrm>
+          <a:prstGeom prst="line">
+            <a:avLst/>
+          </a:prstGeom>
+          <a:ln>
+            <a:solidFill>
+              <a:schemeClr val="bg1"/>
+            </a:solidFill>
+          </a:ln>
+        </p:spPr>
+        <p:style>
+          <a:lnRef idx="1">
+            <a:schemeClr val="dk1"/>
+          </a:lnRef>
+          <a:fillRef idx="0">
+            <a:schemeClr val="dk1"/>
+          </a:fillRef>
+          <a:effectRef idx="0">
+            <a:schemeClr val="dk1"/>
+          </a:effectRef>
+          <a:fontRef idx="minor">
+            <a:schemeClr val="tx1"/>
+          </a:fontRef>
+        </p:style>
+      </p:cxnSp>
+      <p:sp>
+        <p:nvSpPr>
+          <p:cNvPr id="217" name="TextBox 216">
+            <a:extLst>
+              <a:ext uri="{FF2B5EF4-FFF2-40B4-BE49-F238E27FC236}">
+                <a16:creationId xmlns:a16="http://schemas.microsoft.com/office/drawing/2014/main" id="{52C43EF8-C407-4727-992F-81A85A680637}"/>
+              </a:ext>
+            </a:extLst>
+          </p:cNvPr>
+          <p:cNvSpPr txBox="1"/>
+          <p:nvPr/>
+        </p:nvSpPr>
+        <p:spPr>
+          <a:xfrm>
+            <a:off x="4417322" y="8660680"/>
+            <a:ext cx="1152405" cy="307777"/>
+          </a:xfrm>
+          <a:prstGeom prst="rect">
+            <a:avLst/>
+          </a:prstGeom>
+          <a:noFill/>
+        </p:spPr>
+        <p:txBody>
+          <a:bodyPr wrap="square" rtlCol="0">
+            <a:spAutoFit/>
+          </a:bodyPr>
+          <a:lstStyle/>
+          <a:p>
+            <a:r>
+              <a:rPr lang="en-GB" sz="1400" dirty="0">
+                <a:solidFill>
+                  <a:schemeClr val="bg1"/>
+                </a:solidFill>
+                <a:latin typeface="Consolas" panose="020B0609020204030204" pitchFamily="49" charset="0"/>
+              </a:rPr>
+              <a:t>Village n</a:t>
+            </a:r>
+          </a:p>
+        </p:txBody>
+      </p:sp>
+      <p:sp>
+        <p:nvSpPr>
+          <p:cNvPr id="218" name="TextBox 217">
+            <a:extLst>
+              <a:ext uri="{FF2B5EF4-FFF2-40B4-BE49-F238E27FC236}">
+                <a16:creationId xmlns:a16="http://schemas.microsoft.com/office/drawing/2014/main" id="{B0219C72-C6C8-49BC-B0AB-7431334612A0}"/>
+              </a:ext>
+            </a:extLst>
+          </p:cNvPr>
+          <p:cNvSpPr txBox="1"/>
+          <p:nvPr/>
+        </p:nvSpPr>
+        <p:spPr>
+          <a:xfrm>
+            <a:off x="5670543" y="8661085"/>
+            <a:ext cx="582211" cy="307777"/>
+          </a:xfrm>
+          <a:prstGeom prst="rect">
+            <a:avLst/>
+          </a:prstGeom>
+          <a:noFill/>
+          <a:ln>
+            <a:noFill/>
+          </a:ln>
+        </p:spPr>
+        <p:txBody>
+          <a:bodyPr wrap="none" rtlCol="0">
+            <a:spAutoFit/>
+          </a:bodyPr>
+          <a:lstStyle/>
+          <a:p>
+            <a:r>
+              <a:rPr lang="en-GB" sz="1400" i="1" dirty="0">
+                <a:solidFill>
+                  <a:schemeClr val="bg1"/>
+                </a:solidFill>
+                <a:latin typeface="Consolas" panose="020B0609020204030204" pitchFamily="49" charset="0"/>
+              </a:rPr>
+              <a:t>etc.</a:t>
+            </a:r>
+          </a:p>
+        </p:txBody>
+      </p:sp>
+      <p:cxnSp>
+        <p:nvCxnSpPr>
+          <p:cNvPr id="219" name="Straight Connector 218">
+            <a:extLst>
+              <a:ext uri="{FF2B5EF4-FFF2-40B4-BE49-F238E27FC236}">
+                <a16:creationId xmlns:a16="http://schemas.microsoft.com/office/drawing/2014/main" id="{634A02C2-131C-45B8-BCBF-1543E7257485}"/>
+              </a:ext>
+            </a:extLst>
+          </p:cNvPr>
+          <p:cNvCxnSpPr/>
+          <p:nvPr/>
+        </p:nvCxnSpPr>
+        <p:spPr>
+          <a:xfrm>
+            <a:off x="5449140" y="8815527"/>
+            <a:ext cx="214312" cy="0"/>
+          </a:xfrm>
+          <a:prstGeom prst="line">
+            <a:avLst/>
+          </a:prstGeom>
+          <a:ln>
+            <a:solidFill>
+              <a:schemeClr val="bg1"/>
+            </a:solidFill>
+          </a:ln>
+        </p:spPr>
+        <p:style>
+          <a:lnRef idx="1">
+            <a:schemeClr val="dk1"/>
+          </a:lnRef>
+          <a:fillRef idx="0">
+            <a:schemeClr val="dk1"/>
+          </a:fillRef>
+          <a:effectRef idx="0">
+            <a:schemeClr val="dk1"/>
+          </a:effectRef>
+          <a:fontRef idx="minor">
+            <a:schemeClr val="tx1"/>
+          </a:fontRef>
+        </p:style>
+      </p:cxnSp>
     </p:spTree>
     <p:extLst>
       <p:ext uri="{BB962C8B-B14F-4D97-AF65-F5344CB8AC3E}">

--- a/img/file_structure.pptx
+++ b/img/file_structure.pptx
@@ -125,12 +125,12 @@
   <pc:docChgLst>
     <pc:chgData name="Samuel Huguet" userId="4578c951471d7f2a" providerId="LiveId" clId="{15DC2BB1-AB5F-4445-BE4B-0EA8B723DC84}"/>
     <pc:docChg chg="undo custSel modSld">
-      <pc:chgData name="Samuel Huguet" userId="4578c951471d7f2a" providerId="LiveId" clId="{15DC2BB1-AB5F-4445-BE4B-0EA8B723DC84}" dt="2021-08-19T17:19:13.384" v="681" actId="14100"/>
+      <pc:chgData name="Samuel Huguet" userId="4578c951471d7f2a" providerId="LiveId" clId="{15DC2BB1-AB5F-4445-BE4B-0EA8B723DC84}" dt="2021-09-03T11:47:04.945" v="683" actId="20577"/>
       <pc:docMkLst>
         <pc:docMk/>
       </pc:docMkLst>
       <pc:sldChg chg="addSp delSp modSp mod">
-        <pc:chgData name="Samuel Huguet" userId="4578c951471d7f2a" providerId="LiveId" clId="{15DC2BB1-AB5F-4445-BE4B-0EA8B723DC84}" dt="2021-08-19T17:19:13.384" v="681" actId="14100"/>
+        <pc:chgData name="Samuel Huguet" userId="4578c951471d7f2a" providerId="LiveId" clId="{15DC2BB1-AB5F-4445-BE4B-0EA8B723DC84}" dt="2021-09-03T11:47:04.945" v="683" actId="20577"/>
         <pc:sldMkLst>
           <pc:docMk/>
           <pc:sldMk cId="1152007807" sldId="256"/>
@@ -552,7 +552,7 @@
           </ac:spMkLst>
         </pc:spChg>
         <pc:spChg chg="add mod">
-          <ac:chgData name="Samuel Huguet" userId="4578c951471d7f2a" providerId="LiveId" clId="{15DC2BB1-AB5F-4445-BE4B-0EA8B723DC84}" dt="2021-08-19T17:14:32.638" v="445" actId="1076"/>
+          <ac:chgData name="Samuel Huguet" userId="4578c951471d7f2a" providerId="LiveId" clId="{15DC2BB1-AB5F-4445-BE4B-0EA8B723DC84}" dt="2021-09-03T11:47:04.945" v="683" actId="20577"/>
           <ac:spMkLst>
             <pc:docMk/>
             <pc:sldMk cId="1152007807" sldId="256"/>
@@ -1616,7 +1616,7 @@
           <a:p>
             <a:fld id="{DE30D2D3-B5F9-45AD-ACA0-65C0B13DC951}" type="datetimeFigureOut">
               <a:rPr lang="en-GB" smtClean="0"/>
-              <a:t>19/08/2021</a:t>
+              <a:t>03/09/2021</a:t>
             </a:fld>
             <a:endParaRPr lang="en-GB"/>
           </a:p>
@@ -1786,7 +1786,7 @@
           <a:p>
             <a:fld id="{DE30D2D3-B5F9-45AD-ACA0-65C0B13DC951}" type="datetimeFigureOut">
               <a:rPr lang="en-GB" smtClean="0"/>
-              <a:t>19/08/2021</a:t>
+              <a:t>03/09/2021</a:t>
             </a:fld>
             <a:endParaRPr lang="en-GB"/>
           </a:p>
@@ -1966,7 +1966,7 @@
           <a:p>
             <a:fld id="{DE30D2D3-B5F9-45AD-ACA0-65C0B13DC951}" type="datetimeFigureOut">
               <a:rPr lang="en-GB" smtClean="0"/>
-              <a:t>19/08/2021</a:t>
+              <a:t>03/09/2021</a:t>
             </a:fld>
             <a:endParaRPr lang="en-GB"/>
           </a:p>
@@ -2136,7 +2136,7 @@
           <a:p>
             <a:fld id="{DE30D2D3-B5F9-45AD-ACA0-65C0B13DC951}" type="datetimeFigureOut">
               <a:rPr lang="en-GB" smtClean="0"/>
-              <a:t>19/08/2021</a:t>
+              <a:t>03/09/2021</a:t>
             </a:fld>
             <a:endParaRPr lang="en-GB"/>
           </a:p>
@@ -2380,7 +2380,7 @@
           <a:p>
             <a:fld id="{DE30D2D3-B5F9-45AD-ACA0-65C0B13DC951}" type="datetimeFigureOut">
               <a:rPr lang="en-GB" smtClean="0"/>
-              <a:t>19/08/2021</a:t>
+              <a:t>03/09/2021</a:t>
             </a:fld>
             <a:endParaRPr lang="en-GB"/>
           </a:p>
@@ -2612,7 +2612,7 @@
           <a:p>
             <a:fld id="{DE30D2D3-B5F9-45AD-ACA0-65C0B13DC951}" type="datetimeFigureOut">
               <a:rPr lang="en-GB" smtClean="0"/>
-              <a:t>19/08/2021</a:t>
+              <a:t>03/09/2021</a:t>
             </a:fld>
             <a:endParaRPr lang="en-GB"/>
           </a:p>
@@ -2979,7 +2979,7 @@
           <a:p>
             <a:fld id="{DE30D2D3-B5F9-45AD-ACA0-65C0B13DC951}" type="datetimeFigureOut">
               <a:rPr lang="en-GB" smtClean="0"/>
-              <a:t>19/08/2021</a:t>
+              <a:t>03/09/2021</a:t>
             </a:fld>
             <a:endParaRPr lang="en-GB"/>
           </a:p>
@@ -3097,7 +3097,7 @@
           <a:p>
             <a:fld id="{DE30D2D3-B5F9-45AD-ACA0-65C0B13DC951}" type="datetimeFigureOut">
               <a:rPr lang="en-GB" smtClean="0"/>
-              <a:t>19/08/2021</a:t>
+              <a:t>03/09/2021</a:t>
             </a:fld>
             <a:endParaRPr lang="en-GB"/>
           </a:p>
@@ -3192,7 +3192,7 @@
           <a:p>
             <a:fld id="{DE30D2D3-B5F9-45AD-ACA0-65C0B13DC951}" type="datetimeFigureOut">
               <a:rPr lang="en-GB" smtClean="0"/>
-              <a:t>19/08/2021</a:t>
+              <a:t>03/09/2021</a:t>
             </a:fld>
             <a:endParaRPr lang="en-GB"/>
           </a:p>
@@ -3469,7 +3469,7 @@
           <a:p>
             <a:fld id="{DE30D2D3-B5F9-45AD-ACA0-65C0B13DC951}" type="datetimeFigureOut">
               <a:rPr lang="en-GB" smtClean="0"/>
-              <a:t>19/08/2021</a:t>
+              <a:t>03/09/2021</a:t>
             </a:fld>
             <a:endParaRPr lang="en-GB"/>
           </a:p>
@@ -3726,7 +3726,7 @@
           <a:p>
             <a:fld id="{DE30D2D3-B5F9-45AD-ACA0-65C0B13DC951}" type="datetimeFigureOut">
               <a:rPr lang="en-GB" smtClean="0"/>
-              <a:t>19/08/2021</a:t>
+              <a:t>03/09/2021</a:t>
             </a:fld>
             <a:endParaRPr lang="en-GB"/>
           </a:p>
@@ -3939,7 +3939,7 @@
           <a:p>
             <a:fld id="{DE30D2D3-B5F9-45AD-ACA0-65C0B13DC951}" type="datetimeFigureOut">
               <a:rPr lang="en-GB" smtClean="0"/>
-              <a:t>19/08/2021</a:t>
+              <a:t>03/09/2021</a:t>
             </a:fld>
             <a:endParaRPr lang="en-GB"/>
           </a:p>
@@ -7112,14 +7112,20 @@
           <a:lstStyle/>
           <a:p>
             <a:r>
-              <a:rPr lang="en-GB" sz="1400" dirty="0">
+              <a:rPr lang="en-GB" sz="1400" dirty="0" err="1">
                 <a:solidFill>
                   <a:schemeClr val="bg1"/>
                 </a:solidFill>
                 <a:latin typeface="Consolas" panose="020B0609020204030204" pitchFamily="49" charset="0"/>
               </a:rPr>
-              <a:t>Well_1</a:t>
-            </a:r>
+              <a:t>Well_n</a:t>
+            </a:r>
+            <a:endParaRPr lang="en-GB" sz="1400" dirty="0">
+              <a:solidFill>
+                <a:schemeClr val="bg1"/>
+              </a:solidFill>
+              <a:latin typeface="Consolas" panose="020B0609020204030204" pitchFamily="49" charset="0"/>
+            </a:endParaRPr>
           </a:p>
         </p:txBody>
       </p:sp>
